--- a/documentacion/Surabot.pptx
+++ b/documentacion/Surabot.pptx
@@ -5729,7 +5729,7 @@
         <p:spPr>
           <a:xfrm>
             <a:off x="1190625" y="1504950"/>
-            <a:ext cx="6334125" cy="2462213"/>
+            <a:ext cx="6334125" cy="1815882"/>
           </a:xfrm>
           <a:prstGeom prst="rect">
             <a:avLst/>
@@ -5774,12 +5774,12 @@
               <a:t> un </a:t>
             </a:r>
             <a:r>
-              <a:rPr lang="en-US"/>
-              <a:t>programa </a:t>
+              <a:rPr lang="en-US" dirty="0" err="1"/>
+              <a:t>programa</a:t>
             </a:r>
             <a:r>
               <a:rPr lang="en-US" dirty="0"/>
-              <a:t>para la </a:t>
+              <a:t> para la </a:t>
             </a:r>
             <a:r>
               <a:rPr lang="en-US" dirty="0" err="1"/>
@@ -5807,47 +5807,23 @@
             </a:r>
             <a:r>
               <a:rPr lang="en-US" dirty="0" err="1"/>
-              <a:t>tanto</a:t>
+              <a:t>en</a:t>
             </a:r>
             <a:r>
               <a:rPr lang="en-US" dirty="0"/>
-              <a:t> </a:t>
+              <a:t> las personas que </a:t>
             </a:r>
             <a:r>
               <a:rPr lang="en-US" dirty="0" err="1"/>
-              <a:t>en</a:t>
+              <a:t>quieran</a:t>
             </a:r>
             <a:r>
               <a:rPr lang="en-US" dirty="0"/>
-              <a:t> </a:t>
+              <a:t> ser </a:t>
             </a:r>
             <a:r>
               <a:rPr lang="en-US" dirty="0" err="1"/>
-              <a:t>trabajadores</a:t>
-            </a:r>
-            <a:r>
-              <a:rPr lang="en-US" dirty="0"/>
-              <a:t> </a:t>
-            </a:r>
-            <a:r>
-              <a:rPr lang="en-US" dirty="0" err="1"/>
-              <a:t>como</a:t>
-            </a:r>
-            <a:r>
-              <a:rPr lang="en-US" dirty="0"/>
-              <a:t> </a:t>
-            </a:r>
-            <a:r>
-              <a:rPr lang="en-US" dirty="0" err="1"/>
-              <a:t>en</a:t>
-            </a:r>
-            <a:r>
-              <a:rPr lang="en-US" dirty="0"/>
-              <a:t> </a:t>
-            </a:r>
-            <a:r>
-              <a:rPr lang="en-US" dirty="0" err="1"/>
-              <a:t>clientes</a:t>
+              <a:t>reclutadas</a:t>
             </a:r>
             <a:r>
               <a:rPr lang="en-US" dirty="0"/>
@@ -5878,11 +5854,11 @@
             </a:r>
             <a:r>
               <a:rPr lang="en-US" dirty="0"/>
-              <a:t> a </a:t>
+              <a:t> a los </a:t>
             </a:r>
             <a:r>
               <a:rPr lang="en-US" dirty="0" err="1"/>
-              <a:t>los</a:t>
+              <a:t>nuevos</a:t>
             </a:r>
             <a:r>
               <a:rPr lang="en-US" dirty="0"/>
@@ -5890,7 +5866,15 @@
             </a:r>
             <a:r>
               <a:rPr lang="en-US" dirty="0" err="1"/>
-              <a:t>nuevos</a:t>
+              <a:t>trabajadores</a:t>
+            </a:r>
+            <a:r>
+              <a:rPr lang="en-US" dirty="0"/>
+              <a:t> a ser </a:t>
+            </a:r>
+            <a:r>
+              <a:rPr lang="en-US" dirty="0" err="1"/>
+              <a:t>más</a:t>
             </a:r>
             <a:r>
               <a:rPr lang="en-US" dirty="0"/>
@@ -5898,7 +5882,79 @@
             </a:r>
             <a:r>
               <a:rPr lang="en-US" dirty="0" err="1"/>
-              <a:t>trabajdores</a:t>
+              <a:t>autodidactas</a:t>
+            </a:r>
+            <a:r>
+              <a:rPr lang="en-US" dirty="0"/>
+              <a:t>, </a:t>
+            </a:r>
+            <a:r>
+              <a:rPr lang="en-US" dirty="0" err="1"/>
+              <a:t>capacitándolos</a:t>
+            </a:r>
+            <a:r>
+              <a:rPr lang="en-US" dirty="0"/>
+              <a:t> y </a:t>
+            </a:r>
+            <a:r>
+              <a:rPr lang="en-US" dirty="0" err="1"/>
+              <a:t>orientándolos</a:t>
+            </a:r>
+            <a:r>
+              <a:rPr lang="en-US" dirty="0"/>
+              <a:t> </a:t>
+            </a:r>
+            <a:r>
+              <a:rPr lang="en-US" dirty="0" err="1"/>
+              <a:t>sobre</a:t>
+            </a:r>
+            <a:r>
+              <a:rPr lang="en-US" dirty="0"/>
+              <a:t> las </a:t>
+            </a:r>
+            <a:r>
+              <a:rPr lang="en-US" dirty="0" err="1"/>
+              <a:t>posibles</a:t>
+            </a:r>
+            <a:r>
+              <a:rPr lang="en-US" dirty="0"/>
+              <a:t> </a:t>
+            </a:r>
+            <a:r>
+              <a:rPr lang="en-US" dirty="0" err="1"/>
+              <a:t>dudas</a:t>
+            </a:r>
+            <a:r>
+              <a:rPr lang="en-US" dirty="0"/>
+              <a:t> que </a:t>
+            </a:r>
+            <a:r>
+              <a:rPr lang="en-US" dirty="0" err="1"/>
+              <a:t>puedan</a:t>
+            </a:r>
+            <a:r>
+              <a:rPr lang="en-US" dirty="0"/>
+              <a:t> </a:t>
+            </a:r>
+            <a:r>
+              <a:rPr lang="en-US" dirty="0" err="1"/>
+              <a:t>tener</a:t>
+            </a:r>
+            <a:r>
+              <a:rPr lang="en-US" dirty="0"/>
+              <a:t>, </a:t>
+            </a:r>
+            <a:r>
+              <a:rPr lang="en-US" dirty="0" err="1"/>
+              <a:t>además</a:t>
+            </a:r>
+            <a:r>
+              <a:rPr lang="en-US" dirty="0"/>
+              <a:t> </a:t>
+            </a:r>
+            <a:r>
+              <a:rPr lang="en-US" dirty="0" err="1"/>
+              <a:t>ayudará</a:t>
             </a:r>
             <a:r>
               <a:rPr lang="en-US" dirty="0"/>
@@ -5906,7 +5962,15 @@
             </a:r>
             <a:r>
               <a:rPr lang="en-US" dirty="0" err="1"/>
-              <a:t>ser</a:t>
+              <a:t>evaluar</a:t>
+            </a:r>
+            <a:r>
+              <a:rPr lang="en-US" dirty="0"/>
+              <a:t> lo </a:t>
+            </a:r>
+            <a:r>
+              <a:rPr lang="en-US" dirty="0" err="1"/>
+              <a:t>aprendido</a:t>
             </a:r>
             <a:r>
               <a:rPr lang="en-US" dirty="0"/>
@@ -5914,7 +5978,15 @@
             </a:r>
             <a:r>
               <a:rPr lang="en-US" dirty="0" err="1"/>
-              <a:t>más</a:t>
+              <a:t>mediante</a:t>
+            </a:r>
+            <a:r>
+              <a:rPr lang="en-US" dirty="0"/>
+              <a:t> un mini quiz que </a:t>
+            </a:r>
+            <a:r>
+              <a:rPr lang="en-US" dirty="0" err="1"/>
+              <a:t>este</a:t>
             </a:r>
             <a:r>
               <a:rPr lang="en-US" dirty="0"/>
@@ -5922,195 +5994,7 @@
             </a:r>
             <a:r>
               <a:rPr lang="en-US" dirty="0" err="1"/>
-              <a:t>autodidactas</a:t>
-            </a:r>
-            <a:r>
-              <a:rPr lang="en-US" dirty="0"/>
-              <a:t>, </a:t>
-            </a:r>
-            <a:r>
-              <a:rPr lang="en-US" dirty="0" err="1"/>
-              <a:t>capacitándolos</a:t>
-            </a:r>
-            <a:r>
-              <a:rPr lang="en-US" dirty="0"/>
-              <a:t> y </a:t>
-            </a:r>
-            <a:r>
-              <a:rPr lang="en-US" dirty="0" err="1"/>
-              <a:t>orientándolos</a:t>
-            </a:r>
-            <a:r>
-              <a:rPr lang="en-US" dirty="0"/>
-              <a:t> </a:t>
-            </a:r>
-            <a:r>
-              <a:rPr lang="en-US" dirty="0" err="1"/>
-              <a:t>sobre</a:t>
-            </a:r>
-            <a:r>
-              <a:rPr lang="en-US" dirty="0"/>
-              <a:t> las </a:t>
-            </a:r>
-            <a:r>
-              <a:rPr lang="en-US" dirty="0" err="1"/>
-              <a:t>posibles</a:t>
-            </a:r>
-            <a:r>
-              <a:rPr lang="en-US" dirty="0"/>
-              <a:t> </a:t>
-            </a:r>
-            <a:r>
-              <a:rPr lang="en-US" dirty="0" err="1"/>
-              <a:t>dudas</a:t>
-            </a:r>
-            <a:r>
-              <a:rPr lang="en-US" dirty="0"/>
-              <a:t> que </a:t>
-            </a:r>
-            <a:r>
-              <a:rPr lang="en-US" dirty="0" err="1"/>
-              <a:t>puedan</a:t>
-            </a:r>
-            <a:r>
-              <a:rPr lang="en-US" dirty="0"/>
-              <a:t> </a:t>
-            </a:r>
-            <a:r>
-              <a:rPr lang="en-US" dirty="0" err="1"/>
-              <a:t>tener</a:t>
-            </a:r>
-            <a:r>
-              <a:rPr lang="en-US" dirty="0"/>
-              <a:t>, </a:t>
-            </a:r>
-            <a:r>
-              <a:rPr lang="en-US" dirty="0" err="1"/>
-              <a:t>además</a:t>
-            </a:r>
-            <a:r>
-              <a:rPr lang="en-US" dirty="0"/>
-              <a:t> </a:t>
-            </a:r>
-            <a:r>
-              <a:rPr lang="en-US" dirty="0" err="1"/>
-              <a:t>ayudará</a:t>
-            </a:r>
-            <a:r>
-              <a:rPr lang="en-US" dirty="0"/>
-              <a:t> a </a:t>
-            </a:r>
-            <a:r>
-              <a:rPr lang="en-US" dirty="0" err="1"/>
-              <a:t>evaluar</a:t>
-            </a:r>
-            <a:r>
-              <a:rPr lang="en-US" dirty="0"/>
-              <a:t> lo </a:t>
-            </a:r>
-            <a:r>
-              <a:rPr lang="en-US" dirty="0" err="1"/>
-              <a:t>aprendido</a:t>
-            </a:r>
-            <a:r>
-              <a:rPr lang="en-US" dirty="0"/>
-              <a:t> </a:t>
-            </a:r>
-            <a:r>
-              <a:rPr lang="en-US" dirty="0" err="1"/>
-              <a:t>mediante</a:t>
-            </a:r>
-            <a:r>
-              <a:rPr lang="en-US" dirty="0"/>
-              <a:t> un mini quiz que </a:t>
-            </a:r>
-            <a:r>
-              <a:rPr lang="en-US" dirty="0" err="1"/>
-              <a:t>este</a:t>
-            </a:r>
-            <a:r>
-              <a:rPr lang="en-US" dirty="0"/>
-              <a:t> </a:t>
-            </a:r>
-            <a:r>
-              <a:rPr lang="en-US" dirty="0" err="1"/>
               <a:t>realizará</a:t>
-            </a:r>
-            <a:r>
-              <a:rPr lang="en-US" dirty="0"/>
-              <a:t>.</a:t>
-            </a:r>
-          </a:p>
-          <a:p>
-            <a:pPr marL="114300" indent="0">
-              <a:buNone/>
-            </a:pPr>
-            <a:endParaRPr lang="en-US" dirty="0"/>
-          </a:p>
-          <a:p>
-            <a:pPr marL="114300" indent="0">
-              <a:buNone/>
-            </a:pPr>
-            <a:r>
-              <a:rPr lang="en-US" dirty="0" err="1"/>
-              <a:t>Adicionando</a:t>
-            </a:r>
-            <a:r>
-              <a:rPr lang="en-US" dirty="0"/>
-              <a:t> la parte de </a:t>
-            </a:r>
-            <a:r>
-              <a:rPr lang="en-US" dirty="0" err="1"/>
-              <a:t>Atención</a:t>
-            </a:r>
-            <a:r>
-              <a:rPr lang="en-US" dirty="0"/>
-              <a:t> a </a:t>
-            </a:r>
-            <a:r>
-              <a:rPr lang="en-US" dirty="0" err="1"/>
-              <a:t>clientes</a:t>
-            </a:r>
-            <a:r>
-              <a:rPr lang="en-US" dirty="0"/>
-              <a:t>, </a:t>
-            </a:r>
-            <a:r>
-              <a:rPr lang="en-US" dirty="0" err="1"/>
-              <a:t>ahorrandoles</a:t>
-            </a:r>
-            <a:r>
-              <a:rPr lang="en-US" dirty="0"/>
-              <a:t> </a:t>
-            </a:r>
-          </a:p>
-          <a:p>
-            <a:pPr marL="114300" indent="0">
-              <a:buNone/>
-            </a:pPr>
-            <a:r>
-              <a:rPr lang="en-US" dirty="0"/>
-              <a:t>el </a:t>
-            </a:r>
-            <a:r>
-              <a:rPr lang="en-US" dirty="0" err="1"/>
-              <a:t>tiempo</a:t>
-            </a:r>
-            <a:r>
-              <a:rPr lang="en-US" dirty="0"/>
-              <a:t> de </a:t>
-            </a:r>
-            <a:r>
-              <a:rPr lang="en-US" dirty="0" err="1"/>
-              <a:t>ir</a:t>
-            </a:r>
-            <a:r>
-              <a:rPr lang="en-US" dirty="0"/>
-              <a:t> hasta la </a:t>
-            </a:r>
-            <a:r>
-              <a:rPr lang="en-US" dirty="0" err="1"/>
-              <a:t>empresa</a:t>
             </a:r>
             <a:r>
               <a:rPr lang="en-US" dirty="0"/>
@@ -6194,7 +6078,7 @@
         <p:spPr>
           <a:xfrm>
             <a:off x="933450" y="1257300"/>
-            <a:ext cx="7077075" cy="2893100"/>
+            <a:ext cx="7077075" cy="2462213"/>
           </a:xfrm>
           <a:prstGeom prst="rect">
             <a:avLst/>
@@ -6225,11 +6109,43 @@
             </a:r>
             <a:r>
               <a:rPr lang="en-US" dirty="0"/>
-              <a:t> </a:t>
+              <a:t> una matricula a </a:t>
             </a:r>
             <a:r>
               <a:rPr lang="en-US" dirty="0" err="1"/>
-              <a:t>una</a:t>
+              <a:t>cada</a:t>
+            </a:r>
+            <a:r>
+              <a:rPr lang="en-US" dirty="0"/>
+              <a:t> nuevo </a:t>
+            </a:r>
+            <a:r>
+              <a:rPr lang="en-US" dirty="0" err="1"/>
+              <a:t>trabajador</a:t>
+            </a:r>
+            <a:r>
+              <a:rPr lang="en-US" dirty="0"/>
+              <a:t>, el </a:t>
+            </a:r>
+            <a:r>
+              <a:rPr lang="en-US" dirty="0" err="1"/>
+              <a:t>cual</a:t>
+            </a:r>
+            <a:r>
+              <a:rPr lang="en-US" dirty="0"/>
+              <a:t> al </a:t>
+            </a:r>
+            <a:r>
+              <a:rPr lang="en-US" dirty="0" err="1"/>
+              <a:t>momento</a:t>
+            </a:r>
+            <a:r>
+              <a:rPr lang="en-US" dirty="0"/>
+              <a:t> de </a:t>
+            </a:r>
+            <a:r>
+              <a:rPr lang="en-US" dirty="0" err="1"/>
+              <a:t>ingresar</a:t>
             </a:r>
             <a:r>
               <a:rPr lang="en-US" dirty="0"/>
@@ -6237,15 +6153,15 @@
             </a:r>
             <a:r>
               <a:rPr lang="en-US" dirty="0" err="1"/>
-              <a:t>matricula</a:t>
+              <a:t>en</a:t>
             </a:r>
             <a:r>
               <a:rPr lang="en-US" dirty="0"/>
-              <a:t> a </a:t>
+              <a:t> la app, </a:t>
             </a:r>
             <a:r>
               <a:rPr lang="en-US" dirty="0" err="1"/>
-              <a:t>cada</a:t>
+              <a:t>te</a:t>
             </a:r>
             <a:r>
               <a:rPr lang="en-US" dirty="0"/>
@@ -6253,7 +6169,7 @@
             </a:r>
             <a:r>
               <a:rPr lang="en-US" dirty="0" err="1"/>
-              <a:t>nuevo</a:t>
+              <a:t>pedirá</a:t>
             </a:r>
             <a:r>
               <a:rPr lang="en-US" dirty="0"/>
@@ -6261,31 +6177,23 @@
             </a:r>
             <a:r>
               <a:rPr lang="en-US" dirty="0" err="1"/>
-              <a:t>trabajador</a:t>
+              <a:t>tu</a:t>
             </a:r>
             <a:r>
               <a:rPr lang="en-US" dirty="0"/>
-              <a:t>, el </a:t>
+              <a:t> matricula y </a:t>
             </a:r>
             <a:r>
               <a:rPr lang="en-US" dirty="0" err="1"/>
-              <a:t>cual</a:t>
+              <a:t>correo</a:t>
             </a:r>
             <a:r>
               <a:rPr lang="en-US" dirty="0"/>
-              <a:t> al </a:t>
+              <a:t> para que </a:t>
             </a:r>
             <a:r>
               <a:rPr lang="en-US" dirty="0" err="1"/>
-              <a:t>momento</a:t>
-            </a:r>
-            <a:r>
-              <a:rPr lang="en-US" dirty="0"/>
-              <a:t> de </a:t>
-            </a:r>
-            <a:r>
-              <a:rPr lang="en-US" dirty="0" err="1"/>
-              <a:t>enviar</a:t>
+              <a:t>pueda</a:t>
             </a:r>
             <a:r>
               <a:rPr lang="en-US" dirty="0"/>
@@ -6293,15 +6201,15 @@
             </a:r>
             <a:r>
               <a:rPr lang="en-US" dirty="0" err="1"/>
-              <a:t>mensaje</a:t>
+              <a:t>verificar</a:t>
             </a:r>
             <a:r>
               <a:rPr lang="en-US" dirty="0"/>
-              <a:t>, </a:t>
+              <a:t> que </a:t>
             </a:r>
             <a:r>
               <a:rPr lang="en-US" dirty="0" err="1"/>
-              <a:t>te</a:t>
+              <a:t>estas</a:t>
             </a:r>
             <a:r>
               <a:rPr lang="en-US" dirty="0"/>
@@ -6309,43 +6217,19 @@
             </a:r>
             <a:r>
               <a:rPr lang="en-US" dirty="0" err="1"/>
-              <a:t>preguntará</a:t>
+              <a:t>en</a:t>
             </a:r>
             <a:r>
               <a:rPr lang="en-US" dirty="0"/>
-              <a:t> </a:t>
+              <a:t> el </a:t>
             </a:r>
             <a:r>
               <a:rPr lang="en-US" dirty="0" err="1"/>
-              <a:t>si</a:t>
+              <a:t>archivo</a:t>
             </a:r>
             <a:r>
               <a:rPr lang="en-US" dirty="0"/>
-              <a:t> </a:t>
-            </a:r>
-            <a:r>
-              <a:rPr lang="en-US" dirty="0" err="1"/>
-              <a:t>eres</a:t>
-            </a:r>
-            <a:r>
-              <a:rPr lang="en-US" dirty="0"/>
-              <a:t> un </a:t>
-            </a:r>
-            <a:r>
-              <a:rPr lang="en-US" dirty="0" err="1"/>
-              <a:t>cliente</a:t>
-            </a:r>
-            <a:r>
-              <a:rPr lang="en-US" dirty="0"/>
-              <a:t> o </a:t>
-            </a:r>
-            <a:r>
-              <a:rPr lang="en-US" dirty="0" err="1"/>
-              <a:t>trabajador</a:t>
-            </a:r>
-            <a:r>
-              <a:rPr lang="en-US" dirty="0"/>
-              <a:t>. </a:t>
+              <a:t>.  </a:t>
             </a:r>
           </a:p>
           <a:p>
@@ -6354,11 +6238,27 @@
           <a:p>
             <a:r>
               <a:rPr lang="en-US" dirty="0"/>
-              <a:t>Si </a:t>
+              <a:t>Al </a:t>
             </a:r>
             <a:r>
               <a:rPr lang="en-US" dirty="0" err="1"/>
-              <a:t>eres</a:t>
+              <a:t>ingresar</a:t>
+            </a:r>
+            <a:r>
+              <a:rPr lang="en-US" dirty="0"/>
+              <a:t>, </a:t>
+            </a:r>
+            <a:r>
+              <a:rPr lang="en-US" dirty="0" err="1"/>
+              <a:t>tendrás</a:t>
+            </a:r>
+            <a:r>
+              <a:rPr lang="en-US" dirty="0"/>
+              <a:t> que </a:t>
+            </a:r>
+            <a:r>
+              <a:rPr lang="en-US" dirty="0" err="1"/>
+              <a:t>dar</a:t>
             </a:r>
             <a:r>
               <a:rPr lang="en-US" dirty="0"/>
@@ -6366,23 +6266,7 @@
             </a:r>
             <a:r>
               <a:rPr lang="en-US" dirty="0" err="1"/>
-              <a:t>cliente</a:t>
-            </a:r>
-            <a:r>
-              <a:rPr lang="en-US" dirty="0"/>
-              <a:t>, la app </a:t>
-            </a:r>
-            <a:r>
-              <a:rPr lang="en-US" dirty="0" err="1"/>
-              <a:t>interactuará</a:t>
-            </a:r>
-            <a:r>
-              <a:rPr lang="en-US" dirty="0"/>
-              <a:t> con la persona y </a:t>
-            </a:r>
-            <a:r>
-              <a:rPr lang="en-US" dirty="0" err="1"/>
-              <a:t>responderá</a:t>
+              <a:t>clic</a:t>
             </a:r>
             <a:r>
               <a:rPr lang="en-US" dirty="0"/>
@@ -6390,7 +6274,7 @@
             </a:r>
             <a:r>
               <a:rPr lang="en-US" dirty="0" err="1"/>
-              <a:t>preguntas</a:t>
+              <a:t>en</a:t>
             </a:r>
             <a:r>
               <a:rPr lang="en-US" dirty="0"/>
@@ -6398,15 +6282,15 @@
             </a:r>
             <a:r>
               <a:rPr lang="en-US" dirty="0" err="1"/>
-              <a:t>acerca</a:t>
+              <a:t>mostrar</a:t>
             </a:r>
             <a:r>
               <a:rPr lang="en-US" dirty="0"/>
-              <a:t> de </a:t>
+              <a:t> document y </a:t>
             </a:r>
             <a:r>
               <a:rPr lang="en-US" dirty="0" err="1"/>
-              <a:t>algún</a:t>
+              <a:t>así</a:t>
             </a:r>
             <a:r>
               <a:rPr lang="en-US" dirty="0"/>
@@ -6414,19 +6298,19 @@
             </a:r>
             <a:r>
               <a:rPr lang="en-US" dirty="0" err="1"/>
-              <a:t>servicio</a:t>
+              <a:t>poder</a:t>
             </a:r>
             <a:r>
               <a:rPr lang="en-US" dirty="0"/>
-              <a:t> de la </a:t>
+              <a:t> </a:t>
             </a:r>
             <a:r>
               <a:rPr lang="en-US" dirty="0" err="1"/>
-              <a:t>empresa</a:t>
+              <a:t>orientarte</a:t>
             </a:r>
             <a:r>
               <a:rPr lang="en-US" dirty="0"/>
-              <a:t>.</a:t>
+              <a:t> antes del mini quiz. </a:t>
             </a:r>
           </a:p>
           <a:p>
@@ -6434,12 +6318,16 @@
           </a:p>
           <a:p>
             <a:r>
+              <a:rPr lang="en-US" dirty="0" err="1"/>
+              <a:t>Cuando</a:t>
+            </a:r>
+            <a:r>
               <a:rPr lang="en-US" dirty="0"/>
-              <a:t>Si </a:t>
+              <a:t> la persona se </a:t>
             </a:r>
             <a:r>
               <a:rPr lang="en-US" dirty="0" err="1"/>
-              <a:t>eres</a:t>
+              <a:t>sienta</a:t>
             </a:r>
             <a:r>
               <a:rPr lang="en-US" dirty="0"/>
@@ -6447,15 +6335,15 @@
             </a:r>
             <a:r>
               <a:rPr lang="en-US" dirty="0" err="1"/>
-              <a:t>trabajador</a:t>
+              <a:t>listo</a:t>
             </a:r>
             <a:r>
               <a:rPr lang="en-US" dirty="0"/>
-              <a:t>, la app </a:t>
+              <a:t>, </a:t>
             </a:r>
             <a:r>
               <a:rPr lang="en-US" dirty="0" err="1"/>
-              <a:t>automáticamente</a:t>
+              <a:t>dará</a:t>
             </a:r>
             <a:r>
               <a:rPr lang="en-US" dirty="0"/>
@@ -6463,31 +6351,7 @@
             </a:r>
             <a:r>
               <a:rPr lang="en-US" dirty="0" err="1"/>
-              <a:t>sabrá</a:t>
-            </a:r>
-            <a:r>
-              <a:rPr lang="en-US" dirty="0"/>
-              <a:t> que </a:t>
-            </a:r>
-            <a:r>
-              <a:rPr lang="en-US" dirty="0" err="1"/>
-              <a:t>es</a:t>
-            </a:r>
-            <a:r>
-              <a:rPr lang="en-US" dirty="0"/>
-              <a:t> para </a:t>
-            </a:r>
-            <a:r>
-              <a:rPr lang="en-US" dirty="0" err="1"/>
-              <a:t>capacitar</a:t>
-            </a:r>
-            <a:r>
-              <a:rPr lang="en-US" dirty="0"/>
-              <a:t>. Este </a:t>
-            </a:r>
-            <a:r>
-              <a:rPr lang="en-US" dirty="0" err="1"/>
-              <a:t>enviará</a:t>
+              <a:t>clic</a:t>
             </a:r>
             <a:r>
               <a:rPr lang="en-US" dirty="0"/>
@@ -6495,7 +6359,15 @@
             </a:r>
             <a:r>
               <a:rPr lang="en-US" dirty="0" err="1"/>
-              <a:t>los</a:t>
+              <a:t>en</a:t>
+            </a:r>
+            <a:r>
+              <a:rPr lang="en-US" dirty="0"/>
+              <a:t> mini quiz, el </a:t>
+            </a:r>
+            <a:r>
+              <a:rPr lang="en-US" dirty="0" err="1"/>
+              <a:t>cual</a:t>
             </a:r>
             <a:r>
               <a:rPr lang="en-US" dirty="0"/>
@@ -6503,27 +6375,35 @@
             </a:r>
             <a:r>
               <a:rPr lang="en-US" dirty="0" err="1"/>
-              <a:t>documentos</a:t>
+              <a:t>consta</a:t>
             </a:r>
             <a:r>
               <a:rPr lang="en-US" dirty="0"/>
-              <a:t> de la </a:t>
+              <a:t> de 5 </a:t>
             </a:r>
             <a:r>
               <a:rPr lang="en-US" dirty="0" err="1"/>
-              <a:t>empresa</a:t>
+              <a:t>pregunta</a:t>
             </a:r>
             <a:r>
               <a:rPr lang="en-US" dirty="0"/>
-              <a:t> y de lo que </a:t>
+              <a:t> con 20 puntos </a:t>
             </a:r>
             <a:r>
               <a:rPr lang="en-US" dirty="0" err="1"/>
-              <a:t>deberás</a:t>
+              <a:t>cada</a:t>
             </a:r>
             <a:r>
               <a:rPr lang="en-US" dirty="0"/>
-              <a:t> saber. </a:t>
+              <a:t> </a:t>
+            </a:r>
+            <a:r>
+              <a:rPr lang="en-US" dirty="0" err="1"/>
+              <a:t>uno</a:t>
+            </a:r>
+            <a:r>
+              <a:rPr lang="en-US" dirty="0"/>
+              <a:t>. </a:t>
             </a:r>
           </a:p>
           <a:p>
@@ -6532,163 +6412,40 @@
           <a:p>
             <a:r>
               <a:rPr lang="en-US" dirty="0"/>
-              <a:t>La app </a:t>
+              <a:t>El </a:t>
             </a:r>
             <a:r>
               <a:rPr lang="en-US" dirty="0" err="1"/>
-              <a:t>adicionalmente</a:t>
+              <a:t>trabajador</a:t>
             </a:r>
             <a:r>
               <a:rPr lang="en-US" dirty="0"/>
-              <a:t>  </a:t>
+              <a:t> debe </a:t>
             </a:r>
             <a:r>
               <a:rPr lang="en-US" dirty="0" err="1"/>
-              <a:t>resolverá</a:t>
+              <a:t>tener</a:t>
             </a:r>
             <a:r>
               <a:rPr lang="en-US" dirty="0"/>
-              <a:t> las </a:t>
+              <a:t> una </a:t>
             </a:r>
             <a:r>
               <a:rPr lang="en-US" dirty="0" err="1"/>
-              <a:t>dudas</a:t>
+              <a:t>calificación</a:t>
             </a:r>
             <a:r>
               <a:rPr lang="en-US" dirty="0"/>
-              <a:t> del personal. </a:t>
+              <a:t> mayor a 80 para ser </a:t>
             </a:r>
             <a:r>
               <a:rPr lang="en-US" dirty="0" err="1"/>
-              <a:t>Ya</a:t>
-            </a:r>
-            <a:r>
-              <a:rPr lang="en-US" dirty="0"/>
-              <a:t> al </a:t>
-            </a:r>
-            <a:r>
-              <a:rPr lang="en-US" dirty="0" err="1"/>
-              <a:t>finalizar</a:t>
-            </a:r>
-            <a:r>
-              <a:rPr lang="en-US" dirty="0"/>
-              <a:t>, </a:t>
-            </a:r>
-            <a:r>
-              <a:rPr lang="en-US" dirty="0" err="1"/>
-              <a:t>este</a:t>
-            </a:r>
-            <a:r>
-              <a:rPr lang="en-US" dirty="0"/>
-              <a:t> </a:t>
-            </a:r>
-            <a:r>
-              <a:rPr lang="en-US" dirty="0" err="1"/>
-              <a:t>realizará</a:t>
-            </a:r>
-            <a:r>
-              <a:rPr lang="en-US" dirty="0"/>
-              <a:t> un mini quiz para que el jefe </a:t>
-            </a:r>
-            <a:r>
-              <a:rPr lang="en-US" dirty="0" err="1"/>
-              <a:t>pueda</a:t>
-            </a:r>
-            <a:r>
-              <a:rPr lang="en-US" dirty="0"/>
-              <a:t> </a:t>
-            </a:r>
-            <a:r>
-              <a:rPr lang="en-US" dirty="0" err="1"/>
-              <a:t>ver</a:t>
-            </a:r>
-            <a:r>
-              <a:rPr lang="en-US" dirty="0"/>
-              <a:t> </a:t>
-            </a:r>
-            <a:r>
-              <a:rPr lang="en-US" dirty="0" err="1"/>
-              <a:t>si</a:t>
-            </a:r>
-            <a:r>
-              <a:rPr lang="en-US" dirty="0"/>
-              <a:t> </a:t>
-            </a:r>
-            <a:r>
-              <a:rPr lang="en-US" dirty="0" err="1"/>
-              <a:t>esta</a:t>
-            </a:r>
-            <a:r>
-              <a:rPr lang="en-US" dirty="0"/>
-              <a:t> </a:t>
-            </a:r>
-            <a:r>
-              <a:rPr lang="en-US" dirty="0" err="1"/>
-              <a:t>capacitado</a:t>
-            </a:r>
-            <a:r>
-              <a:rPr lang="en-US" dirty="0"/>
-              <a:t> y </a:t>
-            </a:r>
-            <a:r>
-              <a:rPr lang="en-US" dirty="0" err="1"/>
-              <a:t>fue</a:t>
-            </a:r>
-            <a:r>
-              <a:rPr lang="en-US" dirty="0"/>
-              <a:t> </a:t>
-            </a:r>
-            <a:r>
-              <a:rPr lang="en-US" dirty="0" err="1"/>
-              <a:t>responsable</a:t>
-            </a:r>
-            <a:r>
-              <a:rPr lang="en-US" dirty="0"/>
-              <a:t> con </a:t>
-            </a:r>
-            <a:r>
-              <a:rPr lang="en-US" dirty="0" err="1"/>
-              <a:t>cada</a:t>
-            </a:r>
-            <a:r>
-              <a:rPr lang="en-US" dirty="0"/>
-              <a:t> </a:t>
-            </a:r>
-            <a:r>
-              <a:rPr lang="en-US" dirty="0" err="1"/>
-              <a:t>uno</a:t>
-            </a:r>
-            <a:r>
-              <a:rPr lang="en-US" dirty="0"/>
-              <a:t> de </a:t>
-            </a:r>
-            <a:r>
-              <a:rPr lang="en-US" dirty="0" err="1"/>
-              <a:t>los</a:t>
-            </a:r>
-            <a:r>
-              <a:rPr lang="en-US" dirty="0"/>
-              <a:t> </a:t>
-            </a:r>
-            <a:r>
-              <a:rPr lang="en-US" dirty="0" err="1"/>
-              <a:t>puntos</a:t>
-            </a:r>
-            <a:r>
-              <a:rPr lang="en-US" dirty="0"/>
-              <a:t> del </a:t>
-            </a:r>
-            <a:r>
-              <a:rPr lang="en-US" dirty="0" err="1"/>
-              <a:t>documento</a:t>
+              <a:t>reclutado</a:t>
             </a:r>
             <a:r>
               <a:rPr lang="en-US" dirty="0"/>
               <a:t>. </a:t>
             </a:r>
-            <a:endParaRPr lang="es-MX" dirty="0"/>
-          </a:p>
-          <a:p>
             <a:endParaRPr lang="es-MX" dirty="0"/>
           </a:p>
         </p:txBody>
@@ -6765,7 +6522,7 @@
         <p:spPr>
           <a:xfrm>
             <a:off x="1262062" y="1171635"/>
-            <a:ext cx="6257925" cy="3108543"/>
+            <a:ext cx="6257925" cy="2031325"/>
           </a:xfrm>
           <a:prstGeom prst="rect">
             <a:avLst/>
@@ -6816,20 +6573,8 @@
               <a:buChar char="v"/>
             </a:pPr>
             <a:r>
-              <a:rPr lang="en-US" dirty="0" err="1"/>
-              <a:t>Es</a:t>
-            </a:r>
-            <a:r>
               <a:rPr lang="en-US" dirty="0"/>
-              <a:t> </a:t>
-            </a:r>
-            <a:r>
-              <a:rPr lang="en-US" dirty="0" err="1"/>
-              <a:t>una</a:t>
-            </a:r>
-            <a:r>
-              <a:rPr lang="en-US" dirty="0"/>
-              <a:t> gran </a:t>
+              <a:t>Es una gran </a:t>
             </a:r>
             <a:r>
               <a:rPr lang="en-US" dirty="0" err="1"/>
@@ -6837,19 +6582,11 @@
             </a:r>
             <a:r>
               <a:rPr lang="en-US" dirty="0"/>
-              <a:t> entre </a:t>
+              <a:t> entre los </a:t>
             </a:r>
             <a:r>
               <a:rPr lang="en-US" dirty="0" err="1"/>
-              <a:t>los</a:t>
-            </a:r>
-            <a:r>
-              <a:rPr lang="en-US" dirty="0"/>
-              <a:t> </a:t>
-            </a:r>
-            <a:r>
-              <a:rPr lang="en-US" dirty="0" err="1"/>
-              <a:t>clientes</a:t>
+              <a:t>trabajadores</a:t>
             </a:r>
             <a:r>
               <a:rPr lang="en-US" dirty="0"/>
@@ -6894,6 +6631,10 @@
             </a:r>
           </a:p>
           <a:p>
+            <a:pPr marL="285750" indent="-285750">
+              <a:buFont typeface="Wingdings" panose="05000000000000000000" pitchFamily="2" charset="2"/>
+              <a:buChar char="v"/>
+            </a:pPr>
             <a:endParaRPr lang="en-US" dirty="0"/>
           </a:p>
           <a:p>
@@ -6903,11 +6644,11 @@
             </a:pPr>
             <a:r>
               <a:rPr lang="en-US" dirty="0"/>
-              <a:t>Los </a:t>
+              <a:t>El personal no </a:t>
             </a:r>
             <a:r>
               <a:rPr lang="en-US" dirty="0" err="1"/>
-              <a:t>clientes</a:t>
+              <a:t>sentirá</a:t>
             </a:r>
             <a:r>
               <a:rPr lang="en-US" dirty="0"/>
@@ -6915,55 +6656,7 @@
             </a:r>
             <a:r>
               <a:rPr lang="en-US" dirty="0" err="1"/>
-              <a:t>tendrán</a:t>
-            </a:r>
-            <a:r>
-              <a:rPr lang="en-US" dirty="0"/>
-              <a:t> la </a:t>
-            </a:r>
-            <a:r>
-              <a:rPr lang="en-US" dirty="0" err="1"/>
-              <a:t>atención</a:t>
-            </a:r>
-            <a:r>
-              <a:rPr lang="en-US" dirty="0"/>
-              <a:t> las 24 horas del </a:t>
-            </a:r>
-            <a:r>
-              <a:rPr lang="en-US" dirty="0" err="1"/>
-              <a:t>dia</a:t>
-            </a:r>
-            <a:r>
-              <a:rPr lang="en-US" dirty="0"/>
-              <a:t>, sin </a:t>
-            </a:r>
-            <a:r>
-              <a:rPr lang="en-US" dirty="0" err="1"/>
-              <a:t>tener</a:t>
-            </a:r>
-            <a:r>
-              <a:rPr lang="en-US" dirty="0"/>
-              <a:t> que </a:t>
-            </a:r>
-            <a:r>
-              <a:rPr lang="en-US" dirty="0" err="1"/>
-              <a:t>ir</a:t>
-            </a:r>
-            <a:r>
-              <a:rPr lang="en-US" dirty="0"/>
-              <a:t> a la </a:t>
-            </a:r>
-            <a:r>
-              <a:rPr lang="en-US" dirty="0" err="1"/>
-              <a:t>empresa</a:t>
-            </a:r>
-            <a:r>
-              <a:rPr lang="en-US" dirty="0"/>
-              <a:t> o </a:t>
-            </a:r>
-            <a:r>
-              <a:rPr lang="en-US" dirty="0" err="1"/>
-              <a:t>llamar</a:t>
+              <a:t>ninguna</a:t>
             </a:r>
             <a:r>
               <a:rPr lang="en-US" dirty="0"/>
@@ -6971,23 +6664,7 @@
             </a:r>
             <a:r>
               <a:rPr lang="en-US" dirty="0" err="1"/>
-              <a:t>por</a:t>
-            </a:r>
-            <a:r>
-              <a:rPr lang="en-US" dirty="0"/>
-              <a:t> </a:t>
-            </a:r>
-            <a:r>
-              <a:rPr lang="en-US" dirty="0" err="1"/>
-              <a:t>sus</a:t>
-            </a:r>
-            <a:r>
-              <a:rPr lang="en-US" dirty="0"/>
-              <a:t> </a:t>
-            </a:r>
-            <a:r>
-              <a:rPr lang="en-US" dirty="0" err="1"/>
-              <a:t>dudas</a:t>
+              <a:t>presión</a:t>
             </a:r>
             <a:r>
               <a:rPr lang="en-US" dirty="0"/>
@@ -6995,6 +6672,10 @@
             </a:r>
           </a:p>
           <a:p>
+            <a:pPr marL="285750" indent="-285750">
+              <a:buFont typeface="Wingdings" panose="05000000000000000000" pitchFamily="2" charset="2"/>
+              <a:buChar char="v"/>
+            </a:pPr>
             <a:endParaRPr lang="en-US" dirty="0"/>
           </a:p>
           <a:p>
@@ -7002,56 +6683,7 @@
               <a:buFont typeface="Wingdings" panose="05000000000000000000" pitchFamily="2" charset="2"/>
               <a:buChar char="v"/>
             </a:pPr>
-            <a:r>
-              <a:rPr lang="en-US" dirty="0" err="1"/>
-              <a:t>Respuesta</a:t>
-            </a:r>
-            <a:r>
-              <a:rPr lang="en-US" dirty="0"/>
-              <a:t> </a:t>
-            </a:r>
-            <a:r>
-              <a:rPr lang="en-US" dirty="0" err="1"/>
-              <a:t>inmediata</a:t>
-            </a:r>
-            <a:r>
-              <a:rPr lang="en-US" dirty="0"/>
-              <a:t>.</a:t>
-            </a:r>
-          </a:p>
-          <a:p>
             <a:endParaRPr lang="en-US" dirty="0"/>
-          </a:p>
-          <a:p>
-            <a:pPr marL="285750" indent="-285750">
-              <a:buFont typeface="Wingdings" panose="05000000000000000000" pitchFamily="2" charset="2"/>
-              <a:buChar char="v"/>
-            </a:pPr>
-            <a:r>
-              <a:rPr lang="en-US" dirty="0" err="1"/>
-              <a:t>Menor</a:t>
-            </a:r>
-            <a:r>
-              <a:rPr lang="en-US" dirty="0"/>
-              <a:t> </a:t>
-            </a:r>
-            <a:r>
-              <a:rPr lang="en-US" dirty="0" err="1"/>
-              <a:t>trabajo</a:t>
-            </a:r>
-            <a:r>
-              <a:rPr lang="en-US" dirty="0"/>
-              <a:t> al jefe.</a:t>
-            </a:r>
-          </a:p>
-          <a:p>
-            <a:pPr marL="114300" indent="0">
-              <a:buNone/>
-            </a:pPr>
-            <a:endParaRPr lang="en-US" dirty="0"/>
-          </a:p>
-          <a:p>
-            <a:endParaRPr lang="es-MX" dirty="0"/>
           </a:p>
         </p:txBody>
       </p:sp>
@@ -7138,8 +6770,8 @@
           </p:nvPr>
         </p:nvSpPr>
         <p:spPr>
-          <a:xfrm rot="161729">
-            <a:off x="982049" y="876634"/>
+          <a:xfrm>
+            <a:off x="758765" y="619435"/>
             <a:ext cx="7012514" cy="514398"/>
           </a:xfrm>
         </p:spPr>
@@ -7149,22 +6781,62 @@
           <a:p>
             <a:r>
               <a:rPr lang="es-MX" dirty="0"/>
-              <a:t>Diagrama </a:t>
-            </a:r>
-            <a:r>
-              <a:rPr lang="es-MX"/>
-              <a:t>de Clases</a:t>
-            </a:r>
-            <a:endParaRPr lang="es-MX" dirty="0"/>
+              <a:t>Diagrama de Clases</a:t>
+            </a:r>
+          </a:p>
+        </p:txBody>
+      </p:sp>
+      <p:sp>
+        <p:nvSpPr>
+          <p:cNvPr id="3" name="AutoShape 2" descr="blob:https://web.whatsapp.com/1dd5e757-8026-4017-83ff-1d6ec0722082">
+            <a:extLst>
+              <a:ext uri="{FF2B5EF4-FFF2-40B4-BE49-F238E27FC236}">
+                <a16:creationId xmlns:a16="http://schemas.microsoft.com/office/drawing/2014/main" id="{B5ED1496-B981-4468-97B6-5F4A9644283B}"/>
+              </a:ext>
+            </a:extLst>
+          </p:cNvPr>
+          <p:cNvSpPr>
+            <a:spLocks noChangeAspect="1" noChangeArrowheads="1"/>
+          </p:cNvSpPr>
+          <p:nvPr/>
+        </p:nvSpPr>
+        <p:spPr bwMode="auto">
+          <a:xfrm>
+            <a:off x="4419599" y="2419349"/>
+            <a:ext cx="3990753" cy="3990753"/>
+          </a:xfrm>
+          <a:prstGeom prst="rect">
+            <a:avLst/>
+          </a:prstGeom>
+          <a:noFill/>
+          <a:extLst>
+            <a:ext uri="{909E8E84-426E-40DD-AFC4-6F175D3DCCD1}">
+              <a14:hiddenFill xmlns:a14="http://schemas.microsoft.com/office/drawing/2010/main">
+                <a:solidFill>
+                  <a:srgbClr val="FFFFFF"/>
+                </a:solidFill>
+              </a14:hiddenFill>
+            </a:ext>
+          </a:extLst>
+        </p:spPr>
+        <p:txBody>
+          <a:bodyPr vert="horz" wrap="square" lIns="91440" tIns="45720" rIns="91440" bIns="45720" numCol="1" anchor="t" anchorCtr="0" compatLnSpc="1">
+            <a:prstTxWarp prst="textNoShape">
+              <a:avLst/>
+            </a:prstTxWarp>
+          </a:bodyPr>
+          <a:lstStyle/>
+          <a:p>
+            <a:endParaRPr lang="es-MX"/>
           </a:p>
         </p:txBody>
       </p:sp>
       <p:pic>
         <p:nvPicPr>
-          <p:cNvPr id="3" name="Imagen 2">
+          <p:cNvPr id="5" name="Imagen 4">
             <a:extLst>
               <a:ext uri="{FF2B5EF4-FFF2-40B4-BE49-F238E27FC236}">
-                <a16:creationId xmlns:a16="http://schemas.microsoft.com/office/drawing/2014/main" id="{1F3DA05A-9567-45CC-AD4B-72C702D20C49}"/>
+                <a16:creationId xmlns:a16="http://schemas.microsoft.com/office/drawing/2014/main" id="{35A16FC1-D033-494F-86A0-94AB668BD613}"/>
               </a:ext>
             </a:extLst>
           </p:cNvPr>
@@ -7181,8 +6853,8 @@
         </p:blipFill>
         <p:spPr>
           <a:xfrm>
-            <a:off x="1318092" y="1522687"/>
-            <a:ext cx="4832463" cy="2908786"/>
+            <a:off x="1531475" y="1133833"/>
+            <a:ext cx="5776247" cy="3752468"/>
           </a:xfrm>
           <a:prstGeom prst="rect">
             <a:avLst/>
@@ -7230,7 +6902,7 @@
           </p:nvPr>
         </p:nvSpPr>
         <p:spPr>
-          <a:xfrm rot="161729">
+          <a:xfrm>
             <a:off x="949967" y="695831"/>
             <a:ext cx="2993816" cy="1568266"/>
           </a:xfrm>
@@ -7246,1297 +6918,6 @@
           </a:p>
         </p:txBody>
       </p:sp>
-      <p:graphicFrame>
-        <p:nvGraphicFramePr>
-          <p:cNvPr id="3" name="2 Tabla"/>
-          <p:cNvGraphicFramePr>
-            <a:graphicFrameLocks noGrp="1"/>
-          </p:cNvGraphicFramePr>
-          <p:nvPr>
-            <p:extLst>
-              <p:ext uri="{D42A27DB-BD31-4B8C-83A1-F6EECF244321}">
-                <p14:modId xmlns:p14="http://schemas.microsoft.com/office/powerpoint/2010/main" val="269890819"/>
-              </p:ext>
-            </p:extLst>
-          </p:nvPr>
-        </p:nvGraphicFramePr>
-        <p:xfrm>
-          <a:off x="4152900" y="876300"/>
-          <a:ext cx="3882901" cy="3887788"/>
-        </p:xfrm>
-        <a:graphic>
-          <a:graphicData uri="http://schemas.openxmlformats.org/drawingml/2006/table">
-            <a:tbl>
-              <a:tblPr firstRow="1" firstCol="1" bandRow="1">
-                <a:tableStyleId>{AEDFC945-A3FC-4EC1-A3BF-A0FA79CC217E}</a:tableStyleId>
-              </a:tblPr>
-              <a:tblGrid>
-                <a:gridCol w="975124">
-                  <a:extLst>
-                    <a:ext uri="{9D8B030D-6E8A-4147-A177-3AD203B41FA5}">
-                      <a16:colId xmlns:a16="http://schemas.microsoft.com/office/drawing/2014/main" val="20000"/>
-                    </a:ext>
-                  </a:extLst>
-                </a:gridCol>
-                <a:gridCol w="1069689">
-                  <a:extLst>
-                    <a:ext uri="{9D8B030D-6E8A-4147-A177-3AD203B41FA5}">
-                      <a16:colId xmlns:a16="http://schemas.microsoft.com/office/drawing/2014/main" val="20001"/>
-                    </a:ext>
-                  </a:extLst>
-                </a:gridCol>
-                <a:gridCol w="825138">
-                  <a:extLst>
-                    <a:ext uri="{9D8B030D-6E8A-4147-A177-3AD203B41FA5}">
-                      <a16:colId xmlns:a16="http://schemas.microsoft.com/office/drawing/2014/main" val="20002"/>
-                    </a:ext>
-                  </a:extLst>
-                </a:gridCol>
-                <a:gridCol w="1012950">
-                  <a:extLst>
-                    <a:ext uri="{9D8B030D-6E8A-4147-A177-3AD203B41FA5}">
-                      <a16:colId xmlns:a16="http://schemas.microsoft.com/office/drawing/2014/main" val="20003"/>
-                    </a:ext>
-                  </a:extLst>
-                </a:gridCol>
-              </a:tblGrid>
-              <a:tr h="138849">
-                <a:tc>
-                  <a:txBody>
-                    <a:bodyPr/>
-                    <a:lstStyle/>
-                    <a:p>
-                      <a:pPr>
-                        <a:lnSpc>
-                          <a:spcPct val="107000"/>
-                        </a:lnSpc>
-                        <a:spcAft>
-                          <a:spcPts val="0"/>
-                        </a:spcAft>
-                      </a:pPr>
-                      <a:r>
-                        <a:rPr lang="es-MX" sz="700" b="1">
-                          <a:effectLst/>
-                        </a:rPr>
-                        <a:t>fecha</a:t>
-                      </a:r>
-                      <a:endParaRPr lang="es-MX" sz="700" b="1">
-                        <a:effectLst/>
-                        <a:latin typeface="Calibri"/>
-                        <a:ea typeface="Calibri"/>
-                        <a:cs typeface="Times New Roman"/>
-                      </a:endParaRPr>
-                    </a:p>
-                  </a:txBody>
-                  <a:tcPr marL="41345" marR="41345" marT="0" marB="0"/>
-                </a:tc>
-                <a:tc>
-                  <a:txBody>
-                    <a:bodyPr/>
-                    <a:lstStyle/>
-                    <a:p>
-                      <a:pPr>
-                        <a:lnSpc>
-                          <a:spcPct val="107000"/>
-                        </a:lnSpc>
-                        <a:spcAft>
-                          <a:spcPts val="0"/>
-                        </a:spcAft>
-                      </a:pPr>
-                      <a:r>
-                        <a:rPr lang="es-MX" sz="700" b="1">
-                          <a:effectLst/>
-                        </a:rPr>
-                        <a:t>Actividad realizada</a:t>
-                      </a:r>
-                      <a:endParaRPr lang="es-MX" sz="700" b="1">
-                        <a:effectLst/>
-                        <a:latin typeface="Calibri"/>
-                        <a:ea typeface="Calibri"/>
-                        <a:cs typeface="Times New Roman"/>
-                      </a:endParaRPr>
-                    </a:p>
-                  </a:txBody>
-                  <a:tcPr marL="41345" marR="41345" marT="0" marB="0"/>
-                </a:tc>
-                <a:tc>
-                  <a:txBody>
-                    <a:bodyPr/>
-                    <a:lstStyle/>
-                    <a:p>
-                      <a:pPr>
-                        <a:lnSpc>
-                          <a:spcPct val="107000"/>
-                        </a:lnSpc>
-                        <a:spcAft>
-                          <a:spcPts val="0"/>
-                        </a:spcAft>
-                      </a:pPr>
-                      <a:r>
-                        <a:rPr lang="es-MX" sz="700" b="1">
-                          <a:effectLst/>
-                        </a:rPr>
-                        <a:t>lugar</a:t>
-                      </a:r>
-                      <a:endParaRPr lang="es-MX" sz="700" b="1">
-                        <a:effectLst/>
-                        <a:latin typeface="Calibri"/>
-                        <a:ea typeface="Calibri"/>
-                        <a:cs typeface="Times New Roman"/>
-                      </a:endParaRPr>
-                    </a:p>
-                  </a:txBody>
-                  <a:tcPr marL="41345" marR="41345" marT="0" marB="0"/>
-                </a:tc>
-                <a:tc>
-                  <a:txBody>
-                    <a:bodyPr/>
-                    <a:lstStyle/>
-                    <a:p>
-                      <a:pPr>
-                        <a:lnSpc>
-                          <a:spcPct val="107000"/>
-                        </a:lnSpc>
-                        <a:spcAft>
-                          <a:spcPts val="0"/>
-                        </a:spcAft>
-                      </a:pPr>
-                      <a:r>
-                        <a:rPr lang="es-MX" sz="700" b="1" dirty="0">
-                          <a:effectLst/>
-                        </a:rPr>
-                        <a:t>participaron</a:t>
-                      </a:r>
-                      <a:endParaRPr lang="es-MX" sz="700" b="1" dirty="0">
-                        <a:effectLst/>
-                        <a:latin typeface="Calibri"/>
-                        <a:ea typeface="Calibri"/>
-                        <a:cs typeface="Times New Roman"/>
-                      </a:endParaRPr>
-                    </a:p>
-                  </a:txBody>
-                  <a:tcPr marL="41345" marR="41345" marT="0" marB="0"/>
-                </a:tc>
-                <a:extLst>
-                  <a:ext uri="{0D108BD9-81ED-4DB2-BD59-A6C34878D82A}">
-                    <a16:rowId xmlns:a16="http://schemas.microsoft.com/office/drawing/2014/main" val="10000"/>
-                  </a:ext>
-                </a:extLst>
-              </a:tr>
-              <a:tr h="555398">
-                <a:tc>
-                  <a:txBody>
-                    <a:bodyPr/>
-                    <a:lstStyle/>
-                    <a:p>
-                      <a:pPr>
-                        <a:lnSpc>
-                          <a:spcPct val="107000"/>
-                        </a:lnSpc>
-                        <a:spcAft>
-                          <a:spcPts val="0"/>
-                        </a:spcAft>
-                      </a:pPr>
-                      <a:r>
-                        <a:rPr lang="es-MX" sz="700" b="1">
-                          <a:effectLst/>
-                        </a:rPr>
-                        <a:t>Viernes 9 de febrero de 2018</a:t>
-                      </a:r>
-                      <a:endParaRPr lang="es-MX" sz="700" b="1">
-                        <a:effectLst/>
-                        <a:latin typeface="Calibri"/>
-                        <a:ea typeface="Calibri"/>
-                        <a:cs typeface="Times New Roman"/>
-                      </a:endParaRPr>
-                    </a:p>
-                  </a:txBody>
-                  <a:tcPr marL="41345" marR="41345" marT="0" marB="0"/>
-                </a:tc>
-                <a:tc>
-                  <a:txBody>
-                    <a:bodyPr/>
-                    <a:lstStyle/>
-                    <a:p>
-                      <a:pPr>
-                        <a:lnSpc>
-                          <a:spcPct val="107000"/>
-                        </a:lnSpc>
-                        <a:spcAft>
-                          <a:spcPts val="0"/>
-                        </a:spcAft>
-                      </a:pPr>
-                      <a:r>
-                        <a:rPr lang="es-MX" sz="700" b="1">
-                          <a:effectLst/>
-                        </a:rPr>
-                        <a:t>Aprobación del proyecto a desarrollar por el maestro</a:t>
-                      </a:r>
-                      <a:endParaRPr lang="es-MX" sz="700" b="1">
-                        <a:effectLst/>
-                        <a:latin typeface="Calibri"/>
-                        <a:ea typeface="Calibri"/>
-                        <a:cs typeface="Times New Roman"/>
-                      </a:endParaRPr>
-                    </a:p>
-                  </a:txBody>
-                  <a:tcPr marL="41345" marR="41345" marT="0" marB="0"/>
-                </a:tc>
-                <a:tc>
-                  <a:txBody>
-                    <a:bodyPr/>
-                    <a:lstStyle/>
-                    <a:p>
-                      <a:pPr>
-                        <a:lnSpc>
-                          <a:spcPct val="107000"/>
-                        </a:lnSpc>
-                        <a:spcAft>
-                          <a:spcPts val="0"/>
-                        </a:spcAft>
-                      </a:pPr>
-                      <a:r>
-                        <a:rPr lang="es-MX" sz="700" b="1">
-                          <a:effectLst/>
-                        </a:rPr>
-                        <a:t>Cubículo del profesor</a:t>
-                      </a:r>
-                      <a:endParaRPr lang="es-MX" sz="700" b="1">
-                        <a:effectLst/>
-                        <a:latin typeface="Calibri"/>
-                        <a:ea typeface="Calibri"/>
-                        <a:cs typeface="Times New Roman"/>
-                      </a:endParaRPr>
-                    </a:p>
-                  </a:txBody>
-                  <a:tcPr marL="41345" marR="41345" marT="0" marB="0"/>
-                </a:tc>
-                <a:tc>
-                  <a:txBody>
-                    <a:bodyPr/>
-                    <a:lstStyle/>
-                    <a:p>
-                      <a:pPr>
-                        <a:lnSpc>
-                          <a:spcPct val="107000"/>
-                        </a:lnSpc>
-                        <a:spcAft>
-                          <a:spcPts val="0"/>
-                        </a:spcAft>
-                      </a:pPr>
-                      <a:r>
-                        <a:rPr lang="es-MX" sz="700" b="1" dirty="0">
-                          <a:effectLst/>
-                        </a:rPr>
-                        <a:t>Todos los integrantes</a:t>
-                      </a:r>
-                      <a:endParaRPr lang="es-MX" sz="700" b="1" dirty="0">
-                        <a:effectLst/>
-                        <a:latin typeface="Calibri"/>
-                        <a:ea typeface="Calibri"/>
-                        <a:cs typeface="Times New Roman"/>
-                      </a:endParaRPr>
-                    </a:p>
-                  </a:txBody>
-                  <a:tcPr marL="41345" marR="41345" marT="0" marB="0"/>
-                </a:tc>
-                <a:extLst>
-                  <a:ext uri="{0D108BD9-81ED-4DB2-BD59-A6C34878D82A}">
-                    <a16:rowId xmlns:a16="http://schemas.microsoft.com/office/drawing/2014/main" val="10001"/>
-                  </a:ext>
-                </a:extLst>
-              </a:tr>
-              <a:tr h="555398">
-                <a:tc>
-                  <a:txBody>
-                    <a:bodyPr/>
-                    <a:lstStyle/>
-                    <a:p>
-                      <a:pPr>
-                        <a:lnSpc>
-                          <a:spcPct val="107000"/>
-                        </a:lnSpc>
-                        <a:spcAft>
-                          <a:spcPts val="0"/>
-                        </a:spcAft>
-                      </a:pPr>
-                      <a:r>
-                        <a:rPr lang="es-MX" sz="700" b="1" dirty="0">
-                          <a:effectLst/>
-                        </a:rPr>
-                        <a:t>Miércoles 14 de febrero de 2018</a:t>
-                      </a:r>
-                      <a:endParaRPr lang="es-MX" sz="700" b="1" dirty="0">
-                        <a:effectLst/>
-                        <a:latin typeface="Calibri"/>
-                        <a:ea typeface="Calibri"/>
-                        <a:cs typeface="Times New Roman"/>
-                      </a:endParaRPr>
-                    </a:p>
-                  </a:txBody>
-                  <a:tcPr marL="41345" marR="41345" marT="0" marB="0"/>
-                </a:tc>
-                <a:tc>
-                  <a:txBody>
-                    <a:bodyPr/>
-                    <a:lstStyle/>
-                    <a:p>
-                      <a:pPr>
-                        <a:lnSpc>
-                          <a:spcPct val="107000"/>
-                        </a:lnSpc>
-                        <a:spcAft>
-                          <a:spcPts val="0"/>
-                        </a:spcAft>
-                      </a:pPr>
-                      <a:r>
-                        <a:rPr lang="es-MX" sz="700" b="1">
-                          <a:effectLst/>
-                        </a:rPr>
-                        <a:t>Definición de los requerimientos funcionales y no funcionales</a:t>
-                      </a:r>
-                      <a:endParaRPr lang="es-MX" sz="700" b="1">
-                        <a:effectLst/>
-                        <a:latin typeface="Calibri"/>
-                        <a:ea typeface="Calibri"/>
-                        <a:cs typeface="Times New Roman"/>
-                      </a:endParaRPr>
-                    </a:p>
-                  </a:txBody>
-                  <a:tcPr marL="41345" marR="41345" marT="0" marB="0"/>
-                </a:tc>
-                <a:tc>
-                  <a:txBody>
-                    <a:bodyPr/>
-                    <a:lstStyle/>
-                    <a:p>
-                      <a:pPr>
-                        <a:lnSpc>
-                          <a:spcPct val="107000"/>
-                        </a:lnSpc>
-                        <a:spcAft>
-                          <a:spcPts val="0"/>
-                        </a:spcAft>
-                      </a:pPr>
-                      <a:r>
-                        <a:rPr lang="es-MX" sz="700" b="1">
-                          <a:effectLst/>
-                        </a:rPr>
-                        <a:t>Biblioteca del campus</a:t>
-                      </a:r>
-                      <a:endParaRPr lang="es-MX" sz="700" b="1">
-                        <a:effectLst/>
-                        <a:latin typeface="Calibri"/>
-                        <a:ea typeface="Calibri"/>
-                        <a:cs typeface="Times New Roman"/>
-                      </a:endParaRPr>
-                    </a:p>
-                  </a:txBody>
-                  <a:tcPr marL="41345" marR="41345" marT="0" marB="0"/>
-                </a:tc>
-                <a:tc>
-                  <a:txBody>
-                    <a:bodyPr/>
-                    <a:lstStyle/>
-                    <a:p>
-                      <a:pPr>
-                        <a:lnSpc>
-                          <a:spcPct val="107000"/>
-                        </a:lnSpc>
-                        <a:spcAft>
-                          <a:spcPts val="0"/>
-                        </a:spcAft>
-                      </a:pPr>
-                      <a:r>
-                        <a:rPr lang="es-MX" sz="700" b="1" dirty="0">
-                          <a:effectLst/>
-                        </a:rPr>
-                        <a:t>Todos los integrantes</a:t>
-                      </a:r>
-                      <a:endParaRPr lang="es-MX" sz="700" b="1" dirty="0">
-                        <a:effectLst/>
-                        <a:latin typeface="Calibri"/>
-                        <a:ea typeface="Calibri"/>
-                        <a:cs typeface="Times New Roman"/>
-                      </a:endParaRPr>
-                    </a:p>
-                  </a:txBody>
-                  <a:tcPr marL="41345" marR="41345" marT="0" marB="0"/>
-                </a:tc>
-                <a:extLst>
-                  <a:ext uri="{0D108BD9-81ED-4DB2-BD59-A6C34878D82A}">
-                    <a16:rowId xmlns:a16="http://schemas.microsoft.com/office/drawing/2014/main" val="10002"/>
-                  </a:ext>
-                </a:extLst>
-              </a:tr>
-              <a:tr h="416549">
-                <a:tc>
-                  <a:txBody>
-                    <a:bodyPr/>
-                    <a:lstStyle/>
-                    <a:p>
-                      <a:pPr>
-                        <a:lnSpc>
-                          <a:spcPct val="107000"/>
-                        </a:lnSpc>
-                        <a:spcAft>
-                          <a:spcPts val="0"/>
-                        </a:spcAft>
-                        <a:tabLst>
-                          <a:tab pos="1270635" algn="r"/>
-                        </a:tabLst>
-                      </a:pPr>
-                      <a:r>
-                        <a:rPr lang="es-MX" sz="700" b="1">
-                          <a:effectLst/>
-                        </a:rPr>
-                        <a:t>Lunes 19 de febrero de 2018</a:t>
-                      </a:r>
-                      <a:endParaRPr lang="es-MX" sz="700" b="1">
-                        <a:effectLst/>
-                        <a:latin typeface="Calibri"/>
-                        <a:ea typeface="Calibri"/>
-                        <a:cs typeface="Times New Roman"/>
-                      </a:endParaRPr>
-                    </a:p>
-                  </a:txBody>
-                  <a:tcPr marL="41345" marR="41345" marT="0" marB="0"/>
-                </a:tc>
-                <a:tc>
-                  <a:txBody>
-                    <a:bodyPr/>
-                    <a:lstStyle/>
-                    <a:p>
-                      <a:pPr>
-                        <a:lnSpc>
-                          <a:spcPct val="107000"/>
-                        </a:lnSpc>
-                        <a:spcAft>
-                          <a:spcPts val="0"/>
-                        </a:spcAft>
-                      </a:pPr>
-                      <a:r>
-                        <a:rPr lang="es-MX" sz="700" b="1">
-                          <a:effectLst/>
-                        </a:rPr>
-                        <a:t>Diagrama de casos de usos y escenarios de uso</a:t>
-                      </a:r>
-                      <a:endParaRPr lang="es-MX" sz="700" b="1">
-                        <a:effectLst/>
-                        <a:latin typeface="Calibri"/>
-                        <a:ea typeface="Calibri"/>
-                        <a:cs typeface="Times New Roman"/>
-                      </a:endParaRPr>
-                    </a:p>
-                  </a:txBody>
-                  <a:tcPr marL="41345" marR="41345" marT="0" marB="0"/>
-                </a:tc>
-                <a:tc>
-                  <a:txBody>
-                    <a:bodyPr/>
-                    <a:lstStyle/>
-                    <a:p>
-                      <a:pPr>
-                        <a:lnSpc>
-                          <a:spcPct val="107000"/>
-                        </a:lnSpc>
-                        <a:spcAft>
-                          <a:spcPts val="0"/>
-                        </a:spcAft>
-                      </a:pPr>
-                      <a:r>
-                        <a:rPr lang="es-MX" sz="700" b="1">
-                          <a:effectLst/>
-                        </a:rPr>
-                        <a:t>En línea</a:t>
-                      </a:r>
-                      <a:endParaRPr lang="es-MX" sz="700" b="1">
-                        <a:effectLst/>
-                        <a:latin typeface="Calibri"/>
-                        <a:ea typeface="Calibri"/>
-                        <a:cs typeface="Times New Roman"/>
-                      </a:endParaRPr>
-                    </a:p>
-                  </a:txBody>
-                  <a:tcPr marL="41345" marR="41345" marT="0" marB="0"/>
-                </a:tc>
-                <a:tc>
-                  <a:txBody>
-                    <a:bodyPr/>
-                    <a:lstStyle/>
-                    <a:p>
-                      <a:pPr>
-                        <a:lnSpc>
-                          <a:spcPct val="107000"/>
-                        </a:lnSpc>
-                        <a:spcAft>
-                          <a:spcPts val="0"/>
-                        </a:spcAft>
-                      </a:pPr>
-                      <a:r>
-                        <a:rPr lang="es-MX" sz="700" b="1" dirty="0">
-                          <a:effectLst/>
-                        </a:rPr>
-                        <a:t>Todos los integrantes</a:t>
-                      </a:r>
-                      <a:endParaRPr lang="es-MX" sz="700" b="1" dirty="0">
-                        <a:effectLst/>
-                        <a:latin typeface="Calibri"/>
-                        <a:ea typeface="Calibri"/>
-                        <a:cs typeface="Times New Roman"/>
-                      </a:endParaRPr>
-                    </a:p>
-                  </a:txBody>
-                  <a:tcPr marL="41345" marR="41345" marT="0" marB="0"/>
-                </a:tc>
-                <a:extLst>
-                  <a:ext uri="{0D108BD9-81ED-4DB2-BD59-A6C34878D82A}">
-                    <a16:rowId xmlns:a16="http://schemas.microsoft.com/office/drawing/2014/main" val="10003"/>
-                  </a:ext>
-                </a:extLst>
-              </a:tr>
-              <a:tr h="277700">
-                <a:tc>
-                  <a:txBody>
-                    <a:bodyPr/>
-                    <a:lstStyle/>
-                    <a:p>
-                      <a:pPr>
-                        <a:lnSpc>
-                          <a:spcPct val="107000"/>
-                        </a:lnSpc>
-                        <a:spcAft>
-                          <a:spcPts val="0"/>
-                        </a:spcAft>
-                      </a:pPr>
-                      <a:r>
-                        <a:rPr lang="es-MX" sz="700" b="1">
-                          <a:effectLst/>
-                        </a:rPr>
-                        <a:t>Viernes 23 de febrero de 2018</a:t>
-                      </a:r>
-                      <a:endParaRPr lang="es-MX" sz="700" b="1">
-                        <a:effectLst/>
-                        <a:latin typeface="Calibri"/>
-                        <a:ea typeface="Calibri"/>
-                        <a:cs typeface="Times New Roman"/>
-                      </a:endParaRPr>
-                    </a:p>
-                  </a:txBody>
-                  <a:tcPr marL="41345" marR="41345" marT="0" marB="0"/>
-                </a:tc>
-                <a:tc>
-                  <a:txBody>
-                    <a:bodyPr/>
-                    <a:lstStyle/>
-                    <a:p>
-                      <a:pPr>
-                        <a:lnSpc>
-                          <a:spcPct val="107000"/>
-                        </a:lnSpc>
-                        <a:spcAft>
-                          <a:spcPts val="0"/>
-                        </a:spcAft>
-                      </a:pPr>
-                      <a:r>
-                        <a:rPr lang="es-MX" sz="700" b="1">
-                          <a:effectLst/>
-                        </a:rPr>
-                        <a:t>Primera entrega del proyecto</a:t>
-                      </a:r>
-                      <a:endParaRPr lang="es-MX" sz="700" b="1">
-                        <a:effectLst/>
-                        <a:latin typeface="Calibri"/>
-                        <a:ea typeface="Calibri"/>
-                        <a:cs typeface="Times New Roman"/>
-                      </a:endParaRPr>
-                    </a:p>
-                  </a:txBody>
-                  <a:tcPr marL="41345" marR="41345" marT="0" marB="0"/>
-                </a:tc>
-                <a:tc>
-                  <a:txBody>
-                    <a:bodyPr/>
-                    <a:lstStyle/>
-                    <a:p>
-                      <a:pPr>
-                        <a:lnSpc>
-                          <a:spcPct val="107000"/>
-                        </a:lnSpc>
-                        <a:spcAft>
-                          <a:spcPts val="0"/>
-                        </a:spcAft>
-                      </a:pPr>
-                      <a:r>
-                        <a:rPr lang="es-MX" sz="700" b="1">
-                          <a:effectLst/>
-                        </a:rPr>
-                        <a:t>Salón de clases</a:t>
-                      </a:r>
-                      <a:endParaRPr lang="es-MX" sz="700" b="1">
-                        <a:effectLst/>
-                        <a:latin typeface="Calibri"/>
-                        <a:ea typeface="Calibri"/>
-                        <a:cs typeface="Times New Roman"/>
-                      </a:endParaRPr>
-                    </a:p>
-                  </a:txBody>
-                  <a:tcPr marL="41345" marR="41345" marT="0" marB="0"/>
-                </a:tc>
-                <a:tc>
-                  <a:txBody>
-                    <a:bodyPr/>
-                    <a:lstStyle/>
-                    <a:p>
-                      <a:pPr>
-                        <a:lnSpc>
-                          <a:spcPct val="107000"/>
-                        </a:lnSpc>
-                        <a:spcAft>
-                          <a:spcPts val="0"/>
-                        </a:spcAft>
-                      </a:pPr>
-                      <a:r>
-                        <a:rPr lang="es-MX" sz="700" b="1" dirty="0">
-                          <a:effectLst/>
-                        </a:rPr>
-                        <a:t>Todos los integrantes</a:t>
-                      </a:r>
-                      <a:endParaRPr lang="es-MX" sz="700" b="1" dirty="0">
-                        <a:effectLst/>
-                        <a:latin typeface="Calibri"/>
-                        <a:ea typeface="Calibri"/>
-                        <a:cs typeface="Times New Roman"/>
-                      </a:endParaRPr>
-                    </a:p>
-                  </a:txBody>
-                  <a:tcPr marL="41345" marR="41345" marT="0" marB="0"/>
-                </a:tc>
-                <a:extLst>
-                  <a:ext uri="{0D108BD9-81ED-4DB2-BD59-A6C34878D82A}">
-                    <a16:rowId xmlns:a16="http://schemas.microsoft.com/office/drawing/2014/main" val="10004"/>
-                  </a:ext>
-                </a:extLst>
-              </a:tr>
-              <a:tr h="277700">
-                <a:tc>
-                  <a:txBody>
-                    <a:bodyPr/>
-                    <a:lstStyle/>
-                    <a:p>
-                      <a:pPr>
-                        <a:lnSpc>
-                          <a:spcPct val="107000"/>
-                        </a:lnSpc>
-                        <a:spcAft>
-                          <a:spcPts val="0"/>
-                        </a:spcAft>
-                      </a:pPr>
-                      <a:r>
-                        <a:rPr lang="es-MX" sz="700" b="1">
-                          <a:effectLst/>
-                        </a:rPr>
-                        <a:t>Lunes 9 de abril de 2018</a:t>
-                      </a:r>
-                      <a:endParaRPr lang="es-MX" sz="700" b="1">
-                        <a:effectLst/>
-                        <a:latin typeface="Calibri"/>
-                        <a:ea typeface="Calibri"/>
-                        <a:cs typeface="Times New Roman"/>
-                      </a:endParaRPr>
-                    </a:p>
-                  </a:txBody>
-                  <a:tcPr marL="41345" marR="41345" marT="0" marB="0"/>
-                </a:tc>
-                <a:tc>
-                  <a:txBody>
-                    <a:bodyPr/>
-                    <a:lstStyle/>
-                    <a:p>
-                      <a:pPr>
-                        <a:lnSpc>
-                          <a:spcPct val="107000"/>
-                        </a:lnSpc>
-                        <a:spcAft>
-                          <a:spcPts val="0"/>
-                        </a:spcAft>
-                      </a:pPr>
-                      <a:r>
-                        <a:rPr lang="es-MX" sz="700" b="1">
-                          <a:effectLst/>
-                        </a:rPr>
-                        <a:t>Diseño de clases </a:t>
-                      </a:r>
-                      <a:endParaRPr lang="es-MX" sz="700" b="1">
-                        <a:effectLst/>
-                        <a:latin typeface="Calibri"/>
-                        <a:ea typeface="Calibri"/>
-                        <a:cs typeface="Times New Roman"/>
-                      </a:endParaRPr>
-                    </a:p>
-                  </a:txBody>
-                  <a:tcPr marL="41345" marR="41345" marT="0" marB="0"/>
-                </a:tc>
-                <a:tc>
-                  <a:txBody>
-                    <a:bodyPr/>
-                    <a:lstStyle/>
-                    <a:p>
-                      <a:pPr>
-                        <a:lnSpc>
-                          <a:spcPct val="107000"/>
-                        </a:lnSpc>
-                        <a:spcAft>
-                          <a:spcPts val="0"/>
-                        </a:spcAft>
-                      </a:pPr>
-                      <a:r>
-                        <a:rPr lang="es-MX" sz="700" b="1">
-                          <a:effectLst/>
-                        </a:rPr>
-                        <a:t>Biblioteca CCEI UADY</a:t>
-                      </a:r>
-                      <a:endParaRPr lang="es-MX" sz="700" b="1">
-                        <a:effectLst/>
-                        <a:latin typeface="Calibri"/>
-                        <a:ea typeface="Calibri"/>
-                        <a:cs typeface="Times New Roman"/>
-                      </a:endParaRPr>
-                    </a:p>
-                  </a:txBody>
-                  <a:tcPr marL="41345" marR="41345" marT="0" marB="0"/>
-                </a:tc>
-                <a:tc>
-                  <a:txBody>
-                    <a:bodyPr/>
-                    <a:lstStyle/>
-                    <a:p>
-                      <a:pPr>
-                        <a:lnSpc>
-                          <a:spcPct val="107000"/>
-                        </a:lnSpc>
-                        <a:spcAft>
-                          <a:spcPts val="0"/>
-                        </a:spcAft>
-                      </a:pPr>
-                      <a:r>
-                        <a:rPr lang="es-MX" sz="700" b="1" dirty="0">
-                          <a:effectLst/>
-                        </a:rPr>
-                        <a:t>Todos los integrantes</a:t>
-                      </a:r>
-                      <a:endParaRPr lang="es-MX" sz="700" b="1" dirty="0">
-                        <a:effectLst/>
-                        <a:latin typeface="Calibri"/>
-                        <a:ea typeface="Calibri"/>
-                        <a:cs typeface="Times New Roman"/>
-                      </a:endParaRPr>
-                    </a:p>
-                  </a:txBody>
-                  <a:tcPr marL="41345" marR="41345" marT="0" marB="0"/>
-                </a:tc>
-                <a:extLst>
-                  <a:ext uri="{0D108BD9-81ED-4DB2-BD59-A6C34878D82A}">
-                    <a16:rowId xmlns:a16="http://schemas.microsoft.com/office/drawing/2014/main" val="10005"/>
-                  </a:ext>
-                </a:extLst>
-              </a:tr>
-              <a:tr h="555398">
-                <a:tc>
-                  <a:txBody>
-                    <a:bodyPr/>
-                    <a:lstStyle/>
-                    <a:p>
-                      <a:pPr>
-                        <a:lnSpc>
-                          <a:spcPct val="107000"/>
-                        </a:lnSpc>
-                        <a:spcAft>
-                          <a:spcPts val="0"/>
-                        </a:spcAft>
-                      </a:pPr>
-                      <a:r>
-                        <a:rPr lang="es-MX" sz="700" b="1">
-                          <a:effectLst/>
-                        </a:rPr>
-                        <a:t>Viernes 13 de Abril del 2018</a:t>
-                      </a:r>
-                      <a:endParaRPr lang="es-MX" sz="700" b="1">
-                        <a:effectLst/>
-                        <a:latin typeface="Calibri"/>
-                        <a:ea typeface="Calibri"/>
-                        <a:cs typeface="Times New Roman"/>
-                      </a:endParaRPr>
-                    </a:p>
-                  </a:txBody>
-                  <a:tcPr marL="41345" marR="41345" marT="0" marB="0"/>
-                </a:tc>
-                <a:tc>
-                  <a:txBody>
-                    <a:bodyPr/>
-                    <a:lstStyle/>
-                    <a:p>
-                      <a:pPr>
-                        <a:lnSpc>
-                          <a:spcPct val="107000"/>
-                        </a:lnSpc>
-                        <a:spcAft>
-                          <a:spcPts val="0"/>
-                        </a:spcAft>
-                      </a:pPr>
-                      <a:r>
-                        <a:rPr lang="es-MX" sz="700" b="1">
-                          <a:effectLst/>
-                        </a:rPr>
-                        <a:t>Actualización del documento escenarios de caso de uso</a:t>
-                      </a:r>
-                      <a:endParaRPr lang="es-MX" sz="700" b="1">
-                        <a:effectLst/>
-                        <a:latin typeface="Calibri"/>
-                        <a:ea typeface="Calibri"/>
-                        <a:cs typeface="Times New Roman"/>
-                      </a:endParaRPr>
-                    </a:p>
-                  </a:txBody>
-                  <a:tcPr marL="41345" marR="41345" marT="0" marB="0"/>
-                </a:tc>
-                <a:tc>
-                  <a:txBody>
-                    <a:bodyPr/>
-                    <a:lstStyle/>
-                    <a:p>
-                      <a:pPr>
-                        <a:lnSpc>
-                          <a:spcPct val="107000"/>
-                        </a:lnSpc>
-                        <a:spcAft>
-                          <a:spcPts val="0"/>
-                        </a:spcAft>
-                      </a:pPr>
-                      <a:r>
-                        <a:rPr lang="es-MX" sz="700" b="1">
-                          <a:effectLst/>
-                        </a:rPr>
-                        <a:t>Cafeteria FMAT</a:t>
-                      </a:r>
-                      <a:endParaRPr lang="es-MX" sz="700" b="1">
-                        <a:effectLst/>
-                        <a:latin typeface="Calibri"/>
-                        <a:ea typeface="Calibri"/>
-                        <a:cs typeface="Times New Roman"/>
-                      </a:endParaRPr>
-                    </a:p>
-                  </a:txBody>
-                  <a:tcPr marL="41345" marR="41345" marT="0" marB="0"/>
-                </a:tc>
-                <a:tc>
-                  <a:txBody>
-                    <a:bodyPr/>
-                    <a:lstStyle/>
-                    <a:p>
-                      <a:pPr>
-                        <a:lnSpc>
-                          <a:spcPct val="107000"/>
-                        </a:lnSpc>
-                        <a:spcAft>
-                          <a:spcPts val="0"/>
-                        </a:spcAft>
-                      </a:pPr>
-                      <a:r>
-                        <a:rPr lang="es-MX" sz="700" b="1" dirty="0">
-                          <a:effectLst/>
-                        </a:rPr>
-                        <a:t>Todos los integrantes</a:t>
-                      </a:r>
-                      <a:endParaRPr lang="es-MX" sz="700" b="1" dirty="0">
-                        <a:effectLst/>
-                        <a:latin typeface="Calibri"/>
-                        <a:ea typeface="Calibri"/>
-                        <a:cs typeface="Times New Roman"/>
-                      </a:endParaRPr>
-                    </a:p>
-                  </a:txBody>
-                  <a:tcPr marL="41345" marR="41345" marT="0" marB="0"/>
-                </a:tc>
-                <a:extLst>
-                  <a:ext uri="{0D108BD9-81ED-4DB2-BD59-A6C34878D82A}">
-                    <a16:rowId xmlns:a16="http://schemas.microsoft.com/office/drawing/2014/main" val="10006"/>
-                  </a:ext>
-                </a:extLst>
-              </a:tr>
-              <a:tr h="277700">
-                <a:tc>
-                  <a:txBody>
-                    <a:bodyPr/>
-                    <a:lstStyle/>
-                    <a:p>
-                      <a:pPr>
-                        <a:lnSpc>
-                          <a:spcPct val="107000"/>
-                        </a:lnSpc>
-                        <a:spcAft>
-                          <a:spcPts val="0"/>
-                        </a:spcAft>
-                      </a:pPr>
-                      <a:r>
-                        <a:rPr lang="es-MX" sz="700" b="1">
-                          <a:effectLst/>
-                        </a:rPr>
-                        <a:t>Sábado 14 de Abril del 2018</a:t>
-                      </a:r>
-                      <a:endParaRPr lang="es-MX" sz="700" b="1">
-                        <a:effectLst/>
-                        <a:latin typeface="Calibri"/>
-                        <a:ea typeface="Calibri"/>
-                        <a:cs typeface="Times New Roman"/>
-                      </a:endParaRPr>
-                    </a:p>
-                  </a:txBody>
-                  <a:tcPr marL="41345" marR="41345" marT="0" marB="0"/>
-                </a:tc>
-                <a:tc>
-                  <a:txBody>
-                    <a:bodyPr/>
-                    <a:lstStyle/>
-                    <a:p>
-                      <a:pPr>
-                        <a:lnSpc>
-                          <a:spcPct val="107000"/>
-                        </a:lnSpc>
-                        <a:spcAft>
-                          <a:spcPts val="0"/>
-                        </a:spcAft>
-                      </a:pPr>
-                      <a:r>
-                        <a:rPr lang="es-MX" sz="700" b="1">
-                          <a:effectLst/>
-                        </a:rPr>
-                        <a:t>Documento de flujos alternos </a:t>
-                      </a:r>
-                      <a:endParaRPr lang="es-MX" sz="700" b="1">
-                        <a:effectLst/>
-                        <a:latin typeface="Calibri"/>
-                        <a:ea typeface="Calibri"/>
-                        <a:cs typeface="Times New Roman"/>
-                      </a:endParaRPr>
-                    </a:p>
-                  </a:txBody>
-                  <a:tcPr marL="41345" marR="41345" marT="0" marB="0"/>
-                </a:tc>
-                <a:tc>
-                  <a:txBody>
-                    <a:bodyPr/>
-                    <a:lstStyle/>
-                    <a:p>
-                      <a:pPr>
-                        <a:lnSpc>
-                          <a:spcPct val="107000"/>
-                        </a:lnSpc>
-                        <a:spcAft>
-                          <a:spcPts val="0"/>
-                        </a:spcAft>
-                      </a:pPr>
-                      <a:r>
-                        <a:rPr lang="es-MX" sz="700" b="1">
-                          <a:effectLst/>
-                        </a:rPr>
-                        <a:t>Casa de Jessica </a:t>
-                      </a:r>
-                      <a:endParaRPr lang="es-MX" sz="700" b="1">
-                        <a:effectLst/>
-                        <a:latin typeface="Calibri"/>
-                        <a:ea typeface="Calibri"/>
-                        <a:cs typeface="Times New Roman"/>
-                      </a:endParaRPr>
-                    </a:p>
-                  </a:txBody>
-                  <a:tcPr marL="41345" marR="41345" marT="0" marB="0"/>
-                </a:tc>
-                <a:tc>
-                  <a:txBody>
-                    <a:bodyPr/>
-                    <a:lstStyle/>
-                    <a:p>
-                      <a:pPr>
-                        <a:lnSpc>
-                          <a:spcPct val="107000"/>
-                        </a:lnSpc>
-                        <a:spcAft>
-                          <a:spcPts val="0"/>
-                        </a:spcAft>
-                      </a:pPr>
-                      <a:r>
-                        <a:rPr lang="es-MX" sz="700" b="1" dirty="0">
-                          <a:effectLst/>
-                        </a:rPr>
-                        <a:t>Jessica</a:t>
-                      </a:r>
-                      <a:endParaRPr lang="es-MX" sz="700" b="1" dirty="0">
-                        <a:effectLst/>
-                        <a:latin typeface="Calibri"/>
-                        <a:ea typeface="Calibri"/>
-                        <a:cs typeface="Times New Roman"/>
-                      </a:endParaRPr>
-                    </a:p>
-                  </a:txBody>
-                  <a:tcPr marL="41345" marR="41345" marT="0" marB="0"/>
-                </a:tc>
-                <a:extLst>
-                  <a:ext uri="{0D108BD9-81ED-4DB2-BD59-A6C34878D82A}">
-                    <a16:rowId xmlns:a16="http://schemas.microsoft.com/office/drawing/2014/main" val="10007"/>
-                  </a:ext>
-                </a:extLst>
-              </a:tr>
-              <a:tr h="694247">
-                <a:tc>
-                  <a:txBody>
-                    <a:bodyPr/>
-                    <a:lstStyle/>
-                    <a:p>
-                      <a:pPr>
-                        <a:lnSpc>
-                          <a:spcPct val="107000"/>
-                        </a:lnSpc>
-                        <a:spcAft>
-                          <a:spcPts val="0"/>
-                        </a:spcAft>
-                      </a:pPr>
-                      <a:r>
-                        <a:rPr lang="es-MX" sz="700" b="1">
-                          <a:effectLst/>
-                        </a:rPr>
-                        <a:t>Lunes 16 de Abril del 2018 </a:t>
-                      </a:r>
-                      <a:endParaRPr lang="es-MX" sz="700" b="1">
-                        <a:effectLst/>
-                        <a:latin typeface="Calibri"/>
-                        <a:ea typeface="Calibri"/>
-                        <a:cs typeface="Times New Roman"/>
-                      </a:endParaRPr>
-                    </a:p>
-                  </a:txBody>
-                  <a:tcPr marL="41345" marR="41345" marT="0" marB="0"/>
-                </a:tc>
-                <a:tc>
-                  <a:txBody>
-                    <a:bodyPr/>
-                    <a:lstStyle/>
-                    <a:p>
-                      <a:pPr>
-                        <a:lnSpc>
-                          <a:spcPct val="107000"/>
-                        </a:lnSpc>
-                        <a:spcAft>
-                          <a:spcPts val="0"/>
-                        </a:spcAft>
-                      </a:pPr>
-                      <a:r>
-                        <a:rPr lang="es-MX" sz="700" b="1">
-                          <a:effectLst/>
-                        </a:rPr>
-                        <a:t>Actualización del documento de requerimientos funcionales y no funcionales </a:t>
-                      </a:r>
-                      <a:endParaRPr lang="es-MX" sz="700" b="1">
-                        <a:effectLst/>
-                        <a:latin typeface="Calibri"/>
-                        <a:ea typeface="Calibri"/>
-                        <a:cs typeface="Times New Roman"/>
-                      </a:endParaRPr>
-                    </a:p>
-                  </a:txBody>
-                  <a:tcPr marL="41345" marR="41345" marT="0" marB="0"/>
-                </a:tc>
-                <a:tc>
-                  <a:txBody>
-                    <a:bodyPr/>
-                    <a:lstStyle/>
-                    <a:p>
-                      <a:pPr>
-                        <a:lnSpc>
-                          <a:spcPct val="107000"/>
-                        </a:lnSpc>
-                        <a:spcAft>
-                          <a:spcPts val="0"/>
-                        </a:spcAft>
-                      </a:pPr>
-                      <a:r>
-                        <a:rPr lang="es-MX" sz="700" b="1">
-                          <a:effectLst/>
-                        </a:rPr>
-                        <a:t>Casa de Karina </a:t>
-                      </a:r>
-                      <a:endParaRPr lang="es-MX" sz="700" b="1">
-                        <a:effectLst/>
-                        <a:latin typeface="Calibri"/>
-                        <a:ea typeface="Calibri"/>
-                        <a:cs typeface="Times New Roman"/>
-                      </a:endParaRPr>
-                    </a:p>
-                  </a:txBody>
-                  <a:tcPr marL="41345" marR="41345" marT="0" marB="0"/>
-                </a:tc>
-                <a:tc>
-                  <a:txBody>
-                    <a:bodyPr/>
-                    <a:lstStyle/>
-                    <a:p>
-                      <a:pPr>
-                        <a:lnSpc>
-                          <a:spcPct val="107000"/>
-                        </a:lnSpc>
-                        <a:spcAft>
-                          <a:spcPts val="0"/>
-                        </a:spcAft>
-                      </a:pPr>
-                      <a:r>
-                        <a:rPr lang="es-MX" sz="700" b="1" dirty="0">
-                          <a:effectLst/>
-                        </a:rPr>
-                        <a:t>Karina</a:t>
-                      </a:r>
-                      <a:endParaRPr lang="es-MX" sz="700" b="1" dirty="0">
-                        <a:effectLst/>
-                        <a:latin typeface="Calibri"/>
-                        <a:ea typeface="Calibri"/>
-                        <a:cs typeface="Times New Roman"/>
-                      </a:endParaRPr>
-                    </a:p>
-                  </a:txBody>
-                  <a:tcPr marL="41345" marR="41345" marT="0" marB="0"/>
-                </a:tc>
-                <a:extLst>
-                  <a:ext uri="{0D108BD9-81ED-4DB2-BD59-A6C34878D82A}">
-                    <a16:rowId xmlns:a16="http://schemas.microsoft.com/office/drawing/2014/main" val="10008"/>
-                  </a:ext>
-                </a:extLst>
-              </a:tr>
-              <a:tr h="138849">
-                <a:tc>
-                  <a:txBody>
-                    <a:bodyPr/>
-                    <a:lstStyle/>
-                    <a:p>
-                      <a:pPr>
-                        <a:lnSpc>
-                          <a:spcPct val="107000"/>
-                        </a:lnSpc>
-                        <a:spcAft>
-                          <a:spcPts val="0"/>
-                        </a:spcAft>
-                      </a:pPr>
-                      <a:r>
-                        <a:rPr lang="es-MX" sz="700">
-                          <a:effectLst/>
-                        </a:rPr>
-                        <a:t> </a:t>
-                      </a:r>
-                      <a:endParaRPr lang="es-MX" sz="700">
-                        <a:effectLst/>
-                        <a:latin typeface="Calibri"/>
-                        <a:ea typeface="Calibri"/>
-                        <a:cs typeface="Times New Roman"/>
-                      </a:endParaRPr>
-                    </a:p>
-                  </a:txBody>
-                  <a:tcPr marL="41345" marR="41345" marT="0" marB="0"/>
-                </a:tc>
-                <a:tc>
-                  <a:txBody>
-                    <a:bodyPr/>
-                    <a:lstStyle/>
-                    <a:p>
-                      <a:pPr>
-                        <a:lnSpc>
-                          <a:spcPct val="107000"/>
-                        </a:lnSpc>
-                        <a:spcAft>
-                          <a:spcPts val="0"/>
-                        </a:spcAft>
-                      </a:pPr>
-                      <a:r>
-                        <a:rPr lang="es-MX" sz="700">
-                          <a:effectLst/>
-                        </a:rPr>
-                        <a:t> </a:t>
-                      </a:r>
-                      <a:endParaRPr lang="es-MX" sz="700">
-                        <a:effectLst/>
-                        <a:latin typeface="Calibri"/>
-                        <a:ea typeface="Calibri"/>
-                        <a:cs typeface="Times New Roman"/>
-                      </a:endParaRPr>
-                    </a:p>
-                  </a:txBody>
-                  <a:tcPr marL="41345" marR="41345" marT="0" marB="0"/>
-                </a:tc>
-                <a:tc>
-                  <a:txBody>
-                    <a:bodyPr/>
-                    <a:lstStyle/>
-                    <a:p>
-                      <a:pPr>
-                        <a:lnSpc>
-                          <a:spcPct val="107000"/>
-                        </a:lnSpc>
-                        <a:spcAft>
-                          <a:spcPts val="0"/>
-                        </a:spcAft>
-                      </a:pPr>
-                      <a:r>
-                        <a:rPr lang="es-MX" sz="700">
-                          <a:effectLst/>
-                        </a:rPr>
-                        <a:t> </a:t>
-                      </a:r>
-                      <a:endParaRPr lang="es-MX" sz="700">
-                        <a:effectLst/>
-                        <a:latin typeface="Calibri"/>
-                        <a:ea typeface="Calibri"/>
-                        <a:cs typeface="Times New Roman"/>
-                      </a:endParaRPr>
-                    </a:p>
-                  </a:txBody>
-                  <a:tcPr marL="41345" marR="41345" marT="0" marB="0"/>
-                </a:tc>
-                <a:tc>
-                  <a:txBody>
-                    <a:bodyPr/>
-                    <a:lstStyle/>
-                    <a:p>
-                      <a:pPr>
-                        <a:lnSpc>
-                          <a:spcPct val="107000"/>
-                        </a:lnSpc>
-                        <a:spcAft>
-                          <a:spcPts val="0"/>
-                        </a:spcAft>
-                      </a:pPr>
-                      <a:r>
-                        <a:rPr lang="es-MX" sz="700" dirty="0">
-                          <a:effectLst/>
-                        </a:rPr>
-                        <a:t> </a:t>
-                      </a:r>
-                      <a:endParaRPr lang="es-MX" sz="700" dirty="0">
-                        <a:effectLst/>
-                        <a:latin typeface="Calibri"/>
-                        <a:ea typeface="Calibri"/>
-                        <a:cs typeface="Times New Roman"/>
-                      </a:endParaRPr>
-                    </a:p>
-                  </a:txBody>
-                  <a:tcPr marL="41345" marR="41345" marT="0" marB="0"/>
-                </a:tc>
-                <a:extLst>
-                  <a:ext uri="{0D108BD9-81ED-4DB2-BD59-A6C34878D82A}">
-                    <a16:rowId xmlns:a16="http://schemas.microsoft.com/office/drawing/2014/main" val="10009"/>
-                  </a:ext>
-                </a:extLst>
-              </a:tr>
-            </a:tbl>
-          </a:graphicData>
-        </a:graphic>
-      </p:graphicFrame>
       <p:sp>
         <p:nvSpPr>
           <p:cNvPr id="4" name="Rectangle 1"/>
@@ -8626,6 +7007,1474 @@
           </a:p>
         </p:txBody>
       </p:sp>
+      <p:sp>
+        <p:nvSpPr>
+          <p:cNvPr id="7" name="CuadroTexto 6">
+            <a:extLst>
+              <a:ext uri="{FF2B5EF4-FFF2-40B4-BE49-F238E27FC236}">
+                <a16:creationId xmlns:a16="http://schemas.microsoft.com/office/drawing/2014/main" id="{9F7FAE8E-A67A-4D82-9C1A-A7B7B0A5288E}"/>
+              </a:ext>
+            </a:extLst>
+          </p:cNvPr>
+          <p:cNvSpPr txBox="1"/>
+          <p:nvPr/>
+        </p:nvSpPr>
+        <p:spPr>
+          <a:xfrm flipH="1">
+            <a:off x="949967" y="2264097"/>
+            <a:ext cx="2129070" cy="523220"/>
+          </a:xfrm>
+          <a:prstGeom prst="rect">
+            <a:avLst/>
+          </a:prstGeom>
+          <a:noFill/>
+        </p:spPr>
+        <p:txBody>
+          <a:bodyPr wrap="square" rtlCol="0">
+            <a:spAutoFit/>
+          </a:bodyPr>
+          <a:lstStyle/>
+          <a:p>
+            <a:r>
+              <a:rPr lang="es-MX" dirty="0"/>
+              <a:t>Después de la 2da revisión. </a:t>
+            </a:r>
+          </a:p>
+        </p:txBody>
+      </p:sp>
+      <p:graphicFrame>
+        <p:nvGraphicFramePr>
+          <p:cNvPr id="8" name="Tabla 7">
+            <a:extLst>
+              <a:ext uri="{FF2B5EF4-FFF2-40B4-BE49-F238E27FC236}">
+                <a16:creationId xmlns:a16="http://schemas.microsoft.com/office/drawing/2014/main" id="{BB10A65F-9FB9-4254-B775-5C5E844A0D0B}"/>
+              </a:ext>
+            </a:extLst>
+          </p:cNvPr>
+          <p:cNvGraphicFramePr>
+            <a:graphicFrameLocks noGrp="1"/>
+          </p:cNvGraphicFramePr>
+          <p:nvPr>
+            <p:extLst>
+              <p:ext uri="{D42A27DB-BD31-4B8C-83A1-F6EECF244321}">
+                <p14:modId xmlns:p14="http://schemas.microsoft.com/office/powerpoint/2010/main" val="219380998"/>
+              </p:ext>
+            </p:extLst>
+          </p:nvPr>
+        </p:nvGraphicFramePr>
+        <p:xfrm>
+          <a:off x="3647585" y="919957"/>
+          <a:ext cx="4412175" cy="3303586"/>
+        </p:xfrm>
+        <a:graphic>
+          <a:graphicData uri="http://schemas.openxmlformats.org/drawingml/2006/table">
+            <a:tbl>
+              <a:tblPr firstRow="1" firstCol="1" bandRow="1">
+                <a:tableStyleId>{AEDFC945-A3FC-4EC1-A3BF-A0FA79CC217E}</a:tableStyleId>
+              </a:tblPr>
+              <a:tblGrid>
+                <a:gridCol w="1108042">
+                  <a:extLst>
+                    <a:ext uri="{9D8B030D-6E8A-4147-A177-3AD203B41FA5}">
+                      <a16:colId xmlns:a16="http://schemas.microsoft.com/office/drawing/2014/main" val="2050396320"/>
+                    </a:ext>
+                  </a:extLst>
+                </a:gridCol>
+                <a:gridCol w="1215497">
+                  <a:extLst>
+                    <a:ext uri="{9D8B030D-6E8A-4147-A177-3AD203B41FA5}">
+                      <a16:colId xmlns:a16="http://schemas.microsoft.com/office/drawing/2014/main" val="1904789176"/>
+                    </a:ext>
+                  </a:extLst>
+                </a:gridCol>
+                <a:gridCol w="937612">
+                  <a:extLst>
+                    <a:ext uri="{9D8B030D-6E8A-4147-A177-3AD203B41FA5}">
+                      <a16:colId xmlns:a16="http://schemas.microsoft.com/office/drawing/2014/main" val="3446488663"/>
+                    </a:ext>
+                  </a:extLst>
+                </a:gridCol>
+                <a:gridCol w="1151024">
+                  <a:extLst>
+                    <a:ext uri="{9D8B030D-6E8A-4147-A177-3AD203B41FA5}">
+                      <a16:colId xmlns:a16="http://schemas.microsoft.com/office/drawing/2014/main" val="3727813710"/>
+                    </a:ext>
+                  </a:extLst>
+                </a:gridCol>
+              </a:tblGrid>
+              <a:tr h="300326">
+                <a:tc>
+                  <a:txBody>
+                    <a:bodyPr/>
+                    <a:lstStyle/>
+                    <a:p>
+                      <a:pPr>
+                        <a:lnSpc>
+                          <a:spcPct val="107000"/>
+                        </a:lnSpc>
+                        <a:spcAft>
+                          <a:spcPts val="0"/>
+                        </a:spcAft>
+                      </a:pPr>
+                      <a:r>
+                        <a:rPr lang="es-MX" sz="900">
+                          <a:effectLst/>
+                        </a:rPr>
+                        <a:t>Lunes 30 de Abril del 2018 </a:t>
+                      </a:r>
+                      <a:endParaRPr lang="es-MX" sz="900">
+                        <a:effectLst/>
+                        <a:latin typeface="Calibri" panose="020F0502020204030204" pitchFamily="34" charset="0"/>
+                        <a:ea typeface="Calibri" panose="020F0502020204030204" pitchFamily="34" charset="0"/>
+                        <a:cs typeface="Times New Roman" panose="02020603050405020304" pitchFamily="18" charset="0"/>
+                      </a:endParaRPr>
+                    </a:p>
+                  </a:txBody>
+                  <a:tcPr marL="53978" marR="53978" marT="0" marB="0"/>
+                </a:tc>
+                <a:tc>
+                  <a:txBody>
+                    <a:bodyPr/>
+                    <a:lstStyle/>
+                    <a:p>
+                      <a:pPr>
+                        <a:lnSpc>
+                          <a:spcPct val="107000"/>
+                        </a:lnSpc>
+                        <a:spcAft>
+                          <a:spcPts val="0"/>
+                        </a:spcAft>
+                      </a:pPr>
+                      <a:r>
+                        <a:rPr lang="es-MX" sz="900">
+                          <a:effectLst/>
+                        </a:rPr>
+                        <a:t>Revisión del diagrama de clases </a:t>
+                      </a:r>
+                      <a:endParaRPr lang="es-MX" sz="900">
+                        <a:effectLst/>
+                        <a:latin typeface="Calibri" panose="020F0502020204030204" pitchFamily="34" charset="0"/>
+                        <a:ea typeface="Calibri" panose="020F0502020204030204" pitchFamily="34" charset="0"/>
+                        <a:cs typeface="Times New Roman" panose="02020603050405020304" pitchFamily="18" charset="0"/>
+                      </a:endParaRPr>
+                    </a:p>
+                  </a:txBody>
+                  <a:tcPr marL="53978" marR="53978" marT="0" marB="0"/>
+                </a:tc>
+                <a:tc>
+                  <a:txBody>
+                    <a:bodyPr/>
+                    <a:lstStyle/>
+                    <a:p>
+                      <a:pPr>
+                        <a:lnSpc>
+                          <a:spcPct val="107000"/>
+                        </a:lnSpc>
+                        <a:spcAft>
+                          <a:spcPts val="0"/>
+                        </a:spcAft>
+                      </a:pPr>
+                      <a:r>
+                        <a:rPr lang="es-MX" sz="900">
+                          <a:effectLst/>
+                        </a:rPr>
+                        <a:t>Cubículo del profesor</a:t>
+                      </a:r>
+                      <a:endParaRPr lang="es-MX" sz="900">
+                        <a:effectLst/>
+                        <a:latin typeface="Calibri" panose="020F0502020204030204" pitchFamily="34" charset="0"/>
+                        <a:ea typeface="Calibri" panose="020F0502020204030204" pitchFamily="34" charset="0"/>
+                        <a:cs typeface="Times New Roman" panose="02020603050405020304" pitchFamily="18" charset="0"/>
+                      </a:endParaRPr>
+                    </a:p>
+                  </a:txBody>
+                  <a:tcPr marL="53978" marR="53978" marT="0" marB="0"/>
+                </a:tc>
+                <a:tc>
+                  <a:txBody>
+                    <a:bodyPr/>
+                    <a:lstStyle/>
+                    <a:p>
+                      <a:pPr>
+                        <a:lnSpc>
+                          <a:spcPct val="107000"/>
+                        </a:lnSpc>
+                        <a:spcAft>
+                          <a:spcPts val="0"/>
+                        </a:spcAft>
+                      </a:pPr>
+                      <a:r>
+                        <a:rPr lang="es-MX" sz="900" dirty="0">
+                          <a:effectLst/>
+                        </a:rPr>
+                        <a:t>Todos los integrantes</a:t>
+                      </a:r>
+                      <a:endParaRPr lang="es-MX" sz="900" dirty="0">
+                        <a:effectLst/>
+                        <a:latin typeface="Calibri" panose="020F0502020204030204" pitchFamily="34" charset="0"/>
+                        <a:ea typeface="Calibri" panose="020F0502020204030204" pitchFamily="34" charset="0"/>
+                        <a:cs typeface="Times New Roman" panose="02020603050405020304" pitchFamily="18" charset="0"/>
+                      </a:endParaRPr>
+                    </a:p>
+                  </a:txBody>
+                  <a:tcPr marL="53978" marR="53978" marT="0" marB="0"/>
+                </a:tc>
+                <a:extLst>
+                  <a:ext uri="{0D108BD9-81ED-4DB2-BD59-A6C34878D82A}">
+                    <a16:rowId xmlns:a16="http://schemas.microsoft.com/office/drawing/2014/main" val="1585364785"/>
+                  </a:ext>
+                </a:extLst>
+              </a:tr>
+              <a:tr h="300326">
+                <a:tc>
+                  <a:txBody>
+                    <a:bodyPr/>
+                    <a:lstStyle/>
+                    <a:p>
+                      <a:pPr>
+                        <a:lnSpc>
+                          <a:spcPct val="107000"/>
+                        </a:lnSpc>
+                        <a:spcAft>
+                          <a:spcPts val="0"/>
+                        </a:spcAft>
+                      </a:pPr>
+                      <a:r>
+                        <a:rPr lang="es-MX" sz="900">
+                          <a:effectLst/>
+                        </a:rPr>
+                        <a:t>Jueves 3 de Mayo del 2018 </a:t>
+                      </a:r>
+                      <a:endParaRPr lang="es-MX" sz="900">
+                        <a:effectLst/>
+                        <a:latin typeface="Calibri" panose="020F0502020204030204" pitchFamily="34" charset="0"/>
+                        <a:ea typeface="Calibri" panose="020F0502020204030204" pitchFamily="34" charset="0"/>
+                        <a:cs typeface="Times New Roman" panose="02020603050405020304" pitchFamily="18" charset="0"/>
+                      </a:endParaRPr>
+                    </a:p>
+                  </a:txBody>
+                  <a:tcPr marL="53978" marR="53978" marT="0" marB="0"/>
+                </a:tc>
+                <a:tc>
+                  <a:txBody>
+                    <a:bodyPr/>
+                    <a:lstStyle/>
+                    <a:p>
+                      <a:pPr>
+                        <a:lnSpc>
+                          <a:spcPct val="107000"/>
+                        </a:lnSpc>
+                        <a:spcAft>
+                          <a:spcPts val="0"/>
+                        </a:spcAft>
+                      </a:pPr>
+                      <a:r>
+                        <a:rPr lang="es-MX" sz="900">
+                          <a:effectLst/>
+                        </a:rPr>
+                        <a:t>Aprobación del diagrama de clases </a:t>
+                      </a:r>
+                      <a:endParaRPr lang="es-MX" sz="900">
+                        <a:effectLst/>
+                        <a:latin typeface="Calibri" panose="020F0502020204030204" pitchFamily="34" charset="0"/>
+                        <a:ea typeface="Calibri" panose="020F0502020204030204" pitchFamily="34" charset="0"/>
+                        <a:cs typeface="Times New Roman" panose="02020603050405020304" pitchFamily="18" charset="0"/>
+                      </a:endParaRPr>
+                    </a:p>
+                  </a:txBody>
+                  <a:tcPr marL="53978" marR="53978" marT="0" marB="0"/>
+                </a:tc>
+                <a:tc>
+                  <a:txBody>
+                    <a:bodyPr/>
+                    <a:lstStyle/>
+                    <a:p>
+                      <a:pPr>
+                        <a:lnSpc>
+                          <a:spcPct val="107000"/>
+                        </a:lnSpc>
+                        <a:spcAft>
+                          <a:spcPts val="0"/>
+                        </a:spcAft>
+                      </a:pPr>
+                      <a:r>
+                        <a:rPr lang="es-MX" sz="900">
+                          <a:effectLst/>
+                        </a:rPr>
+                        <a:t>Cubículo del profesor </a:t>
+                      </a:r>
+                      <a:endParaRPr lang="es-MX" sz="900">
+                        <a:effectLst/>
+                        <a:latin typeface="Calibri" panose="020F0502020204030204" pitchFamily="34" charset="0"/>
+                        <a:ea typeface="Calibri" panose="020F0502020204030204" pitchFamily="34" charset="0"/>
+                        <a:cs typeface="Times New Roman" panose="02020603050405020304" pitchFamily="18" charset="0"/>
+                      </a:endParaRPr>
+                    </a:p>
+                  </a:txBody>
+                  <a:tcPr marL="53978" marR="53978" marT="0" marB="0"/>
+                </a:tc>
+                <a:tc>
+                  <a:txBody>
+                    <a:bodyPr/>
+                    <a:lstStyle/>
+                    <a:p>
+                      <a:pPr>
+                        <a:lnSpc>
+                          <a:spcPct val="107000"/>
+                        </a:lnSpc>
+                        <a:spcAft>
+                          <a:spcPts val="0"/>
+                        </a:spcAft>
+                      </a:pPr>
+                      <a:r>
+                        <a:rPr lang="es-MX" sz="900">
+                          <a:effectLst/>
+                        </a:rPr>
+                        <a:t>Todos los integrantes</a:t>
+                      </a:r>
+                      <a:endParaRPr lang="es-MX" sz="900">
+                        <a:effectLst/>
+                        <a:latin typeface="Calibri" panose="020F0502020204030204" pitchFamily="34" charset="0"/>
+                        <a:ea typeface="Calibri" panose="020F0502020204030204" pitchFamily="34" charset="0"/>
+                        <a:cs typeface="Times New Roman" panose="02020603050405020304" pitchFamily="18" charset="0"/>
+                      </a:endParaRPr>
+                    </a:p>
+                  </a:txBody>
+                  <a:tcPr marL="53978" marR="53978" marT="0" marB="0"/>
+                </a:tc>
+                <a:extLst>
+                  <a:ext uri="{0D108BD9-81ED-4DB2-BD59-A6C34878D82A}">
+                    <a16:rowId xmlns:a16="http://schemas.microsoft.com/office/drawing/2014/main" val="2671542996"/>
+                  </a:ext>
+                </a:extLst>
+              </a:tr>
+              <a:tr h="300326">
+                <a:tc>
+                  <a:txBody>
+                    <a:bodyPr/>
+                    <a:lstStyle/>
+                    <a:p>
+                      <a:pPr>
+                        <a:lnSpc>
+                          <a:spcPct val="107000"/>
+                        </a:lnSpc>
+                        <a:spcAft>
+                          <a:spcPts val="0"/>
+                        </a:spcAft>
+                      </a:pPr>
+                      <a:r>
+                        <a:rPr lang="es-MX" sz="900">
+                          <a:effectLst/>
+                        </a:rPr>
+                        <a:t>Jueves 3 de Mayo del 2018</a:t>
+                      </a:r>
+                      <a:endParaRPr lang="es-MX" sz="900">
+                        <a:effectLst/>
+                        <a:latin typeface="Calibri" panose="020F0502020204030204" pitchFamily="34" charset="0"/>
+                        <a:ea typeface="Calibri" panose="020F0502020204030204" pitchFamily="34" charset="0"/>
+                        <a:cs typeface="Times New Roman" panose="02020603050405020304" pitchFamily="18" charset="0"/>
+                      </a:endParaRPr>
+                    </a:p>
+                  </a:txBody>
+                  <a:tcPr marL="53978" marR="53978" marT="0" marB="0"/>
+                </a:tc>
+                <a:tc>
+                  <a:txBody>
+                    <a:bodyPr/>
+                    <a:lstStyle/>
+                    <a:p>
+                      <a:pPr>
+                        <a:lnSpc>
+                          <a:spcPct val="107000"/>
+                        </a:lnSpc>
+                        <a:spcAft>
+                          <a:spcPts val="0"/>
+                        </a:spcAft>
+                      </a:pPr>
+                      <a:r>
+                        <a:rPr lang="es-MX" sz="900">
+                          <a:effectLst/>
+                        </a:rPr>
+                        <a:t>Inicio de codificación </a:t>
+                      </a:r>
+                      <a:endParaRPr lang="es-MX" sz="900">
+                        <a:effectLst/>
+                        <a:latin typeface="Calibri" panose="020F0502020204030204" pitchFamily="34" charset="0"/>
+                        <a:ea typeface="Calibri" panose="020F0502020204030204" pitchFamily="34" charset="0"/>
+                        <a:cs typeface="Times New Roman" panose="02020603050405020304" pitchFamily="18" charset="0"/>
+                      </a:endParaRPr>
+                    </a:p>
+                  </a:txBody>
+                  <a:tcPr marL="53978" marR="53978" marT="0" marB="0"/>
+                </a:tc>
+                <a:tc>
+                  <a:txBody>
+                    <a:bodyPr/>
+                    <a:lstStyle/>
+                    <a:p>
+                      <a:pPr>
+                        <a:lnSpc>
+                          <a:spcPct val="107000"/>
+                        </a:lnSpc>
+                        <a:spcAft>
+                          <a:spcPts val="0"/>
+                        </a:spcAft>
+                      </a:pPr>
+                      <a:r>
+                        <a:rPr lang="es-MX" sz="900">
+                          <a:effectLst/>
+                        </a:rPr>
+                        <a:t>Casa de Jesus </a:t>
+                      </a:r>
+                      <a:endParaRPr lang="es-MX" sz="900">
+                        <a:effectLst/>
+                        <a:latin typeface="Calibri" panose="020F0502020204030204" pitchFamily="34" charset="0"/>
+                        <a:ea typeface="Calibri" panose="020F0502020204030204" pitchFamily="34" charset="0"/>
+                        <a:cs typeface="Times New Roman" panose="02020603050405020304" pitchFamily="18" charset="0"/>
+                      </a:endParaRPr>
+                    </a:p>
+                  </a:txBody>
+                  <a:tcPr marL="53978" marR="53978" marT="0" marB="0"/>
+                </a:tc>
+                <a:tc>
+                  <a:txBody>
+                    <a:bodyPr/>
+                    <a:lstStyle/>
+                    <a:p>
+                      <a:pPr>
+                        <a:lnSpc>
+                          <a:spcPct val="107000"/>
+                        </a:lnSpc>
+                        <a:spcAft>
+                          <a:spcPts val="0"/>
+                        </a:spcAft>
+                      </a:pPr>
+                      <a:r>
+                        <a:rPr lang="es-MX" sz="900">
+                          <a:effectLst/>
+                        </a:rPr>
+                        <a:t>Jesus </a:t>
+                      </a:r>
+                      <a:endParaRPr lang="es-MX" sz="900">
+                        <a:effectLst/>
+                        <a:latin typeface="Calibri" panose="020F0502020204030204" pitchFamily="34" charset="0"/>
+                        <a:ea typeface="Calibri" panose="020F0502020204030204" pitchFamily="34" charset="0"/>
+                        <a:cs typeface="Times New Roman" panose="02020603050405020304" pitchFamily="18" charset="0"/>
+                      </a:endParaRPr>
+                    </a:p>
+                  </a:txBody>
+                  <a:tcPr marL="53978" marR="53978" marT="0" marB="0"/>
+                </a:tc>
+                <a:extLst>
+                  <a:ext uri="{0D108BD9-81ED-4DB2-BD59-A6C34878D82A}">
+                    <a16:rowId xmlns:a16="http://schemas.microsoft.com/office/drawing/2014/main" val="1525319543"/>
+                  </a:ext>
+                </a:extLst>
+              </a:tr>
+              <a:tr h="300326">
+                <a:tc>
+                  <a:txBody>
+                    <a:bodyPr/>
+                    <a:lstStyle/>
+                    <a:p>
+                      <a:pPr>
+                        <a:lnSpc>
+                          <a:spcPct val="107000"/>
+                        </a:lnSpc>
+                        <a:spcAft>
+                          <a:spcPts val="0"/>
+                        </a:spcAft>
+                      </a:pPr>
+                      <a:r>
+                        <a:rPr lang="es-MX" sz="900">
+                          <a:effectLst/>
+                        </a:rPr>
+                        <a:t>Sábado 5 de Mayo del 2018 </a:t>
+                      </a:r>
+                      <a:endParaRPr lang="es-MX" sz="900">
+                        <a:effectLst/>
+                        <a:latin typeface="Calibri" panose="020F0502020204030204" pitchFamily="34" charset="0"/>
+                        <a:ea typeface="Calibri" panose="020F0502020204030204" pitchFamily="34" charset="0"/>
+                        <a:cs typeface="Times New Roman" panose="02020603050405020304" pitchFamily="18" charset="0"/>
+                      </a:endParaRPr>
+                    </a:p>
+                  </a:txBody>
+                  <a:tcPr marL="53978" marR="53978" marT="0" marB="0"/>
+                </a:tc>
+                <a:tc>
+                  <a:txBody>
+                    <a:bodyPr/>
+                    <a:lstStyle/>
+                    <a:p>
+                      <a:pPr>
+                        <a:lnSpc>
+                          <a:spcPct val="107000"/>
+                        </a:lnSpc>
+                        <a:spcAft>
+                          <a:spcPts val="0"/>
+                        </a:spcAft>
+                      </a:pPr>
+                      <a:r>
+                        <a:rPr lang="es-MX" sz="900">
+                          <a:effectLst/>
+                        </a:rPr>
+                        <a:t>Reunión para verificar avances</a:t>
+                      </a:r>
+                      <a:endParaRPr lang="es-MX" sz="900">
+                        <a:effectLst/>
+                        <a:latin typeface="Calibri" panose="020F0502020204030204" pitchFamily="34" charset="0"/>
+                        <a:ea typeface="Calibri" panose="020F0502020204030204" pitchFamily="34" charset="0"/>
+                        <a:cs typeface="Times New Roman" panose="02020603050405020304" pitchFamily="18" charset="0"/>
+                      </a:endParaRPr>
+                    </a:p>
+                  </a:txBody>
+                  <a:tcPr marL="53978" marR="53978" marT="0" marB="0"/>
+                </a:tc>
+                <a:tc>
+                  <a:txBody>
+                    <a:bodyPr/>
+                    <a:lstStyle/>
+                    <a:p>
+                      <a:pPr>
+                        <a:lnSpc>
+                          <a:spcPct val="107000"/>
+                        </a:lnSpc>
+                        <a:spcAft>
+                          <a:spcPts val="0"/>
+                        </a:spcAft>
+                      </a:pPr>
+                      <a:r>
+                        <a:rPr lang="es-MX" sz="900">
+                          <a:effectLst/>
+                        </a:rPr>
+                        <a:t>Cafetería </a:t>
+                      </a:r>
+                      <a:endParaRPr lang="es-MX" sz="900">
+                        <a:effectLst/>
+                        <a:latin typeface="Calibri" panose="020F0502020204030204" pitchFamily="34" charset="0"/>
+                        <a:ea typeface="Calibri" panose="020F0502020204030204" pitchFamily="34" charset="0"/>
+                        <a:cs typeface="Times New Roman" panose="02020603050405020304" pitchFamily="18" charset="0"/>
+                      </a:endParaRPr>
+                    </a:p>
+                  </a:txBody>
+                  <a:tcPr marL="53978" marR="53978" marT="0" marB="0"/>
+                </a:tc>
+                <a:tc>
+                  <a:txBody>
+                    <a:bodyPr/>
+                    <a:lstStyle/>
+                    <a:p>
+                      <a:pPr>
+                        <a:lnSpc>
+                          <a:spcPct val="107000"/>
+                        </a:lnSpc>
+                        <a:spcAft>
+                          <a:spcPts val="0"/>
+                        </a:spcAft>
+                      </a:pPr>
+                      <a:r>
+                        <a:rPr lang="es-MX" sz="900">
+                          <a:effectLst/>
+                        </a:rPr>
+                        <a:t>Todos los integrantes </a:t>
+                      </a:r>
+                      <a:endParaRPr lang="es-MX" sz="900">
+                        <a:effectLst/>
+                        <a:latin typeface="Calibri" panose="020F0502020204030204" pitchFamily="34" charset="0"/>
+                        <a:ea typeface="Calibri" panose="020F0502020204030204" pitchFamily="34" charset="0"/>
+                        <a:cs typeface="Times New Roman" panose="02020603050405020304" pitchFamily="18" charset="0"/>
+                      </a:endParaRPr>
+                    </a:p>
+                  </a:txBody>
+                  <a:tcPr marL="53978" marR="53978" marT="0" marB="0"/>
+                </a:tc>
+                <a:extLst>
+                  <a:ext uri="{0D108BD9-81ED-4DB2-BD59-A6C34878D82A}">
+                    <a16:rowId xmlns:a16="http://schemas.microsoft.com/office/drawing/2014/main" val="286844684"/>
+                  </a:ext>
+                </a:extLst>
+              </a:tr>
+              <a:tr h="300326">
+                <a:tc>
+                  <a:txBody>
+                    <a:bodyPr/>
+                    <a:lstStyle/>
+                    <a:p>
+                      <a:pPr>
+                        <a:lnSpc>
+                          <a:spcPct val="107000"/>
+                        </a:lnSpc>
+                        <a:spcAft>
+                          <a:spcPts val="0"/>
+                        </a:spcAft>
+                      </a:pPr>
+                      <a:r>
+                        <a:rPr lang="es-MX" sz="900">
+                          <a:effectLst/>
+                        </a:rPr>
+                        <a:t>Sábado 5 de Mayo del 2018 </a:t>
+                      </a:r>
+                      <a:endParaRPr lang="es-MX" sz="900">
+                        <a:effectLst/>
+                        <a:latin typeface="Calibri" panose="020F0502020204030204" pitchFamily="34" charset="0"/>
+                        <a:ea typeface="Calibri" panose="020F0502020204030204" pitchFamily="34" charset="0"/>
+                        <a:cs typeface="Times New Roman" panose="02020603050405020304" pitchFamily="18" charset="0"/>
+                      </a:endParaRPr>
+                    </a:p>
+                  </a:txBody>
+                  <a:tcPr marL="53978" marR="53978" marT="0" marB="0"/>
+                </a:tc>
+                <a:tc>
+                  <a:txBody>
+                    <a:bodyPr/>
+                    <a:lstStyle/>
+                    <a:p>
+                      <a:pPr>
+                        <a:lnSpc>
+                          <a:spcPct val="107000"/>
+                        </a:lnSpc>
+                        <a:spcAft>
+                          <a:spcPts val="0"/>
+                        </a:spcAft>
+                      </a:pPr>
+                      <a:r>
+                        <a:rPr lang="es-MX" sz="900">
+                          <a:effectLst/>
+                        </a:rPr>
+                        <a:t>Actualización de documentos </a:t>
+                      </a:r>
+                      <a:endParaRPr lang="es-MX" sz="900">
+                        <a:effectLst/>
+                        <a:latin typeface="Calibri" panose="020F0502020204030204" pitchFamily="34" charset="0"/>
+                        <a:ea typeface="Calibri" panose="020F0502020204030204" pitchFamily="34" charset="0"/>
+                        <a:cs typeface="Times New Roman" panose="02020603050405020304" pitchFamily="18" charset="0"/>
+                      </a:endParaRPr>
+                    </a:p>
+                  </a:txBody>
+                  <a:tcPr marL="53978" marR="53978" marT="0" marB="0"/>
+                </a:tc>
+                <a:tc>
+                  <a:txBody>
+                    <a:bodyPr/>
+                    <a:lstStyle/>
+                    <a:p>
+                      <a:pPr>
+                        <a:lnSpc>
+                          <a:spcPct val="107000"/>
+                        </a:lnSpc>
+                        <a:spcAft>
+                          <a:spcPts val="0"/>
+                        </a:spcAft>
+                      </a:pPr>
+                      <a:r>
+                        <a:rPr lang="es-MX" sz="900">
+                          <a:effectLst/>
+                        </a:rPr>
+                        <a:t>Cafetería </a:t>
+                      </a:r>
+                      <a:endParaRPr lang="es-MX" sz="900">
+                        <a:effectLst/>
+                        <a:latin typeface="Calibri" panose="020F0502020204030204" pitchFamily="34" charset="0"/>
+                        <a:ea typeface="Calibri" panose="020F0502020204030204" pitchFamily="34" charset="0"/>
+                        <a:cs typeface="Times New Roman" panose="02020603050405020304" pitchFamily="18" charset="0"/>
+                      </a:endParaRPr>
+                    </a:p>
+                  </a:txBody>
+                  <a:tcPr marL="53978" marR="53978" marT="0" marB="0"/>
+                </a:tc>
+                <a:tc>
+                  <a:txBody>
+                    <a:bodyPr/>
+                    <a:lstStyle/>
+                    <a:p>
+                      <a:pPr>
+                        <a:lnSpc>
+                          <a:spcPct val="107000"/>
+                        </a:lnSpc>
+                        <a:spcAft>
+                          <a:spcPts val="0"/>
+                        </a:spcAft>
+                      </a:pPr>
+                      <a:r>
+                        <a:rPr lang="es-MX" sz="900">
+                          <a:effectLst/>
+                        </a:rPr>
+                        <a:t>Jessica y Karina </a:t>
+                      </a:r>
+                      <a:endParaRPr lang="es-MX" sz="900">
+                        <a:effectLst/>
+                        <a:latin typeface="Calibri" panose="020F0502020204030204" pitchFamily="34" charset="0"/>
+                        <a:ea typeface="Calibri" panose="020F0502020204030204" pitchFamily="34" charset="0"/>
+                        <a:cs typeface="Times New Roman" panose="02020603050405020304" pitchFamily="18" charset="0"/>
+                      </a:endParaRPr>
+                    </a:p>
+                  </a:txBody>
+                  <a:tcPr marL="53978" marR="53978" marT="0" marB="0"/>
+                </a:tc>
+                <a:extLst>
+                  <a:ext uri="{0D108BD9-81ED-4DB2-BD59-A6C34878D82A}">
+                    <a16:rowId xmlns:a16="http://schemas.microsoft.com/office/drawing/2014/main" val="3042332629"/>
+                  </a:ext>
+                </a:extLst>
+              </a:tr>
+              <a:tr h="300326">
+                <a:tc>
+                  <a:txBody>
+                    <a:bodyPr/>
+                    <a:lstStyle/>
+                    <a:p>
+                      <a:pPr>
+                        <a:lnSpc>
+                          <a:spcPct val="107000"/>
+                        </a:lnSpc>
+                        <a:spcAft>
+                          <a:spcPts val="0"/>
+                        </a:spcAft>
+                      </a:pPr>
+                      <a:r>
+                        <a:rPr lang="es-MX" sz="900">
+                          <a:effectLst/>
+                        </a:rPr>
+                        <a:t>Sábado 5 de Mayo del 2018 </a:t>
+                      </a:r>
+                      <a:endParaRPr lang="es-MX" sz="900">
+                        <a:effectLst/>
+                        <a:latin typeface="Calibri" panose="020F0502020204030204" pitchFamily="34" charset="0"/>
+                        <a:ea typeface="Calibri" panose="020F0502020204030204" pitchFamily="34" charset="0"/>
+                        <a:cs typeface="Times New Roman" panose="02020603050405020304" pitchFamily="18" charset="0"/>
+                      </a:endParaRPr>
+                    </a:p>
+                  </a:txBody>
+                  <a:tcPr marL="53978" marR="53978" marT="0" marB="0"/>
+                </a:tc>
+                <a:tc>
+                  <a:txBody>
+                    <a:bodyPr/>
+                    <a:lstStyle/>
+                    <a:p>
+                      <a:pPr>
+                        <a:lnSpc>
+                          <a:spcPct val="107000"/>
+                        </a:lnSpc>
+                        <a:spcAft>
+                          <a:spcPts val="0"/>
+                        </a:spcAft>
+                      </a:pPr>
+                      <a:r>
+                        <a:rPr lang="es-MX" sz="900">
+                          <a:effectLst/>
+                        </a:rPr>
+                        <a:t>Codificación </a:t>
+                      </a:r>
+                      <a:endParaRPr lang="es-MX" sz="900">
+                        <a:effectLst/>
+                        <a:latin typeface="Calibri" panose="020F0502020204030204" pitchFamily="34" charset="0"/>
+                        <a:ea typeface="Calibri" panose="020F0502020204030204" pitchFamily="34" charset="0"/>
+                        <a:cs typeface="Times New Roman" panose="02020603050405020304" pitchFamily="18" charset="0"/>
+                      </a:endParaRPr>
+                    </a:p>
+                  </a:txBody>
+                  <a:tcPr marL="53978" marR="53978" marT="0" marB="0"/>
+                </a:tc>
+                <a:tc>
+                  <a:txBody>
+                    <a:bodyPr/>
+                    <a:lstStyle/>
+                    <a:p>
+                      <a:pPr>
+                        <a:lnSpc>
+                          <a:spcPct val="107000"/>
+                        </a:lnSpc>
+                        <a:spcAft>
+                          <a:spcPts val="0"/>
+                        </a:spcAft>
+                      </a:pPr>
+                      <a:r>
+                        <a:rPr lang="es-MX" sz="900">
+                          <a:effectLst/>
+                        </a:rPr>
+                        <a:t>Cafetería </a:t>
+                      </a:r>
+                      <a:endParaRPr lang="es-MX" sz="900">
+                        <a:effectLst/>
+                        <a:latin typeface="Calibri" panose="020F0502020204030204" pitchFamily="34" charset="0"/>
+                        <a:ea typeface="Calibri" panose="020F0502020204030204" pitchFamily="34" charset="0"/>
+                        <a:cs typeface="Times New Roman" panose="02020603050405020304" pitchFamily="18" charset="0"/>
+                      </a:endParaRPr>
+                    </a:p>
+                  </a:txBody>
+                  <a:tcPr marL="53978" marR="53978" marT="0" marB="0"/>
+                </a:tc>
+                <a:tc>
+                  <a:txBody>
+                    <a:bodyPr/>
+                    <a:lstStyle/>
+                    <a:p>
+                      <a:pPr>
+                        <a:lnSpc>
+                          <a:spcPct val="107000"/>
+                        </a:lnSpc>
+                        <a:spcAft>
+                          <a:spcPts val="0"/>
+                        </a:spcAft>
+                      </a:pPr>
+                      <a:r>
+                        <a:rPr lang="es-MX" sz="900">
+                          <a:effectLst/>
+                        </a:rPr>
+                        <a:t>Jesus</a:t>
+                      </a:r>
+                      <a:endParaRPr lang="es-MX" sz="900">
+                        <a:effectLst/>
+                        <a:latin typeface="Calibri" panose="020F0502020204030204" pitchFamily="34" charset="0"/>
+                        <a:ea typeface="Calibri" panose="020F0502020204030204" pitchFamily="34" charset="0"/>
+                        <a:cs typeface="Times New Roman" panose="02020603050405020304" pitchFamily="18" charset="0"/>
+                      </a:endParaRPr>
+                    </a:p>
+                  </a:txBody>
+                  <a:tcPr marL="53978" marR="53978" marT="0" marB="0"/>
+                </a:tc>
+                <a:extLst>
+                  <a:ext uri="{0D108BD9-81ED-4DB2-BD59-A6C34878D82A}">
+                    <a16:rowId xmlns:a16="http://schemas.microsoft.com/office/drawing/2014/main" val="3519979117"/>
+                  </a:ext>
+                </a:extLst>
+              </a:tr>
+              <a:tr h="300326">
+                <a:tc>
+                  <a:txBody>
+                    <a:bodyPr/>
+                    <a:lstStyle/>
+                    <a:p>
+                      <a:pPr>
+                        <a:lnSpc>
+                          <a:spcPct val="107000"/>
+                        </a:lnSpc>
+                        <a:spcAft>
+                          <a:spcPts val="0"/>
+                        </a:spcAft>
+                      </a:pPr>
+                      <a:r>
+                        <a:rPr lang="es-MX" sz="900">
+                          <a:effectLst/>
+                        </a:rPr>
+                        <a:t>Jueves 10 de mayo del 2018</a:t>
+                      </a:r>
+                      <a:endParaRPr lang="es-MX" sz="900">
+                        <a:effectLst/>
+                        <a:latin typeface="Calibri" panose="020F0502020204030204" pitchFamily="34" charset="0"/>
+                        <a:ea typeface="Calibri" panose="020F0502020204030204" pitchFamily="34" charset="0"/>
+                        <a:cs typeface="Times New Roman" panose="02020603050405020304" pitchFamily="18" charset="0"/>
+                      </a:endParaRPr>
+                    </a:p>
+                  </a:txBody>
+                  <a:tcPr marL="53978" marR="53978" marT="0" marB="0"/>
+                </a:tc>
+                <a:tc>
+                  <a:txBody>
+                    <a:bodyPr/>
+                    <a:lstStyle/>
+                    <a:p>
+                      <a:pPr>
+                        <a:lnSpc>
+                          <a:spcPct val="107000"/>
+                        </a:lnSpc>
+                        <a:spcAft>
+                          <a:spcPts val="0"/>
+                        </a:spcAft>
+                      </a:pPr>
+                      <a:r>
+                        <a:rPr lang="es-MX" sz="900">
+                          <a:effectLst/>
+                        </a:rPr>
+                        <a:t>Crear la interfaz</a:t>
+                      </a:r>
+                      <a:endParaRPr lang="es-MX" sz="900">
+                        <a:effectLst/>
+                        <a:latin typeface="Calibri" panose="020F0502020204030204" pitchFamily="34" charset="0"/>
+                        <a:ea typeface="Calibri" panose="020F0502020204030204" pitchFamily="34" charset="0"/>
+                        <a:cs typeface="Times New Roman" panose="02020603050405020304" pitchFamily="18" charset="0"/>
+                      </a:endParaRPr>
+                    </a:p>
+                  </a:txBody>
+                  <a:tcPr marL="53978" marR="53978" marT="0" marB="0"/>
+                </a:tc>
+                <a:tc>
+                  <a:txBody>
+                    <a:bodyPr/>
+                    <a:lstStyle/>
+                    <a:p>
+                      <a:pPr>
+                        <a:lnSpc>
+                          <a:spcPct val="107000"/>
+                        </a:lnSpc>
+                        <a:spcAft>
+                          <a:spcPts val="0"/>
+                        </a:spcAft>
+                      </a:pPr>
+                      <a:r>
+                        <a:rPr lang="es-MX" sz="900">
+                          <a:effectLst/>
+                        </a:rPr>
+                        <a:t>Casa de Jessica</a:t>
+                      </a:r>
+                      <a:endParaRPr lang="es-MX" sz="900">
+                        <a:effectLst/>
+                        <a:latin typeface="Calibri" panose="020F0502020204030204" pitchFamily="34" charset="0"/>
+                        <a:ea typeface="Calibri" panose="020F0502020204030204" pitchFamily="34" charset="0"/>
+                        <a:cs typeface="Times New Roman" panose="02020603050405020304" pitchFamily="18" charset="0"/>
+                      </a:endParaRPr>
+                    </a:p>
+                  </a:txBody>
+                  <a:tcPr marL="53978" marR="53978" marT="0" marB="0"/>
+                </a:tc>
+                <a:tc>
+                  <a:txBody>
+                    <a:bodyPr/>
+                    <a:lstStyle/>
+                    <a:p>
+                      <a:pPr>
+                        <a:lnSpc>
+                          <a:spcPct val="107000"/>
+                        </a:lnSpc>
+                        <a:spcAft>
+                          <a:spcPts val="0"/>
+                        </a:spcAft>
+                      </a:pPr>
+                      <a:r>
+                        <a:rPr lang="es-MX" sz="900">
+                          <a:effectLst/>
+                        </a:rPr>
+                        <a:t>Jessica</a:t>
+                      </a:r>
+                    </a:p>
+                    <a:p>
+                      <a:pPr>
+                        <a:lnSpc>
+                          <a:spcPct val="107000"/>
+                        </a:lnSpc>
+                        <a:spcAft>
+                          <a:spcPts val="0"/>
+                        </a:spcAft>
+                      </a:pPr>
+                      <a:r>
+                        <a:rPr lang="es-MX" sz="900">
+                          <a:effectLst/>
+                        </a:rPr>
+                        <a:t> </a:t>
+                      </a:r>
+                      <a:endParaRPr lang="es-MX" sz="900">
+                        <a:effectLst/>
+                        <a:latin typeface="Calibri" panose="020F0502020204030204" pitchFamily="34" charset="0"/>
+                        <a:ea typeface="Calibri" panose="020F0502020204030204" pitchFamily="34" charset="0"/>
+                        <a:cs typeface="Times New Roman" panose="02020603050405020304" pitchFamily="18" charset="0"/>
+                      </a:endParaRPr>
+                    </a:p>
+                  </a:txBody>
+                  <a:tcPr marL="53978" marR="53978" marT="0" marB="0"/>
+                </a:tc>
+                <a:extLst>
+                  <a:ext uri="{0D108BD9-81ED-4DB2-BD59-A6C34878D82A}">
+                    <a16:rowId xmlns:a16="http://schemas.microsoft.com/office/drawing/2014/main" val="511994488"/>
+                  </a:ext>
+                </a:extLst>
+              </a:tr>
+              <a:tr h="300326">
+                <a:tc>
+                  <a:txBody>
+                    <a:bodyPr/>
+                    <a:lstStyle/>
+                    <a:p>
+                      <a:pPr>
+                        <a:lnSpc>
+                          <a:spcPct val="107000"/>
+                        </a:lnSpc>
+                        <a:spcAft>
+                          <a:spcPts val="0"/>
+                        </a:spcAft>
+                      </a:pPr>
+                      <a:r>
+                        <a:rPr lang="es-MX" sz="900">
+                          <a:effectLst/>
+                        </a:rPr>
+                        <a:t>Lunes 16 de mayo</a:t>
+                      </a:r>
+                      <a:endParaRPr lang="es-MX" sz="900">
+                        <a:effectLst/>
+                        <a:latin typeface="Calibri" panose="020F0502020204030204" pitchFamily="34" charset="0"/>
+                        <a:ea typeface="Calibri" panose="020F0502020204030204" pitchFamily="34" charset="0"/>
+                        <a:cs typeface="Times New Roman" panose="02020603050405020304" pitchFamily="18" charset="0"/>
+                      </a:endParaRPr>
+                    </a:p>
+                  </a:txBody>
+                  <a:tcPr marL="53978" marR="53978" marT="0" marB="0"/>
+                </a:tc>
+                <a:tc>
+                  <a:txBody>
+                    <a:bodyPr/>
+                    <a:lstStyle/>
+                    <a:p>
+                      <a:pPr>
+                        <a:lnSpc>
+                          <a:spcPct val="107000"/>
+                        </a:lnSpc>
+                        <a:spcAft>
+                          <a:spcPts val="0"/>
+                        </a:spcAft>
+                      </a:pPr>
+                      <a:r>
+                        <a:rPr lang="es-MX" sz="900">
+                          <a:effectLst/>
+                        </a:rPr>
+                        <a:t>Resolución de dudas.</a:t>
+                      </a:r>
+                      <a:endParaRPr lang="es-MX" sz="900">
+                        <a:effectLst/>
+                        <a:latin typeface="Calibri" panose="020F0502020204030204" pitchFamily="34" charset="0"/>
+                        <a:ea typeface="Calibri" panose="020F0502020204030204" pitchFamily="34" charset="0"/>
+                        <a:cs typeface="Times New Roman" panose="02020603050405020304" pitchFamily="18" charset="0"/>
+                      </a:endParaRPr>
+                    </a:p>
+                  </a:txBody>
+                  <a:tcPr marL="53978" marR="53978" marT="0" marB="0"/>
+                </a:tc>
+                <a:tc>
+                  <a:txBody>
+                    <a:bodyPr/>
+                    <a:lstStyle/>
+                    <a:p>
+                      <a:pPr>
+                        <a:lnSpc>
+                          <a:spcPct val="107000"/>
+                        </a:lnSpc>
+                        <a:spcAft>
+                          <a:spcPts val="0"/>
+                        </a:spcAft>
+                      </a:pPr>
+                      <a:r>
+                        <a:rPr lang="es-MX" sz="900">
+                          <a:effectLst/>
+                        </a:rPr>
+                        <a:t>Cubículo del profesor</a:t>
+                      </a:r>
+                      <a:endParaRPr lang="es-MX" sz="900">
+                        <a:effectLst/>
+                        <a:latin typeface="Calibri" panose="020F0502020204030204" pitchFamily="34" charset="0"/>
+                        <a:ea typeface="Calibri" panose="020F0502020204030204" pitchFamily="34" charset="0"/>
+                        <a:cs typeface="Times New Roman" panose="02020603050405020304" pitchFamily="18" charset="0"/>
+                      </a:endParaRPr>
+                    </a:p>
+                  </a:txBody>
+                  <a:tcPr marL="53978" marR="53978" marT="0" marB="0"/>
+                </a:tc>
+                <a:tc>
+                  <a:txBody>
+                    <a:bodyPr/>
+                    <a:lstStyle/>
+                    <a:p>
+                      <a:pPr>
+                        <a:lnSpc>
+                          <a:spcPct val="107000"/>
+                        </a:lnSpc>
+                        <a:spcAft>
+                          <a:spcPts val="0"/>
+                        </a:spcAft>
+                      </a:pPr>
+                      <a:r>
+                        <a:rPr lang="es-MX" sz="900">
+                          <a:effectLst/>
+                        </a:rPr>
+                        <a:t>Todos los integrantes</a:t>
+                      </a:r>
+                      <a:endParaRPr lang="es-MX" sz="900">
+                        <a:effectLst/>
+                        <a:latin typeface="Calibri" panose="020F0502020204030204" pitchFamily="34" charset="0"/>
+                        <a:ea typeface="Calibri" panose="020F0502020204030204" pitchFamily="34" charset="0"/>
+                        <a:cs typeface="Times New Roman" panose="02020603050405020304" pitchFamily="18" charset="0"/>
+                      </a:endParaRPr>
+                    </a:p>
+                  </a:txBody>
+                  <a:tcPr marL="53978" marR="53978" marT="0" marB="0"/>
+                </a:tc>
+                <a:extLst>
+                  <a:ext uri="{0D108BD9-81ED-4DB2-BD59-A6C34878D82A}">
+                    <a16:rowId xmlns:a16="http://schemas.microsoft.com/office/drawing/2014/main" val="1911911576"/>
+                  </a:ext>
+                </a:extLst>
+              </a:tr>
+              <a:tr h="300326">
+                <a:tc>
+                  <a:txBody>
+                    <a:bodyPr/>
+                    <a:lstStyle/>
+                    <a:p>
+                      <a:pPr>
+                        <a:lnSpc>
+                          <a:spcPct val="107000"/>
+                        </a:lnSpc>
+                        <a:spcAft>
+                          <a:spcPts val="0"/>
+                        </a:spcAft>
+                      </a:pPr>
+                      <a:r>
+                        <a:rPr lang="es-MX" sz="900">
+                          <a:effectLst/>
+                        </a:rPr>
+                        <a:t>Martes 22 de mayo</a:t>
+                      </a:r>
+                      <a:endParaRPr lang="es-MX" sz="900">
+                        <a:effectLst/>
+                        <a:latin typeface="Calibri" panose="020F0502020204030204" pitchFamily="34" charset="0"/>
+                        <a:ea typeface="Calibri" panose="020F0502020204030204" pitchFamily="34" charset="0"/>
+                        <a:cs typeface="Times New Roman" panose="02020603050405020304" pitchFamily="18" charset="0"/>
+                      </a:endParaRPr>
+                    </a:p>
+                  </a:txBody>
+                  <a:tcPr marL="53978" marR="53978" marT="0" marB="0"/>
+                </a:tc>
+                <a:tc>
+                  <a:txBody>
+                    <a:bodyPr/>
+                    <a:lstStyle/>
+                    <a:p>
+                      <a:pPr>
+                        <a:lnSpc>
+                          <a:spcPct val="107000"/>
+                        </a:lnSpc>
+                        <a:spcAft>
+                          <a:spcPts val="0"/>
+                        </a:spcAft>
+                      </a:pPr>
+                      <a:r>
+                        <a:rPr lang="es-MX" sz="900">
+                          <a:effectLst/>
+                        </a:rPr>
+                        <a:t>Actualización final de documentos</a:t>
+                      </a:r>
+                      <a:endParaRPr lang="es-MX" sz="900">
+                        <a:effectLst/>
+                        <a:latin typeface="Calibri" panose="020F0502020204030204" pitchFamily="34" charset="0"/>
+                        <a:ea typeface="Calibri" panose="020F0502020204030204" pitchFamily="34" charset="0"/>
+                        <a:cs typeface="Times New Roman" panose="02020603050405020304" pitchFamily="18" charset="0"/>
+                      </a:endParaRPr>
+                    </a:p>
+                  </a:txBody>
+                  <a:tcPr marL="53978" marR="53978" marT="0" marB="0"/>
+                </a:tc>
+                <a:tc>
+                  <a:txBody>
+                    <a:bodyPr/>
+                    <a:lstStyle/>
+                    <a:p>
+                      <a:pPr>
+                        <a:lnSpc>
+                          <a:spcPct val="107000"/>
+                        </a:lnSpc>
+                        <a:spcAft>
+                          <a:spcPts val="0"/>
+                        </a:spcAft>
+                      </a:pPr>
+                      <a:r>
+                        <a:rPr lang="es-MX" sz="900">
+                          <a:effectLst/>
+                        </a:rPr>
+                        <a:t>Casa de karina</a:t>
+                      </a:r>
+                      <a:endParaRPr lang="es-MX" sz="900">
+                        <a:effectLst/>
+                        <a:latin typeface="Calibri" panose="020F0502020204030204" pitchFamily="34" charset="0"/>
+                        <a:ea typeface="Calibri" panose="020F0502020204030204" pitchFamily="34" charset="0"/>
+                        <a:cs typeface="Times New Roman" panose="02020603050405020304" pitchFamily="18" charset="0"/>
+                      </a:endParaRPr>
+                    </a:p>
+                  </a:txBody>
+                  <a:tcPr marL="53978" marR="53978" marT="0" marB="0"/>
+                </a:tc>
+                <a:tc>
+                  <a:txBody>
+                    <a:bodyPr/>
+                    <a:lstStyle/>
+                    <a:p>
+                      <a:pPr>
+                        <a:lnSpc>
+                          <a:spcPct val="107000"/>
+                        </a:lnSpc>
+                        <a:spcAft>
+                          <a:spcPts val="0"/>
+                        </a:spcAft>
+                      </a:pPr>
+                      <a:r>
+                        <a:rPr lang="es-MX" sz="900">
+                          <a:effectLst/>
+                        </a:rPr>
+                        <a:t>Karina</a:t>
+                      </a:r>
+                      <a:endParaRPr lang="es-MX" sz="900">
+                        <a:effectLst/>
+                        <a:latin typeface="Calibri" panose="020F0502020204030204" pitchFamily="34" charset="0"/>
+                        <a:ea typeface="Calibri" panose="020F0502020204030204" pitchFamily="34" charset="0"/>
+                        <a:cs typeface="Times New Roman" panose="02020603050405020304" pitchFamily="18" charset="0"/>
+                      </a:endParaRPr>
+                    </a:p>
+                  </a:txBody>
+                  <a:tcPr marL="53978" marR="53978" marT="0" marB="0"/>
+                </a:tc>
+                <a:extLst>
+                  <a:ext uri="{0D108BD9-81ED-4DB2-BD59-A6C34878D82A}">
+                    <a16:rowId xmlns:a16="http://schemas.microsoft.com/office/drawing/2014/main" val="1290999135"/>
+                  </a:ext>
+                </a:extLst>
+              </a:tr>
+              <a:tr h="300326">
+                <a:tc>
+                  <a:txBody>
+                    <a:bodyPr/>
+                    <a:lstStyle/>
+                    <a:p>
+                      <a:pPr>
+                        <a:lnSpc>
+                          <a:spcPct val="107000"/>
+                        </a:lnSpc>
+                        <a:spcAft>
+                          <a:spcPts val="0"/>
+                        </a:spcAft>
+                      </a:pPr>
+                      <a:r>
+                        <a:rPr lang="es-MX" sz="900">
+                          <a:effectLst/>
+                        </a:rPr>
+                        <a:t>Miércoles 23 de mayo</a:t>
+                      </a:r>
+                      <a:endParaRPr lang="es-MX" sz="900">
+                        <a:effectLst/>
+                        <a:latin typeface="Calibri" panose="020F0502020204030204" pitchFamily="34" charset="0"/>
+                        <a:ea typeface="Calibri" panose="020F0502020204030204" pitchFamily="34" charset="0"/>
+                        <a:cs typeface="Times New Roman" panose="02020603050405020304" pitchFamily="18" charset="0"/>
+                      </a:endParaRPr>
+                    </a:p>
+                  </a:txBody>
+                  <a:tcPr marL="53978" marR="53978" marT="0" marB="0"/>
+                </a:tc>
+                <a:tc>
+                  <a:txBody>
+                    <a:bodyPr/>
+                    <a:lstStyle/>
+                    <a:p>
+                      <a:pPr>
+                        <a:lnSpc>
+                          <a:spcPct val="107000"/>
+                        </a:lnSpc>
+                        <a:spcAft>
+                          <a:spcPts val="0"/>
+                        </a:spcAft>
+                      </a:pPr>
+                      <a:r>
+                        <a:rPr lang="es-MX" sz="900">
+                          <a:effectLst/>
+                        </a:rPr>
+                        <a:t>Grabado y entrega del video</a:t>
+                      </a:r>
+                      <a:endParaRPr lang="es-MX" sz="900">
+                        <a:effectLst/>
+                        <a:latin typeface="Calibri" panose="020F0502020204030204" pitchFamily="34" charset="0"/>
+                        <a:ea typeface="Calibri" panose="020F0502020204030204" pitchFamily="34" charset="0"/>
+                        <a:cs typeface="Times New Roman" panose="02020603050405020304" pitchFamily="18" charset="0"/>
+                      </a:endParaRPr>
+                    </a:p>
+                  </a:txBody>
+                  <a:tcPr marL="53978" marR="53978" marT="0" marB="0"/>
+                </a:tc>
+                <a:tc>
+                  <a:txBody>
+                    <a:bodyPr/>
+                    <a:lstStyle/>
+                    <a:p>
+                      <a:pPr>
+                        <a:lnSpc>
+                          <a:spcPct val="107000"/>
+                        </a:lnSpc>
+                        <a:spcAft>
+                          <a:spcPts val="0"/>
+                        </a:spcAft>
+                      </a:pPr>
+                      <a:r>
+                        <a:rPr lang="es-MX" sz="900">
+                          <a:effectLst/>
+                        </a:rPr>
+                        <a:t>En línea</a:t>
+                      </a:r>
+                      <a:endParaRPr lang="es-MX" sz="900">
+                        <a:effectLst/>
+                        <a:latin typeface="Calibri" panose="020F0502020204030204" pitchFamily="34" charset="0"/>
+                        <a:ea typeface="Calibri" panose="020F0502020204030204" pitchFamily="34" charset="0"/>
+                        <a:cs typeface="Times New Roman" panose="02020603050405020304" pitchFamily="18" charset="0"/>
+                      </a:endParaRPr>
+                    </a:p>
+                  </a:txBody>
+                  <a:tcPr marL="53978" marR="53978" marT="0" marB="0"/>
+                </a:tc>
+                <a:tc>
+                  <a:txBody>
+                    <a:bodyPr/>
+                    <a:lstStyle/>
+                    <a:p>
+                      <a:pPr>
+                        <a:lnSpc>
+                          <a:spcPct val="107000"/>
+                        </a:lnSpc>
+                        <a:spcAft>
+                          <a:spcPts val="0"/>
+                        </a:spcAft>
+                      </a:pPr>
+                      <a:r>
+                        <a:rPr lang="es-MX" sz="900">
+                          <a:effectLst/>
+                        </a:rPr>
+                        <a:t>Todos los integrantes</a:t>
+                      </a:r>
+                      <a:endParaRPr lang="es-MX" sz="900">
+                        <a:effectLst/>
+                        <a:latin typeface="Calibri" panose="020F0502020204030204" pitchFamily="34" charset="0"/>
+                        <a:ea typeface="Calibri" panose="020F0502020204030204" pitchFamily="34" charset="0"/>
+                        <a:cs typeface="Times New Roman" panose="02020603050405020304" pitchFamily="18" charset="0"/>
+                      </a:endParaRPr>
+                    </a:p>
+                  </a:txBody>
+                  <a:tcPr marL="53978" marR="53978" marT="0" marB="0"/>
+                </a:tc>
+                <a:extLst>
+                  <a:ext uri="{0D108BD9-81ED-4DB2-BD59-A6C34878D82A}">
+                    <a16:rowId xmlns:a16="http://schemas.microsoft.com/office/drawing/2014/main" val="1820907905"/>
+                  </a:ext>
+                </a:extLst>
+              </a:tr>
+              <a:tr h="300326">
+                <a:tc>
+                  <a:txBody>
+                    <a:bodyPr/>
+                    <a:lstStyle/>
+                    <a:p>
+                      <a:pPr>
+                        <a:lnSpc>
+                          <a:spcPct val="107000"/>
+                        </a:lnSpc>
+                        <a:spcAft>
+                          <a:spcPts val="0"/>
+                        </a:spcAft>
+                      </a:pPr>
+                      <a:r>
+                        <a:rPr lang="es-MX" sz="900">
+                          <a:effectLst/>
+                        </a:rPr>
+                        <a:t>Jueves 24 de mayo</a:t>
+                      </a:r>
+                      <a:endParaRPr lang="es-MX" sz="900">
+                        <a:effectLst/>
+                        <a:latin typeface="Calibri" panose="020F0502020204030204" pitchFamily="34" charset="0"/>
+                        <a:ea typeface="Calibri" panose="020F0502020204030204" pitchFamily="34" charset="0"/>
+                        <a:cs typeface="Times New Roman" panose="02020603050405020304" pitchFamily="18" charset="0"/>
+                      </a:endParaRPr>
+                    </a:p>
+                  </a:txBody>
+                  <a:tcPr marL="53978" marR="53978" marT="0" marB="0"/>
+                </a:tc>
+                <a:tc>
+                  <a:txBody>
+                    <a:bodyPr/>
+                    <a:lstStyle/>
+                    <a:p>
+                      <a:pPr>
+                        <a:lnSpc>
+                          <a:spcPct val="107000"/>
+                        </a:lnSpc>
+                        <a:spcAft>
+                          <a:spcPts val="0"/>
+                        </a:spcAft>
+                      </a:pPr>
+                      <a:r>
+                        <a:rPr lang="es-MX" sz="900">
+                          <a:effectLst/>
+                        </a:rPr>
+                        <a:t>Entrega final del proyecto</a:t>
+                      </a:r>
+                      <a:endParaRPr lang="es-MX" sz="900">
+                        <a:effectLst/>
+                        <a:latin typeface="Calibri" panose="020F0502020204030204" pitchFamily="34" charset="0"/>
+                        <a:ea typeface="Calibri" panose="020F0502020204030204" pitchFamily="34" charset="0"/>
+                        <a:cs typeface="Times New Roman" panose="02020603050405020304" pitchFamily="18" charset="0"/>
+                      </a:endParaRPr>
+                    </a:p>
+                  </a:txBody>
+                  <a:tcPr marL="53978" marR="53978" marT="0" marB="0"/>
+                </a:tc>
+                <a:tc>
+                  <a:txBody>
+                    <a:bodyPr/>
+                    <a:lstStyle/>
+                    <a:p>
+                      <a:pPr>
+                        <a:lnSpc>
+                          <a:spcPct val="107000"/>
+                        </a:lnSpc>
+                        <a:spcAft>
+                          <a:spcPts val="0"/>
+                        </a:spcAft>
+                      </a:pPr>
+                      <a:r>
+                        <a:rPr lang="es-MX" sz="900">
+                          <a:effectLst/>
+                        </a:rPr>
+                        <a:t>En línea</a:t>
+                      </a:r>
+                      <a:endParaRPr lang="es-MX" sz="900">
+                        <a:effectLst/>
+                        <a:latin typeface="Calibri" panose="020F0502020204030204" pitchFamily="34" charset="0"/>
+                        <a:ea typeface="Calibri" panose="020F0502020204030204" pitchFamily="34" charset="0"/>
+                        <a:cs typeface="Times New Roman" panose="02020603050405020304" pitchFamily="18" charset="0"/>
+                      </a:endParaRPr>
+                    </a:p>
+                  </a:txBody>
+                  <a:tcPr marL="53978" marR="53978" marT="0" marB="0"/>
+                </a:tc>
+                <a:tc>
+                  <a:txBody>
+                    <a:bodyPr/>
+                    <a:lstStyle/>
+                    <a:p>
+                      <a:pPr>
+                        <a:lnSpc>
+                          <a:spcPct val="107000"/>
+                        </a:lnSpc>
+                        <a:spcAft>
+                          <a:spcPts val="0"/>
+                        </a:spcAft>
+                      </a:pPr>
+                      <a:r>
+                        <a:rPr lang="es-MX" sz="900" dirty="0">
+                          <a:effectLst/>
+                        </a:rPr>
+                        <a:t>Todos los integrantes</a:t>
+                      </a:r>
+                      <a:endParaRPr lang="es-MX" sz="900" dirty="0">
+                        <a:effectLst/>
+                        <a:latin typeface="Calibri" panose="020F0502020204030204" pitchFamily="34" charset="0"/>
+                        <a:ea typeface="Calibri" panose="020F0502020204030204" pitchFamily="34" charset="0"/>
+                        <a:cs typeface="Times New Roman" panose="02020603050405020304" pitchFamily="18" charset="0"/>
+                      </a:endParaRPr>
+                    </a:p>
+                  </a:txBody>
+                  <a:tcPr marL="53978" marR="53978" marT="0" marB="0"/>
+                </a:tc>
+                <a:extLst>
+                  <a:ext uri="{0D108BD9-81ED-4DB2-BD59-A6C34878D82A}">
+                    <a16:rowId xmlns:a16="http://schemas.microsoft.com/office/drawing/2014/main" val="2005731494"/>
+                  </a:ext>
+                </a:extLst>
+              </a:tr>
+            </a:tbl>
+          </a:graphicData>
+        </a:graphic>
+      </p:graphicFrame>
     </p:spTree>
     <p:extLst>
       <p:ext uri="{BB962C8B-B14F-4D97-AF65-F5344CB8AC3E}">
@@ -8667,8 +8516,8 @@
           </p:nvPr>
         </p:nvSpPr>
         <p:spPr>
-          <a:xfrm rot="161729">
-            <a:off x="5837941" y="991286"/>
+          <a:xfrm>
+            <a:off x="5783925" y="-63595"/>
             <a:ext cx="2127579" cy="2372249"/>
           </a:xfrm>
         </p:spPr>
@@ -8676,30 +8525,72 @@
           <a:bodyPr/>
           <a:lstStyle/>
           <a:p>
+            <a:pPr algn="ctr"/>
             <a:r>
               <a:rPr lang="es-MX" dirty="0"/>
               <a:t>Calendario de actividades</a:t>
+            </a:r>
+          </a:p>
+        </p:txBody>
+      </p:sp>
+      <p:sp>
+        <p:nvSpPr>
+          <p:cNvPr id="4" name="CuadroTexto 3">
+            <a:extLst>
+              <a:ext uri="{FF2B5EF4-FFF2-40B4-BE49-F238E27FC236}">
+                <a16:creationId xmlns:a16="http://schemas.microsoft.com/office/drawing/2014/main" id="{33DBDC89-9102-43F8-AD0F-A511403DB940}"/>
+              </a:ext>
+            </a:extLst>
+          </p:cNvPr>
+          <p:cNvSpPr txBox="1"/>
+          <p:nvPr/>
+        </p:nvSpPr>
+        <p:spPr>
+          <a:xfrm>
+            <a:off x="6169201" y="2308654"/>
+            <a:ext cx="1606379" cy="523220"/>
+          </a:xfrm>
+          <a:prstGeom prst="rect">
+            <a:avLst/>
+          </a:prstGeom>
+          <a:noFill/>
+        </p:spPr>
+        <p:txBody>
+          <a:bodyPr wrap="square" rtlCol="0">
+            <a:spAutoFit/>
+          </a:bodyPr>
+          <a:lstStyle/>
+          <a:p>
+            <a:r>
+              <a:rPr lang="es-MX" dirty="0"/>
+              <a:t>Después de la 2da revisión.</a:t>
             </a:r>
           </a:p>
         </p:txBody>
       </p:sp>
       <p:graphicFrame>
         <p:nvGraphicFramePr>
-          <p:cNvPr id="3" name="2 Tabla"/>
+          <p:cNvPr id="7" name="Tabla 6">
+            <a:extLst>
+              <a:ext uri="{FF2B5EF4-FFF2-40B4-BE49-F238E27FC236}">
+                <a16:creationId xmlns:a16="http://schemas.microsoft.com/office/drawing/2014/main" id="{562F2195-74D4-40C3-A76C-2BA7CB77F9EA}"/>
+              </a:ext>
+            </a:extLst>
+          </p:cNvPr>
           <p:cNvGraphicFramePr>
             <a:graphicFrameLocks noGrp="1"/>
           </p:cNvGraphicFramePr>
           <p:nvPr>
             <p:extLst>
               <p:ext uri="{D42A27DB-BD31-4B8C-83A1-F6EECF244321}">
-                <p14:modId xmlns:p14="http://schemas.microsoft.com/office/powerpoint/2010/main" val="3068225624"/>
+                <p14:modId xmlns:p14="http://schemas.microsoft.com/office/powerpoint/2010/main" val="1132086137"/>
               </p:ext>
             </p:extLst>
           </p:nvPr>
         </p:nvGraphicFramePr>
         <p:xfrm>
-          <a:off x="933657" y="742948"/>
-          <a:ext cx="4066969" cy="3743326"/>
+          <a:off x="922457" y="1122529"/>
+          <a:ext cx="4891211" cy="2836164"/>
         </p:xfrm>
         <a:graphic>
           <a:graphicData uri="http://schemas.openxmlformats.org/drawingml/2006/table">
@@ -8708,35 +8599,35 @@
                 <a:tableStyleId>{AEDFC945-A3FC-4EC1-A3BF-A0FA79CC217E}</a:tableStyleId>
               </a:tblPr>
               <a:tblGrid>
-                <a:gridCol w="1355349">
+                <a:gridCol w="1630035">
                   <a:extLst>
                     <a:ext uri="{9D8B030D-6E8A-4147-A177-3AD203B41FA5}">
-                      <a16:colId xmlns:a16="http://schemas.microsoft.com/office/drawing/2014/main" val="20000"/>
+                      <a16:colId xmlns:a16="http://schemas.microsoft.com/office/drawing/2014/main" val="3329667199"/>
                     </a:ext>
                   </a:extLst>
                 </a:gridCol>
-                <a:gridCol w="1355810">
+                <a:gridCol w="1630588">
                   <a:extLst>
                     <a:ext uri="{9D8B030D-6E8A-4147-A177-3AD203B41FA5}">
-                      <a16:colId xmlns:a16="http://schemas.microsoft.com/office/drawing/2014/main" val="20001"/>
+                      <a16:colId xmlns:a16="http://schemas.microsoft.com/office/drawing/2014/main" val="4226198969"/>
                     </a:ext>
                   </a:extLst>
                 </a:gridCol>
-                <a:gridCol w="1355810">
+                <a:gridCol w="1630588">
                   <a:extLst>
                     <a:ext uri="{9D8B030D-6E8A-4147-A177-3AD203B41FA5}">
-                      <a16:colId xmlns:a16="http://schemas.microsoft.com/office/drawing/2014/main" val="20002"/>
+                      <a16:colId xmlns:a16="http://schemas.microsoft.com/office/drawing/2014/main" val="3531385974"/>
                     </a:ext>
                   </a:extLst>
                 </a:gridCol>
               </a:tblGrid>
-              <a:tr h="116979">
+              <a:tr h="127510">
                 <a:tc>
                   <a:txBody>
                     <a:bodyPr/>
                     <a:lstStyle/>
                     <a:p>
-                      <a:pPr>
+                      <a:pPr algn="l">
                         <a:lnSpc>
                           <a:spcPct val="107000"/>
                         </a:lnSpc>
@@ -8745,27 +8636,27 @@
                         </a:spcAft>
                       </a:pPr>
                       <a:r>
-                        <a:rPr lang="es-MX" sz="600" b="1" dirty="0">
+                        <a:rPr lang="es-MX" sz="1000" dirty="0">
                           <a:effectLst/>
                         </a:rPr>
                         <a:t>Fecha</a:t>
                       </a:r>
-                      <a:endParaRPr lang="es-MX" sz="600" b="1" dirty="0">
+                      <a:endParaRPr lang="es-MX" sz="1000" dirty="0">
                         <a:effectLst/>
-                        <a:latin typeface="Calibri"/>
-                        <a:ea typeface="Calibri"/>
-                        <a:cs typeface="Times New Roman"/>
+                        <a:latin typeface="Calibri" panose="020F0502020204030204" pitchFamily="34" charset="0"/>
+                        <a:ea typeface="Calibri" panose="020F0502020204030204" pitchFamily="34" charset="0"/>
+                        <a:cs typeface="Times New Roman" panose="02020603050405020304" pitchFamily="18" charset="0"/>
                       </a:endParaRPr>
                     </a:p>
                   </a:txBody>
-                  <a:tcPr marL="36177" marR="36177" marT="0" marB="0"/>
+                  <a:tcPr marL="30469" marR="30469" marT="0" marB="0"/>
                 </a:tc>
                 <a:tc>
                   <a:txBody>
                     <a:bodyPr/>
                     <a:lstStyle/>
                     <a:p>
-                      <a:pPr>
+                      <a:pPr algn="l">
                         <a:lnSpc>
                           <a:spcPct val="107000"/>
                         </a:lnSpc>
@@ -8774,27 +8665,27 @@
                         </a:spcAft>
                       </a:pPr>
                       <a:r>
-                        <a:rPr lang="es-MX" sz="600" b="1">
+                        <a:rPr lang="es-MX" sz="1000">
                           <a:effectLst/>
                         </a:rPr>
-                        <a:t>producto</a:t>
+                        <a:t>Producto</a:t>
                       </a:r>
-                      <a:endParaRPr lang="es-MX" sz="600" b="1">
+                      <a:endParaRPr lang="es-MX" sz="1000">
                         <a:effectLst/>
-                        <a:latin typeface="Calibri"/>
-                        <a:ea typeface="Calibri"/>
-                        <a:cs typeface="Times New Roman"/>
+                        <a:latin typeface="Calibri" panose="020F0502020204030204" pitchFamily="34" charset="0"/>
+                        <a:ea typeface="Calibri" panose="020F0502020204030204" pitchFamily="34" charset="0"/>
+                        <a:cs typeface="Times New Roman" panose="02020603050405020304" pitchFamily="18" charset="0"/>
                       </a:endParaRPr>
                     </a:p>
                   </a:txBody>
-                  <a:tcPr marL="36177" marR="36177" marT="0" marB="0"/>
+                  <a:tcPr marL="30469" marR="30469" marT="0" marB="0"/>
                 </a:tc>
                 <a:tc>
                   <a:txBody>
                     <a:bodyPr/>
                     <a:lstStyle/>
                     <a:p>
-                      <a:pPr>
+                      <a:pPr algn="l">
                         <a:lnSpc>
                           <a:spcPct val="107000"/>
                         </a:lnSpc>
@@ -8803,34 +8694,34 @@
                         </a:spcAft>
                       </a:pPr>
                       <a:r>
-                        <a:rPr lang="es-MX" sz="600" b="1" dirty="0">
+                        <a:rPr lang="es-MX" sz="1000">
                           <a:effectLst/>
                         </a:rPr>
                         <a:t>A cargo de:</a:t>
                       </a:r>
-                      <a:endParaRPr lang="es-MX" sz="600" b="1" dirty="0">
+                      <a:endParaRPr lang="es-MX" sz="1000">
                         <a:effectLst/>
-                        <a:latin typeface="Calibri"/>
-                        <a:ea typeface="Calibri"/>
-                        <a:cs typeface="Times New Roman"/>
+                        <a:latin typeface="Calibri" panose="020F0502020204030204" pitchFamily="34" charset="0"/>
+                        <a:ea typeface="Calibri" panose="020F0502020204030204" pitchFamily="34" charset="0"/>
+                        <a:cs typeface="Times New Roman" panose="02020603050405020304" pitchFamily="18" charset="0"/>
                       </a:endParaRPr>
                     </a:p>
                   </a:txBody>
-                  <a:tcPr marL="36177" marR="36177" marT="0" marB="0"/>
+                  <a:tcPr marL="30469" marR="30469" marT="0" marB="0"/>
                 </a:tc>
                 <a:extLst>
                   <a:ext uri="{0D108BD9-81ED-4DB2-BD59-A6C34878D82A}">
-                    <a16:rowId xmlns:a16="http://schemas.microsoft.com/office/drawing/2014/main" val="10000"/>
+                    <a16:rowId xmlns:a16="http://schemas.microsoft.com/office/drawing/2014/main" val="1119798777"/>
                   </a:ext>
                 </a:extLst>
               </a:tr>
-              <a:tr h="233958">
+              <a:tr h="261819">
                 <a:tc>
                   <a:txBody>
                     <a:bodyPr/>
                     <a:lstStyle/>
                     <a:p>
-                      <a:pPr>
+                      <a:pPr algn="l">
                         <a:lnSpc>
                           <a:spcPct val="107000"/>
                         </a:lnSpc>
@@ -8839,27 +8730,27 @@
                         </a:spcAft>
                       </a:pPr>
                       <a:r>
-                        <a:rPr lang="es-MX" sz="600" b="1">
+                        <a:rPr lang="es-MX" sz="1000" dirty="0">
                           <a:effectLst/>
                         </a:rPr>
-                        <a:t>12 de Febrero</a:t>
+                        <a:t>13 de Abril </a:t>
                       </a:r>
-                      <a:endParaRPr lang="es-MX" sz="600" b="1">
+                      <a:endParaRPr lang="es-MX" sz="1000" dirty="0">
                         <a:effectLst/>
-                        <a:latin typeface="Calibri"/>
-                        <a:ea typeface="Calibri"/>
-                        <a:cs typeface="Times New Roman"/>
+                        <a:latin typeface="Calibri" panose="020F0502020204030204" pitchFamily="34" charset="0"/>
+                        <a:ea typeface="Calibri" panose="020F0502020204030204" pitchFamily="34" charset="0"/>
+                        <a:cs typeface="Times New Roman" panose="02020603050405020304" pitchFamily="18" charset="0"/>
                       </a:endParaRPr>
                     </a:p>
                   </a:txBody>
-                  <a:tcPr marL="36177" marR="36177" marT="0" marB="0"/>
+                  <a:tcPr marL="30469" marR="30469" marT="0" marB="0"/>
                 </a:tc>
                 <a:tc>
                   <a:txBody>
                     <a:bodyPr/>
                     <a:lstStyle/>
                     <a:p>
-                      <a:pPr>
+                      <a:pPr algn="l">
                         <a:lnSpc>
                           <a:spcPct val="107000"/>
                         </a:lnSpc>
@@ -8868,27 +8759,27 @@
                         </a:spcAft>
                       </a:pPr>
                       <a:r>
-                        <a:rPr lang="es-MX" sz="600" b="1">
+                        <a:rPr lang="es-MX" sz="1000" dirty="0">
                           <a:effectLst/>
                         </a:rPr>
-                        <a:t>Buscar información del problema </a:t>
+                        <a:t>Revisión de estado de avances</a:t>
                       </a:r>
-                      <a:endParaRPr lang="es-MX" sz="600" b="1">
+                      <a:endParaRPr lang="es-MX" sz="1000" dirty="0">
                         <a:effectLst/>
-                        <a:latin typeface="Calibri"/>
-                        <a:ea typeface="Calibri"/>
-                        <a:cs typeface="Times New Roman"/>
+                        <a:latin typeface="Calibri" panose="020F0502020204030204" pitchFamily="34" charset="0"/>
+                        <a:ea typeface="Calibri" panose="020F0502020204030204" pitchFamily="34" charset="0"/>
+                        <a:cs typeface="Times New Roman" panose="02020603050405020304" pitchFamily="18" charset="0"/>
                       </a:endParaRPr>
                     </a:p>
                   </a:txBody>
-                  <a:tcPr marL="36177" marR="36177" marT="0" marB="0"/>
+                  <a:tcPr marL="30469" marR="30469" marT="0" marB="0"/>
                 </a:tc>
                 <a:tc>
                   <a:txBody>
                     <a:bodyPr/>
                     <a:lstStyle/>
                     <a:p>
-                      <a:pPr>
+                      <a:pPr algn="l">
                         <a:lnSpc>
                           <a:spcPct val="107000"/>
                         </a:lnSpc>
@@ -8897,786 +8788,34 @@
                         </a:spcAft>
                       </a:pPr>
                       <a:r>
-                        <a:rPr lang="es-MX" sz="600" b="1" dirty="0">
+                        <a:rPr lang="es-MX" sz="1000" dirty="0">
                           <a:effectLst/>
                         </a:rPr>
                         <a:t>Karina</a:t>
                       </a:r>
-                      <a:endParaRPr lang="es-MX" sz="600" b="1" dirty="0">
+                      <a:endParaRPr lang="es-MX" sz="1000" dirty="0">
                         <a:effectLst/>
-                        <a:latin typeface="Calibri"/>
-                        <a:ea typeface="Calibri"/>
-                        <a:cs typeface="Times New Roman"/>
+                        <a:latin typeface="Calibri" panose="020F0502020204030204" pitchFamily="34" charset="0"/>
+                        <a:ea typeface="Calibri" panose="020F0502020204030204" pitchFamily="34" charset="0"/>
+                        <a:cs typeface="Times New Roman" panose="02020603050405020304" pitchFamily="18" charset="0"/>
                       </a:endParaRPr>
                     </a:p>
                   </a:txBody>
-                  <a:tcPr marL="36177" marR="36177" marT="0" marB="0"/>
+                  <a:tcPr marL="30469" marR="30469" marT="0" marB="0"/>
                 </a:tc>
                 <a:extLst>
                   <a:ext uri="{0D108BD9-81ED-4DB2-BD59-A6C34878D82A}">
-                    <a16:rowId xmlns:a16="http://schemas.microsoft.com/office/drawing/2014/main" val="10001"/>
+                    <a16:rowId xmlns:a16="http://schemas.microsoft.com/office/drawing/2014/main" val="826520493"/>
                   </a:ext>
                 </a:extLst>
               </a:tr>
-              <a:tr h="467915">
+              <a:tr h="261819">
                 <a:tc>
                   <a:txBody>
                     <a:bodyPr/>
                     <a:lstStyle/>
                     <a:p>
-                      <a:pPr>
-                        <a:lnSpc>
-                          <a:spcPct val="107000"/>
-                        </a:lnSpc>
-                        <a:spcAft>
-                          <a:spcPts val="0"/>
-                        </a:spcAft>
-                      </a:pPr>
-                      <a:r>
-                        <a:rPr lang="es-MX" sz="600" b="1">
-                          <a:effectLst/>
-                        </a:rPr>
-                        <a:t>14 de Febrero</a:t>
-                      </a:r>
-                      <a:endParaRPr lang="es-MX" sz="600" b="1">
-                        <a:effectLst/>
-                        <a:latin typeface="Calibri"/>
-                        <a:ea typeface="Calibri"/>
-                        <a:cs typeface="Times New Roman"/>
-                      </a:endParaRPr>
-                    </a:p>
-                  </a:txBody>
-                  <a:tcPr marL="36177" marR="36177" marT="0" marB="0"/>
-                </a:tc>
-                <a:tc>
-                  <a:txBody>
-                    <a:bodyPr/>
-                    <a:lstStyle/>
-                    <a:p>
-                      <a:pPr>
-                        <a:lnSpc>
-                          <a:spcPct val="107000"/>
-                        </a:lnSpc>
-                        <a:spcAft>
-                          <a:spcPts val="0"/>
-                        </a:spcAft>
-                      </a:pPr>
-                      <a:r>
-                        <a:rPr lang="es-MX" sz="600" b="1">
-                          <a:effectLst/>
-                        </a:rPr>
-                        <a:t>Documento de los requerimientos funcionales y no funcionales</a:t>
-                      </a:r>
-                      <a:endParaRPr lang="es-MX" sz="600" b="1">
-                        <a:effectLst/>
-                        <a:latin typeface="Calibri"/>
-                        <a:ea typeface="Calibri"/>
-                        <a:cs typeface="Times New Roman"/>
-                      </a:endParaRPr>
-                    </a:p>
-                  </a:txBody>
-                  <a:tcPr marL="36177" marR="36177" marT="0" marB="0"/>
-                </a:tc>
-                <a:tc>
-                  <a:txBody>
-                    <a:bodyPr/>
-                    <a:lstStyle/>
-                    <a:p>
-                      <a:pPr>
-                        <a:lnSpc>
-                          <a:spcPct val="107000"/>
-                        </a:lnSpc>
-                        <a:spcAft>
-                          <a:spcPts val="0"/>
-                        </a:spcAft>
-                      </a:pPr>
-                      <a:r>
-                        <a:rPr lang="es-MX" sz="600" b="1" dirty="0">
-                          <a:effectLst/>
-                        </a:rPr>
-                        <a:t>Karina</a:t>
-                      </a:r>
-                      <a:endParaRPr lang="es-MX" sz="600" b="1" dirty="0">
-                        <a:effectLst/>
-                        <a:latin typeface="Calibri"/>
-                        <a:ea typeface="Calibri"/>
-                        <a:cs typeface="Times New Roman"/>
-                      </a:endParaRPr>
-                    </a:p>
-                  </a:txBody>
-                  <a:tcPr marL="36177" marR="36177" marT="0" marB="0"/>
-                </a:tc>
-                <a:extLst>
-                  <a:ext uri="{0D108BD9-81ED-4DB2-BD59-A6C34878D82A}">
-                    <a16:rowId xmlns:a16="http://schemas.microsoft.com/office/drawing/2014/main" val="10002"/>
-                  </a:ext>
-                </a:extLst>
-              </a:tr>
-              <a:tr h="467915">
-                <a:tc>
-                  <a:txBody>
-                    <a:bodyPr/>
-                    <a:lstStyle/>
-                    <a:p>
-                      <a:pPr>
-                        <a:lnSpc>
-                          <a:spcPct val="107000"/>
-                        </a:lnSpc>
-                        <a:spcAft>
-                          <a:spcPts val="0"/>
-                        </a:spcAft>
-                      </a:pPr>
-                      <a:r>
-                        <a:rPr lang="es-MX" sz="600" b="1">
-                          <a:effectLst/>
-                        </a:rPr>
-                        <a:t>19 de Febrero</a:t>
-                      </a:r>
-                      <a:endParaRPr lang="es-MX" sz="600" b="1">
-                        <a:effectLst/>
-                        <a:latin typeface="Calibri"/>
-                        <a:ea typeface="Calibri"/>
-                        <a:cs typeface="Times New Roman"/>
-                      </a:endParaRPr>
-                    </a:p>
-                  </a:txBody>
-                  <a:tcPr marL="36177" marR="36177" marT="0" marB="0"/>
-                </a:tc>
-                <a:tc>
-                  <a:txBody>
-                    <a:bodyPr/>
-                    <a:lstStyle/>
-                    <a:p>
-                      <a:pPr>
-                        <a:lnSpc>
-                          <a:spcPct val="107000"/>
-                        </a:lnSpc>
-                        <a:spcAft>
-                          <a:spcPts val="0"/>
-                        </a:spcAft>
-                      </a:pPr>
-                      <a:r>
-                        <a:rPr lang="es-MX" sz="600" b="1">
-                          <a:effectLst/>
-                        </a:rPr>
-                        <a:t>Documento de Escenarios de Uso y Diagrama de Casos de uso</a:t>
-                      </a:r>
-                      <a:endParaRPr lang="es-MX" sz="600" b="1">
-                        <a:effectLst/>
-                        <a:latin typeface="Calibri"/>
-                        <a:ea typeface="Calibri"/>
-                        <a:cs typeface="Times New Roman"/>
-                      </a:endParaRPr>
-                    </a:p>
-                  </a:txBody>
-                  <a:tcPr marL="36177" marR="36177" marT="0" marB="0"/>
-                </a:tc>
-                <a:tc>
-                  <a:txBody>
-                    <a:bodyPr/>
-                    <a:lstStyle/>
-                    <a:p>
-                      <a:pPr>
-                        <a:lnSpc>
-                          <a:spcPct val="107000"/>
-                        </a:lnSpc>
-                        <a:spcAft>
-                          <a:spcPts val="0"/>
-                        </a:spcAft>
-                      </a:pPr>
-                      <a:r>
-                        <a:rPr lang="es-MX" sz="600" b="1" dirty="0">
-                          <a:effectLst/>
-                        </a:rPr>
-                        <a:t>Jessica</a:t>
-                      </a:r>
-                      <a:endParaRPr lang="es-MX" sz="600" b="1" dirty="0">
-                        <a:effectLst/>
-                        <a:latin typeface="Calibri"/>
-                        <a:ea typeface="Calibri"/>
-                        <a:cs typeface="Times New Roman"/>
-                      </a:endParaRPr>
-                    </a:p>
-                  </a:txBody>
-                  <a:tcPr marL="36177" marR="36177" marT="0" marB="0"/>
-                </a:tc>
-                <a:extLst>
-                  <a:ext uri="{0D108BD9-81ED-4DB2-BD59-A6C34878D82A}">
-                    <a16:rowId xmlns:a16="http://schemas.microsoft.com/office/drawing/2014/main" val="10003"/>
-                  </a:ext>
-                </a:extLst>
-              </a:tr>
-              <a:tr h="350937">
-                <a:tc>
-                  <a:txBody>
-                    <a:bodyPr/>
-                    <a:lstStyle/>
-                    <a:p>
-                      <a:pPr>
-                        <a:lnSpc>
-                          <a:spcPct val="107000"/>
-                        </a:lnSpc>
-                        <a:spcAft>
-                          <a:spcPts val="0"/>
-                        </a:spcAft>
-                      </a:pPr>
-                      <a:r>
-                        <a:rPr lang="es-MX" sz="600" b="1">
-                          <a:effectLst/>
-                        </a:rPr>
-                        <a:t>21 de Febrero</a:t>
-                      </a:r>
-                      <a:endParaRPr lang="es-MX" sz="600" b="1">
-                        <a:effectLst/>
-                        <a:latin typeface="Calibri"/>
-                        <a:ea typeface="Calibri"/>
-                        <a:cs typeface="Times New Roman"/>
-                      </a:endParaRPr>
-                    </a:p>
-                  </a:txBody>
-                  <a:tcPr marL="36177" marR="36177" marT="0" marB="0"/>
-                </a:tc>
-                <a:tc>
-                  <a:txBody>
-                    <a:bodyPr/>
-                    <a:lstStyle/>
-                    <a:p>
-                      <a:pPr>
-                        <a:lnSpc>
-                          <a:spcPct val="107000"/>
-                        </a:lnSpc>
-                        <a:spcAft>
-                          <a:spcPts val="0"/>
-                        </a:spcAft>
-                      </a:pPr>
-                      <a:r>
-                        <a:rPr lang="es-MX" sz="600" b="1">
-                          <a:effectLst/>
-                        </a:rPr>
-                        <a:t>Documento de Calendario y bitácora de actividades</a:t>
-                      </a:r>
-                      <a:endParaRPr lang="es-MX" sz="600" b="1">
-                        <a:effectLst/>
-                        <a:latin typeface="Calibri"/>
-                        <a:ea typeface="Calibri"/>
-                        <a:cs typeface="Times New Roman"/>
-                      </a:endParaRPr>
-                    </a:p>
-                  </a:txBody>
-                  <a:tcPr marL="36177" marR="36177" marT="0" marB="0"/>
-                </a:tc>
-                <a:tc>
-                  <a:txBody>
-                    <a:bodyPr/>
-                    <a:lstStyle/>
-                    <a:p>
-                      <a:pPr>
-                        <a:lnSpc>
-                          <a:spcPct val="107000"/>
-                        </a:lnSpc>
-                        <a:spcAft>
-                          <a:spcPts val="0"/>
-                        </a:spcAft>
-                      </a:pPr>
-                      <a:r>
-                        <a:rPr lang="es-MX" sz="600" b="1" dirty="0" err="1">
-                          <a:effectLst/>
-                        </a:rPr>
-                        <a:t>Jesus</a:t>
-                      </a:r>
-                      <a:endParaRPr lang="es-MX" sz="600" b="1" dirty="0">
-                        <a:effectLst/>
-                        <a:latin typeface="Calibri"/>
-                        <a:ea typeface="Calibri"/>
-                        <a:cs typeface="Times New Roman"/>
-                      </a:endParaRPr>
-                    </a:p>
-                  </a:txBody>
-                  <a:tcPr marL="36177" marR="36177" marT="0" marB="0"/>
-                </a:tc>
-                <a:extLst>
-                  <a:ext uri="{0D108BD9-81ED-4DB2-BD59-A6C34878D82A}">
-                    <a16:rowId xmlns:a16="http://schemas.microsoft.com/office/drawing/2014/main" val="10004"/>
-                  </a:ext>
-                </a:extLst>
-              </a:tr>
-              <a:tr h="233958">
-                <a:tc>
-                  <a:txBody>
-                    <a:bodyPr/>
-                    <a:lstStyle/>
-                    <a:p>
-                      <a:pPr>
-                        <a:lnSpc>
-                          <a:spcPct val="107000"/>
-                        </a:lnSpc>
-                        <a:spcAft>
-                          <a:spcPts val="0"/>
-                        </a:spcAft>
-                      </a:pPr>
-                      <a:r>
-                        <a:rPr lang="es-MX" sz="600" b="1">
-                          <a:effectLst/>
-                        </a:rPr>
-                        <a:t>22 de Febrero </a:t>
-                      </a:r>
-                      <a:endParaRPr lang="es-MX" sz="600" b="1">
-                        <a:effectLst/>
-                        <a:latin typeface="Calibri"/>
-                        <a:ea typeface="Calibri"/>
-                        <a:cs typeface="Times New Roman"/>
-                      </a:endParaRPr>
-                    </a:p>
-                  </a:txBody>
-                  <a:tcPr marL="36177" marR="36177" marT="0" marB="0"/>
-                </a:tc>
-                <a:tc>
-                  <a:txBody>
-                    <a:bodyPr/>
-                    <a:lstStyle/>
-                    <a:p>
-                      <a:pPr>
-                        <a:lnSpc>
-                          <a:spcPct val="107000"/>
-                        </a:lnSpc>
-                        <a:spcAft>
-                          <a:spcPts val="0"/>
-                        </a:spcAft>
-                      </a:pPr>
-                      <a:r>
-                        <a:rPr lang="es-MX" sz="600" b="1">
-                          <a:effectLst/>
-                        </a:rPr>
-                        <a:t>Realización de presentación</a:t>
-                      </a:r>
-                      <a:endParaRPr lang="es-MX" sz="600" b="1">
-                        <a:effectLst/>
-                        <a:latin typeface="Calibri"/>
-                        <a:ea typeface="Calibri"/>
-                        <a:cs typeface="Times New Roman"/>
-                      </a:endParaRPr>
-                    </a:p>
-                  </a:txBody>
-                  <a:tcPr marL="36177" marR="36177" marT="0" marB="0"/>
-                </a:tc>
-                <a:tc>
-                  <a:txBody>
-                    <a:bodyPr/>
-                    <a:lstStyle/>
-                    <a:p>
-                      <a:pPr>
-                        <a:lnSpc>
-                          <a:spcPct val="107000"/>
-                        </a:lnSpc>
-                        <a:spcAft>
-                          <a:spcPts val="0"/>
-                        </a:spcAft>
-                      </a:pPr>
-                      <a:r>
-                        <a:rPr lang="es-MX" sz="600" b="1" dirty="0">
-                          <a:effectLst/>
-                        </a:rPr>
-                        <a:t>Jessica</a:t>
-                      </a:r>
-                      <a:endParaRPr lang="es-MX" sz="600" b="1" dirty="0">
-                        <a:effectLst/>
-                        <a:latin typeface="Calibri"/>
-                        <a:ea typeface="Calibri"/>
-                        <a:cs typeface="Times New Roman"/>
-                      </a:endParaRPr>
-                    </a:p>
-                  </a:txBody>
-                  <a:tcPr marL="36177" marR="36177" marT="0" marB="0"/>
-                </a:tc>
-                <a:extLst>
-                  <a:ext uri="{0D108BD9-81ED-4DB2-BD59-A6C34878D82A}">
-                    <a16:rowId xmlns:a16="http://schemas.microsoft.com/office/drawing/2014/main" val="10005"/>
-                  </a:ext>
-                </a:extLst>
-              </a:tr>
-              <a:tr h="233958">
-                <a:tc>
-                  <a:txBody>
-                    <a:bodyPr/>
-                    <a:lstStyle/>
-                    <a:p>
-                      <a:pPr>
-                        <a:lnSpc>
-                          <a:spcPct val="107000"/>
-                        </a:lnSpc>
-                        <a:spcAft>
-                          <a:spcPts val="0"/>
-                        </a:spcAft>
-                      </a:pPr>
-                      <a:r>
-                        <a:rPr lang="es-MX" sz="600" b="1">
-                          <a:effectLst/>
-                        </a:rPr>
-                        <a:t>27 de Febrero</a:t>
-                      </a:r>
-                      <a:endParaRPr lang="es-MX" sz="600" b="1">
-                        <a:effectLst/>
-                        <a:latin typeface="Calibri"/>
-                        <a:ea typeface="Calibri"/>
-                        <a:cs typeface="Times New Roman"/>
-                      </a:endParaRPr>
-                    </a:p>
-                  </a:txBody>
-                  <a:tcPr marL="36177" marR="36177" marT="0" marB="0"/>
-                </a:tc>
-                <a:tc>
-                  <a:txBody>
-                    <a:bodyPr/>
-                    <a:lstStyle/>
-                    <a:p>
-                      <a:pPr>
-                        <a:lnSpc>
-                          <a:spcPct val="107000"/>
-                        </a:lnSpc>
-                        <a:spcAft>
-                          <a:spcPts val="0"/>
-                        </a:spcAft>
-                      </a:pPr>
-                      <a:r>
-                        <a:rPr lang="es-MX" sz="600" b="1">
-                          <a:effectLst/>
-                        </a:rPr>
-                        <a:t>Complementar requerimientos</a:t>
-                      </a:r>
-                      <a:endParaRPr lang="es-MX" sz="600" b="1">
-                        <a:effectLst/>
-                        <a:latin typeface="Calibri"/>
-                        <a:ea typeface="Calibri"/>
-                        <a:cs typeface="Times New Roman"/>
-                      </a:endParaRPr>
-                    </a:p>
-                  </a:txBody>
-                  <a:tcPr marL="36177" marR="36177" marT="0" marB="0"/>
-                </a:tc>
-                <a:tc>
-                  <a:txBody>
-                    <a:bodyPr/>
-                    <a:lstStyle/>
-                    <a:p>
-                      <a:pPr>
-                        <a:lnSpc>
-                          <a:spcPct val="107000"/>
-                        </a:lnSpc>
-                        <a:spcAft>
-                          <a:spcPts val="0"/>
-                        </a:spcAft>
-                      </a:pPr>
-                      <a:r>
-                        <a:rPr lang="es-MX" sz="600" b="1" dirty="0">
-                          <a:effectLst/>
-                        </a:rPr>
-                        <a:t>Karina </a:t>
-                      </a:r>
-                      <a:endParaRPr lang="es-MX" sz="600" b="1" dirty="0">
-                        <a:effectLst/>
-                        <a:latin typeface="Calibri"/>
-                        <a:ea typeface="Calibri"/>
-                        <a:cs typeface="Times New Roman"/>
-                      </a:endParaRPr>
-                    </a:p>
-                  </a:txBody>
-                  <a:tcPr marL="36177" marR="36177" marT="0" marB="0"/>
-                </a:tc>
-                <a:extLst>
-                  <a:ext uri="{0D108BD9-81ED-4DB2-BD59-A6C34878D82A}">
-                    <a16:rowId xmlns:a16="http://schemas.microsoft.com/office/drawing/2014/main" val="10006"/>
-                  </a:ext>
-                </a:extLst>
-              </a:tr>
-              <a:tr h="233958">
-                <a:tc>
-                  <a:txBody>
-                    <a:bodyPr/>
-                    <a:lstStyle/>
-                    <a:p>
-                      <a:pPr>
-                        <a:lnSpc>
-                          <a:spcPct val="107000"/>
-                        </a:lnSpc>
-                        <a:spcAft>
-                          <a:spcPts val="0"/>
-                        </a:spcAft>
-                      </a:pPr>
-                      <a:r>
-                        <a:rPr lang="es-MX" sz="600" b="1">
-                          <a:effectLst/>
-                        </a:rPr>
-                        <a:t>28 de Febrero</a:t>
-                      </a:r>
-                      <a:endParaRPr lang="es-MX" sz="600" b="1">
-                        <a:effectLst/>
-                        <a:latin typeface="Calibri"/>
-                        <a:ea typeface="Calibri"/>
-                        <a:cs typeface="Times New Roman"/>
-                      </a:endParaRPr>
-                    </a:p>
-                  </a:txBody>
-                  <a:tcPr marL="36177" marR="36177" marT="0" marB="0"/>
-                </a:tc>
-                <a:tc>
-                  <a:txBody>
-                    <a:bodyPr/>
-                    <a:lstStyle/>
-                    <a:p>
-                      <a:pPr>
-                        <a:lnSpc>
-                          <a:spcPct val="107000"/>
-                        </a:lnSpc>
-                        <a:spcAft>
-                          <a:spcPts val="0"/>
-                        </a:spcAft>
-                      </a:pPr>
-                      <a:r>
-                        <a:rPr lang="es-MX" sz="600" b="1">
-                          <a:effectLst/>
-                        </a:rPr>
-                        <a:t>Actualizar documentos y presentación</a:t>
-                      </a:r>
-                      <a:endParaRPr lang="es-MX" sz="600" b="1">
-                        <a:effectLst/>
-                        <a:latin typeface="Calibri"/>
-                        <a:ea typeface="Calibri"/>
-                        <a:cs typeface="Times New Roman"/>
-                      </a:endParaRPr>
-                    </a:p>
-                  </a:txBody>
-                  <a:tcPr marL="36177" marR="36177" marT="0" marB="0"/>
-                </a:tc>
-                <a:tc>
-                  <a:txBody>
-                    <a:bodyPr/>
-                    <a:lstStyle/>
-                    <a:p>
-                      <a:pPr>
-                        <a:lnSpc>
-                          <a:spcPct val="107000"/>
-                        </a:lnSpc>
-                        <a:spcAft>
-                          <a:spcPts val="0"/>
-                        </a:spcAft>
-                      </a:pPr>
-                      <a:r>
-                        <a:rPr lang="es-MX" sz="600" b="1" dirty="0">
-                          <a:effectLst/>
-                        </a:rPr>
-                        <a:t>Los tres integrantes</a:t>
-                      </a:r>
-                      <a:endParaRPr lang="es-MX" sz="600" b="1" dirty="0">
-                        <a:effectLst/>
-                        <a:latin typeface="Calibri"/>
-                        <a:ea typeface="Calibri"/>
-                        <a:cs typeface="Times New Roman"/>
-                      </a:endParaRPr>
-                    </a:p>
-                  </a:txBody>
-                  <a:tcPr marL="36177" marR="36177" marT="0" marB="0"/>
-                </a:tc>
-                <a:extLst>
-                  <a:ext uri="{0D108BD9-81ED-4DB2-BD59-A6C34878D82A}">
-                    <a16:rowId xmlns:a16="http://schemas.microsoft.com/office/drawing/2014/main" val="10007"/>
-                  </a:ext>
-                </a:extLst>
-              </a:tr>
-              <a:tr h="233958">
-                <a:tc>
-                  <a:txBody>
-                    <a:bodyPr/>
-                    <a:lstStyle/>
-                    <a:p>
-                      <a:pPr>
-                        <a:lnSpc>
-                          <a:spcPct val="107000"/>
-                        </a:lnSpc>
-                        <a:spcAft>
-                          <a:spcPts val="0"/>
-                        </a:spcAft>
-                      </a:pPr>
-                      <a:r>
-                        <a:rPr lang="es-MX" sz="600" b="1">
-                          <a:effectLst/>
-                        </a:rPr>
-                        <a:t>6 de Marzo</a:t>
-                      </a:r>
-                      <a:endParaRPr lang="es-MX" sz="600" b="1">
-                        <a:effectLst/>
-                        <a:latin typeface="Calibri"/>
-                        <a:ea typeface="Calibri"/>
-                        <a:cs typeface="Times New Roman"/>
-                      </a:endParaRPr>
-                    </a:p>
-                  </a:txBody>
-                  <a:tcPr marL="36177" marR="36177" marT="0" marB="0"/>
-                </a:tc>
-                <a:tc>
-                  <a:txBody>
-                    <a:bodyPr/>
-                    <a:lstStyle/>
-                    <a:p>
-                      <a:pPr>
-                        <a:lnSpc>
-                          <a:spcPct val="107000"/>
-                        </a:lnSpc>
-                        <a:spcAft>
-                          <a:spcPts val="0"/>
-                        </a:spcAft>
-                      </a:pPr>
-                      <a:r>
-                        <a:rPr lang="es-MX" sz="600" b="1">
-                          <a:effectLst/>
-                        </a:rPr>
-                        <a:t>Dividir las tareas de codificación del bot </a:t>
-                      </a:r>
-                      <a:endParaRPr lang="es-MX" sz="600" b="1">
-                        <a:effectLst/>
-                        <a:latin typeface="Calibri"/>
-                        <a:ea typeface="Calibri"/>
-                        <a:cs typeface="Times New Roman"/>
-                      </a:endParaRPr>
-                    </a:p>
-                  </a:txBody>
-                  <a:tcPr marL="36177" marR="36177" marT="0" marB="0"/>
-                </a:tc>
-                <a:tc>
-                  <a:txBody>
-                    <a:bodyPr/>
-                    <a:lstStyle/>
-                    <a:p>
-                      <a:pPr>
-                        <a:lnSpc>
-                          <a:spcPct val="107000"/>
-                        </a:lnSpc>
-                        <a:spcAft>
-                          <a:spcPts val="0"/>
-                        </a:spcAft>
-                      </a:pPr>
-                      <a:r>
-                        <a:rPr lang="es-MX" sz="600" b="1" dirty="0">
-                          <a:effectLst/>
-                        </a:rPr>
-                        <a:t>Jessica</a:t>
-                      </a:r>
-                      <a:endParaRPr lang="es-MX" sz="600" b="1" dirty="0">
-                        <a:effectLst/>
-                        <a:latin typeface="Calibri"/>
-                        <a:ea typeface="Calibri"/>
-                        <a:cs typeface="Times New Roman"/>
-                      </a:endParaRPr>
-                    </a:p>
-                  </a:txBody>
-                  <a:tcPr marL="36177" marR="36177" marT="0" marB="0"/>
-                </a:tc>
-                <a:extLst>
-                  <a:ext uri="{0D108BD9-81ED-4DB2-BD59-A6C34878D82A}">
-                    <a16:rowId xmlns:a16="http://schemas.microsoft.com/office/drawing/2014/main" val="10008"/>
-                  </a:ext>
-                </a:extLst>
-              </a:tr>
-              <a:tr h="233958">
-                <a:tc>
-                  <a:txBody>
-                    <a:bodyPr/>
-                    <a:lstStyle/>
-                    <a:p>
-                      <a:pPr>
-                        <a:lnSpc>
-                          <a:spcPct val="107000"/>
-                        </a:lnSpc>
-                        <a:spcAft>
-                          <a:spcPts val="0"/>
-                        </a:spcAft>
-                      </a:pPr>
-                      <a:r>
-                        <a:rPr lang="es-MX" sz="600" b="1">
-                          <a:effectLst/>
-                        </a:rPr>
-                        <a:t>13 de Abril </a:t>
-                      </a:r>
-                      <a:endParaRPr lang="es-MX" sz="600" b="1">
-                        <a:effectLst/>
-                        <a:latin typeface="Calibri"/>
-                        <a:ea typeface="Calibri"/>
-                        <a:cs typeface="Times New Roman"/>
-                      </a:endParaRPr>
-                    </a:p>
-                  </a:txBody>
-                  <a:tcPr marL="36177" marR="36177" marT="0" marB="0"/>
-                </a:tc>
-                <a:tc>
-                  <a:txBody>
-                    <a:bodyPr/>
-                    <a:lstStyle/>
-                    <a:p>
-                      <a:pPr>
-                        <a:lnSpc>
-                          <a:spcPct val="107000"/>
-                        </a:lnSpc>
-                        <a:spcAft>
-                          <a:spcPts val="0"/>
-                        </a:spcAft>
-                      </a:pPr>
-                      <a:r>
-                        <a:rPr lang="es-MX" sz="600" b="1">
-                          <a:effectLst/>
-                        </a:rPr>
-                        <a:t>Revisión de estado de avances</a:t>
-                      </a:r>
-                      <a:endParaRPr lang="es-MX" sz="600" b="1">
-                        <a:effectLst/>
-                        <a:latin typeface="Calibri"/>
-                        <a:ea typeface="Calibri"/>
-                        <a:cs typeface="Times New Roman"/>
-                      </a:endParaRPr>
-                    </a:p>
-                  </a:txBody>
-                  <a:tcPr marL="36177" marR="36177" marT="0" marB="0"/>
-                </a:tc>
-                <a:tc>
-                  <a:txBody>
-                    <a:bodyPr/>
-                    <a:lstStyle/>
-                    <a:p>
-                      <a:pPr>
-                        <a:lnSpc>
-                          <a:spcPct val="107000"/>
-                        </a:lnSpc>
-                        <a:spcAft>
-                          <a:spcPts val="0"/>
-                        </a:spcAft>
-                      </a:pPr>
-                      <a:r>
-                        <a:rPr lang="es-MX" sz="600" b="1" dirty="0">
-                          <a:effectLst/>
-                        </a:rPr>
-                        <a:t>Karina</a:t>
-                      </a:r>
-                      <a:endParaRPr lang="es-MX" sz="600" b="1" dirty="0">
-                        <a:effectLst/>
-                        <a:latin typeface="Calibri"/>
-                        <a:ea typeface="Calibri"/>
-                        <a:cs typeface="Times New Roman"/>
-                      </a:endParaRPr>
-                    </a:p>
-                  </a:txBody>
-                  <a:tcPr marL="36177" marR="36177" marT="0" marB="0"/>
-                </a:tc>
-                <a:extLst>
-                  <a:ext uri="{0D108BD9-81ED-4DB2-BD59-A6C34878D82A}">
-                    <a16:rowId xmlns:a16="http://schemas.microsoft.com/office/drawing/2014/main" val="10009"/>
-                  </a:ext>
-                </a:extLst>
-              </a:tr>
-              <a:tr h="233958">
-                <a:tc>
-                  <a:txBody>
-                    <a:bodyPr/>
-                    <a:lstStyle/>
-                    <a:p>
-                      <a:pPr>
+                      <a:pPr algn="l">
                         <a:lnSpc>
                           <a:spcPct val="107000"/>
                         </a:lnSpc>
@@ -9688,27 +8827,27 @@
                         </a:tabLst>
                       </a:pPr>
                       <a:r>
-                        <a:rPr lang="es-MX" sz="600" b="1">
+                        <a:rPr lang="es-MX" sz="1000" dirty="0">
                           <a:effectLst/>
                         </a:rPr>
                         <a:t>20 de Abril</a:t>
                       </a:r>
-                      <a:endParaRPr lang="es-MX" sz="600" b="1">
+                      <a:endParaRPr lang="es-MX" sz="1000" dirty="0">
                         <a:effectLst/>
-                        <a:latin typeface="Calibri"/>
-                        <a:ea typeface="Calibri"/>
-                        <a:cs typeface="Times New Roman"/>
+                        <a:latin typeface="Calibri" panose="020F0502020204030204" pitchFamily="34" charset="0"/>
+                        <a:ea typeface="Calibri" panose="020F0502020204030204" pitchFamily="34" charset="0"/>
+                        <a:cs typeface="Times New Roman" panose="02020603050405020304" pitchFamily="18" charset="0"/>
                       </a:endParaRPr>
                     </a:p>
                   </a:txBody>
-                  <a:tcPr marL="36177" marR="36177" marT="0" marB="0"/>
+                  <a:tcPr marL="30469" marR="30469" marT="0" marB="0"/>
                 </a:tc>
                 <a:tc>
                   <a:txBody>
                     <a:bodyPr/>
                     <a:lstStyle/>
                     <a:p>
-                      <a:pPr>
+                      <a:pPr algn="l">
                         <a:lnSpc>
                           <a:spcPct val="107000"/>
                         </a:lnSpc>
@@ -9717,27 +8856,27 @@
                         </a:spcAft>
                       </a:pPr>
                       <a:r>
-                        <a:rPr lang="es-MX" sz="600" b="1">
+                        <a:rPr lang="es-MX" sz="1000">
                           <a:effectLst/>
                         </a:rPr>
                         <a:t>Revisión de estado de avances</a:t>
                       </a:r>
-                      <a:endParaRPr lang="es-MX" sz="600" b="1">
+                      <a:endParaRPr lang="es-MX" sz="1000">
                         <a:effectLst/>
-                        <a:latin typeface="Calibri"/>
-                        <a:ea typeface="Calibri"/>
-                        <a:cs typeface="Times New Roman"/>
+                        <a:latin typeface="Calibri" panose="020F0502020204030204" pitchFamily="34" charset="0"/>
+                        <a:ea typeface="Calibri" panose="020F0502020204030204" pitchFamily="34" charset="0"/>
+                        <a:cs typeface="Times New Roman" panose="02020603050405020304" pitchFamily="18" charset="0"/>
                       </a:endParaRPr>
                     </a:p>
                   </a:txBody>
-                  <a:tcPr marL="36177" marR="36177" marT="0" marB="0"/>
+                  <a:tcPr marL="30469" marR="30469" marT="0" marB="0"/>
                 </a:tc>
                 <a:tc>
                   <a:txBody>
                     <a:bodyPr/>
                     <a:lstStyle/>
                     <a:p>
-                      <a:pPr>
+                      <a:pPr algn="l">
                         <a:lnSpc>
                           <a:spcPct val="107000"/>
                         </a:lnSpc>
@@ -9746,34 +8885,34 @@
                         </a:spcAft>
                       </a:pPr>
                       <a:r>
-                        <a:rPr lang="es-MX" sz="600" b="1" dirty="0">
+                        <a:rPr lang="es-MX" sz="1000" dirty="0">
                           <a:effectLst/>
                         </a:rPr>
                         <a:t>Jessica</a:t>
                       </a:r>
-                      <a:endParaRPr lang="es-MX" sz="600" b="1" dirty="0">
+                      <a:endParaRPr lang="es-MX" sz="1000" dirty="0">
                         <a:effectLst/>
-                        <a:latin typeface="Calibri"/>
-                        <a:ea typeface="Calibri"/>
-                        <a:cs typeface="Times New Roman"/>
+                        <a:latin typeface="Calibri" panose="020F0502020204030204" pitchFamily="34" charset="0"/>
+                        <a:ea typeface="Calibri" panose="020F0502020204030204" pitchFamily="34" charset="0"/>
+                        <a:cs typeface="Times New Roman" panose="02020603050405020304" pitchFamily="18" charset="0"/>
                       </a:endParaRPr>
                     </a:p>
                   </a:txBody>
-                  <a:tcPr marL="36177" marR="36177" marT="0" marB="0"/>
+                  <a:tcPr marL="30469" marR="30469" marT="0" marB="0"/>
                 </a:tc>
                 <a:extLst>
                   <a:ext uri="{0D108BD9-81ED-4DB2-BD59-A6C34878D82A}">
-                    <a16:rowId xmlns:a16="http://schemas.microsoft.com/office/drawing/2014/main" val="10010"/>
+                    <a16:rowId xmlns:a16="http://schemas.microsoft.com/office/drawing/2014/main" val="1135372414"/>
                   </a:ext>
                 </a:extLst>
               </a:tr>
-              <a:tr h="233958">
+              <a:tr h="261819">
                 <a:tc>
                   <a:txBody>
                     <a:bodyPr/>
                     <a:lstStyle/>
                     <a:p>
-                      <a:pPr>
+                      <a:pPr algn="l">
                         <a:lnSpc>
                           <a:spcPct val="107000"/>
                         </a:lnSpc>
@@ -9782,27 +8921,27 @@
                         </a:spcAft>
                       </a:pPr>
                       <a:r>
-                        <a:rPr lang="es-MX" sz="600" b="1" dirty="0">
+                        <a:rPr lang="es-MX" sz="1000" dirty="0">
                           <a:effectLst/>
                         </a:rPr>
                         <a:t>30 de Abril</a:t>
                       </a:r>
-                      <a:endParaRPr lang="es-MX" sz="600" b="1" dirty="0">
+                      <a:endParaRPr lang="es-MX" sz="1000" dirty="0">
                         <a:effectLst/>
-                        <a:latin typeface="Calibri"/>
-                        <a:ea typeface="Calibri"/>
-                        <a:cs typeface="Times New Roman"/>
+                        <a:latin typeface="Calibri" panose="020F0502020204030204" pitchFamily="34" charset="0"/>
+                        <a:ea typeface="Calibri" panose="020F0502020204030204" pitchFamily="34" charset="0"/>
+                        <a:cs typeface="Times New Roman" panose="02020603050405020304" pitchFamily="18" charset="0"/>
                       </a:endParaRPr>
                     </a:p>
                   </a:txBody>
-                  <a:tcPr marL="36177" marR="36177" marT="0" marB="0"/>
+                  <a:tcPr marL="30469" marR="30469" marT="0" marB="0"/>
                 </a:tc>
                 <a:tc>
                   <a:txBody>
                     <a:bodyPr/>
                     <a:lstStyle/>
                     <a:p>
-                      <a:pPr>
+                      <a:pPr algn="l">
                         <a:lnSpc>
                           <a:spcPct val="107000"/>
                         </a:lnSpc>
@@ -9811,27 +8950,27 @@
                         </a:spcAft>
                       </a:pPr>
                       <a:r>
-                        <a:rPr lang="es-MX" sz="600" b="1">
+                        <a:rPr lang="es-MX" sz="1000">
                           <a:effectLst/>
                         </a:rPr>
                         <a:t>Fecha de entrega parcial del proyecto</a:t>
                       </a:r>
-                      <a:endParaRPr lang="es-MX" sz="600" b="1">
+                      <a:endParaRPr lang="es-MX" sz="1000">
                         <a:effectLst/>
-                        <a:latin typeface="Calibri"/>
-                        <a:ea typeface="Calibri"/>
-                        <a:cs typeface="Times New Roman"/>
+                        <a:latin typeface="Calibri" panose="020F0502020204030204" pitchFamily="34" charset="0"/>
+                        <a:ea typeface="Calibri" panose="020F0502020204030204" pitchFamily="34" charset="0"/>
+                        <a:cs typeface="Times New Roman" panose="02020603050405020304" pitchFamily="18" charset="0"/>
                       </a:endParaRPr>
                     </a:p>
                   </a:txBody>
-                  <a:tcPr marL="36177" marR="36177" marT="0" marB="0"/>
+                  <a:tcPr marL="30469" marR="30469" marT="0" marB="0"/>
                 </a:tc>
                 <a:tc>
                   <a:txBody>
                     <a:bodyPr/>
                     <a:lstStyle/>
                     <a:p>
-                      <a:pPr>
+                      <a:pPr algn="l">
                         <a:lnSpc>
                           <a:spcPct val="107000"/>
                         </a:lnSpc>
@@ -9840,34 +8979,34 @@
                         </a:spcAft>
                       </a:pPr>
                       <a:r>
-                        <a:rPr lang="es-MX" sz="600" b="1" dirty="0">
+                        <a:rPr lang="es-MX" sz="1000">
                           <a:effectLst/>
                         </a:rPr>
                         <a:t>Los tres integrantes</a:t>
                       </a:r>
-                      <a:endParaRPr lang="es-MX" sz="600" b="1" dirty="0">
+                      <a:endParaRPr lang="es-MX" sz="1000">
                         <a:effectLst/>
-                        <a:latin typeface="Calibri"/>
-                        <a:ea typeface="Calibri"/>
-                        <a:cs typeface="Times New Roman"/>
+                        <a:latin typeface="Calibri" panose="020F0502020204030204" pitchFamily="34" charset="0"/>
+                        <a:ea typeface="Calibri" panose="020F0502020204030204" pitchFamily="34" charset="0"/>
+                        <a:cs typeface="Times New Roman" panose="02020603050405020304" pitchFamily="18" charset="0"/>
                       </a:endParaRPr>
                     </a:p>
                   </a:txBody>
-                  <a:tcPr marL="36177" marR="36177" marT="0" marB="0"/>
+                  <a:tcPr marL="30469" marR="30469" marT="0" marB="0"/>
                 </a:tc>
                 <a:extLst>
                   <a:ext uri="{0D108BD9-81ED-4DB2-BD59-A6C34878D82A}">
-                    <a16:rowId xmlns:a16="http://schemas.microsoft.com/office/drawing/2014/main" val="10011"/>
+                    <a16:rowId xmlns:a16="http://schemas.microsoft.com/office/drawing/2014/main" val="1365661041"/>
                   </a:ext>
                 </a:extLst>
               </a:tr>
-              <a:tr h="116979">
+              <a:tr h="127510">
                 <a:tc>
                   <a:txBody>
                     <a:bodyPr/>
                     <a:lstStyle/>
                     <a:p>
-                      <a:pPr>
+                      <a:pPr algn="l">
                         <a:lnSpc>
                           <a:spcPct val="107000"/>
                         </a:lnSpc>
@@ -9876,27 +9015,27 @@
                         </a:spcAft>
                       </a:pPr>
                       <a:r>
-                        <a:rPr lang="es-MX" sz="600" b="1">
+                        <a:rPr lang="es-MX" sz="1000" dirty="0">
                           <a:effectLst/>
                         </a:rPr>
                         <a:t>2 de Mayo </a:t>
                       </a:r>
-                      <a:endParaRPr lang="es-MX" sz="600" b="1">
+                      <a:endParaRPr lang="es-MX" sz="1000" dirty="0">
                         <a:effectLst/>
-                        <a:latin typeface="Calibri"/>
-                        <a:ea typeface="Calibri"/>
-                        <a:cs typeface="Times New Roman"/>
+                        <a:latin typeface="Calibri" panose="020F0502020204030204" pitchFamily="34" charset="0"/>
+                        <a:ea typeface="Calibri" panose="020F0502020204030204" pitchFamily="34" charset="0"/>
+                        <a:cs typeface="Times New Roman" panose="02020603050405020304" pitchFamily="18" charset="0"/>
                       </a:endParaRPr>
                     </a:p>
                   </a:txBody>
-                  <a:tcPr marL="36177" marR="36177" marT="0" marB="0"/>
+                  <a:tcPr marL="30469" marR="30469" marT="0" marB="0"/>
                 </a:tc>
                 <a:tc>
                   <a:txBody>
                     <a:bodyPr/>
                     <a:lstStyle/>
                     <a:p>
-                      <a:pPr>
+                      <a:pPr algn="l">
                         <a:lnSpc>
                           <a:spcPct val="107000"/>
                         </a:lnSpc>
@@ -9905,27 +9044,27 @@
                         </a:spcAft>
                       </a:pPr>
                       <a:r>
-                        <a:rPr lang="es-MX" sz="600" b="1">
+                        <a:rPr lang="es-MX" sz="1000">
                           <a:effectLst/>
                         </a:rPr>
                         <a:t>Alimentar base de datos </a:t>
                       </a:r>
-                      <a:endParaRPr lang="es-MX" sz="600" b="1">
+                      <a:endParaRPr lang="es-MX" sz="1000">
                         <a:effectLst/>
-                        <a:latin typeface="Calibri"/>
-                        <a:ea typeface="Calibri"/>
-                        <a:cs typeface="Times New Roman"/>
+                        <a:latin typeface="Calibri" panose="020F0502020204030204" pitchFamily="34" charset="0"/>
+                        <a:ea typeface="Calibri" panose="020F0502020204030204" pitchFamily="34" charset="0"/>
+                        <a:cs typeface="Times New Roman" panose="02020603050405020304" pitchFamily="18" charset="0"/>
                       </a:endParaRPr>
                     </a:p>
                   </a:txBody>
-                  <a:tcPr marL="36177" marR="36177" marT="0" marB="0"/>
+                  <a:tcPr marL="30469" marR="30469" marT="0" marB="0"/>
                 </a:tc>
                 <a:tc>
                   <a:txBody>
                     <a:bodyPr/>
                     <a:lstStyle/>
                     <a:p>
-                      <a:pPr>
+                      <a:pPr algn="l">
                         <a:lnSpc>
                           <a:spcPct val="107000"/>
                         </a:lnSpc>
@@ -9934,40 +9073,34 @@
                         </a:spcAft>
                       </a:pPr>
                       <a:r>
-                        <a:rPr lang="es-MX" sz="600" b="1" dirty="0">
+                        <a:rPr lang="es-MX" sz="1000">
                           <a:effectLst/>
                         </a:rPr>
-                        <a:t>Karina, </a:t>
+                        <a:t>Karina, Jesus</a:t>
                       </a:r>
-                      <a:r>
-                        <a:rPr lang="es-MX" sz="600" b="1" dirty="0" err="1">
-                          <a:effectLst/>
-                        </a:rPr>
-                        <a:t>Jesus</a:t>
-                      </a:r>
-                      <a:endParaRPr lang="es-MX" sz="600" b="1" dirty="0">
+                      <a:endParaRPr lang="es-MX" sz="1000">
                         <a:effectLst/>
-                        <a:latin typeface="Calibri"/>
-                        <a:ea typeface="Calibri"/>
-                        <a:cs typeface="Times New Roman"/>
+                        <a:latin typeface="Calibri" panose="020F0502020204030204" pitchFamily="34" charset="0"/>
+                        <a:ea typeface="Calibri" panose="020F0502020204030204" pitchFamily="34" charset="0"/>
+                        <a:cs typeface="Times New Roman" panose="02020603050405020304" pitchFamily="18" charset="0"/>
                       </a:endParaRPr>
                     </a:p>
                   </a:txBody>
-                  <a:tcPr marL="36177" marR="36177" marT="0" marB="0"/>
+                  <a:tcPr marL="30469" marR="30469" marT="0" marB="0"/>
                 </a:tc>
                 <a:extLst>
                   <a:ext uri="{0D108BD9-81ED-4DB2-BD59-A6C34878D82A}">
-                    <a16:rowId xmlns:a16="http://schemas.microsoft.com/office/drawing/2014/main" val="10012"/>
+                    <a16:rowId xmlns:a16="http://schemas.microsoft.com/office/drawing/2014/main" val="2610601113"/>
                   </a:ext>
                 </a:extLst>
               </a:tr>
-              <a:tr h="116979">
+              <a:tr h="127510">
                 <a:tc>
                   <a:txBody>
                     <a:bodyPr/>
                     <a:lstStyle/>
                     <a:p>
-                      <a:pPr>
+                      <a:pPr algn="l">
                         <a:lnSpc>
                           <a:spcPct val="107000"/>
                         </a:lnSpc>
@@ -9976,27 +9109,27 @@
                         </a:spcAft>
                       </a:pPr>
                       <a:r>
-                        <a:rPr lang="es-MX" sz="600" b="1">
+                        <a:rPr lang="es-MX" sz="1000" dirty="0">
                           <a:effectLst/>
                         </a:rPr>
-                        <a:t>8 de Mayo </a:t>
+                        <a:t>5 de Mayo </a:t>
                       </a:r>
-                      <a:endParaRPr lang="es-MX" sz="600" b="1">
+                      <a:endParaRPr lang="es-MX" sz="1000" dirty="0">
                         <a:effectLst/>
-                        <a:latin typeface="Calibri"/>
-                        <a:ea typeface="Calibri"/>
-                        <a:cs typeface="Times New Roman"/>
+                        <a:latin typeface="Calibri" panose="020F0502020204030204" pitchFamily="34" charset="0"/>
+                        <a:ea typeface="Calibri" panose="020F0502020204030204" pitchFamily="34" charset="0"/>
+                        <a:cs typeface="Times New Roman" panose="02020603050405020304" pitchFamily="18" charset="0"/>
                       </a:endParaRPr>
                     </a:p>
                   </a:txBody>
-                  <a:tcPr marL="36177" marR="36177" marT="0" marB="0"/>
+                  <a:tcPr marL="30469" marR="30469" marT="0" marB="0"/>
                 </a:tc>
                 <a:tc>
                   <a:txBody>
                     <a:bodyPr/>
                     <a:lstStyle/>
                     <a:p>
-                      <a:pPr>
+                      <a:pPr algn="l">
                         <a:lnSpc>
                           <a:spcPct val="107000"/>
                         </a:lnSpc>
@@ -10005,27 +9138,27 @@
                         </a:spcAft>
                       </a:pPr>
                       <a:r>
-                        <a:rPr lang="es-MX" sz="600" b="1">
+                        <a:rPr lang="es-MX" sz="1000">
                           <a:effectLst/>
                         </a:rPr>
-                        <a:t>Agregar el mini Quiz</a:t>
+                        <a:t>Codificación </a:t>
                       </a:r>
-                      <a:endParaRPr lang="es-MX" sz="600" b="1">
+                      <a:endParaRPr lang="es-MX" sz="1000">
                         <a:effectLst/>
-                        <a:latin typeface="Calibri"/>
-                        <a:ea typeface="Calibri"/>
-                        <a:cs typeface="Times New Roman"/>
+                        <a:latin typeface="Calibri" panose="020F0502020204030204" pitchFamily="34" charset="0"/>
+                        <a:ea typeface="Calibri" panose="020F0502020204030204" pitchFamily="34" charset="0"/>
+                        <a:cs typeface="Times New Roman" panose="02020603050405020304" pitchFamily="18" charset="0"/>
                       </a:endParaRPr>
                     </a:p>
                   </a:txBody>
-                  <a:tcPr marL="36177" marR="36177" marT="0" marB="0"/>
+                  <a:tcPr marL="30469" marR="30469" marT="0" marB="0"/>
                 </a:tc>
                 <a:tc>
                   <a:txBody>
                     <a:bodyPr/>
                     <a:lstStyle/>
                     <a:p>
-                      <a:pPr>
+                      <a:pPr algn="l">
                         <a:lnSpc>
                           <a:spcPct val="107000"/>
                         </a:lnSpc>
@@ -10034,34 +9167,34 @@
                         </a:spcAft>
                       </a:pPr>
                       <a:r>
-                        <a:rPr lang="es-MX" sz="600" b="1" dirty="0" err="1">
+                        <a:rPr lang="es-MX" sz="1000">
                           <a:effectLst/>
                         </a:rPr>
-                        <a:t>karina</a:t>
+                        <a:t>Jesus, Jessica </a:t>
                       </a:r>
-                      <a:endParaRPr lang="es-MX" sz="600" b="1" dirty="0">
+                      <a:endParaRPr lang="es-MX" sz="1000">
                         <a:effectLst/>
-                        <a:latin typeface="Calibri"/>
-                        <a:ea typeface="Calibri"/>
-                        <a:cs typeface="Times New Roman"/>
+                        <a:latin typeface="Calibri" panose="020F0502020204030204" pitchFamily="34" charset="0"/>
+                        <a:ea typeface="Calibri" panose="020F0502020204030204" pitchFamily="34" charset="0"/>
+                        <a:cs typeface="Times New Roman" panose="02020603050405020304" pitchFamily="18" charset="0"/>
                       </a:endParaRPr>
                     </a:p>
                   </a:txBody>
-                  <a:tcPr marL="36177" marR="36177" marT="0" marB="0"/>
+                  <a:tcPr marL="30469" marR="30469" marT="0" marB="0"/>
                 </a:tc>
                 <a:extLst>
                   <a:ext uri="{0D108BD9-81ED-4DB2-BD59-A6C34878D82A}">
-                    <a16:rowId xmlns:a16="http://schemas.microsoft.com/office/drawing/2014/main" val="10013"/>
+                    <a16:rowId xmlns:a16="http://schemas.microsoft.com/office/drawing/2014/main" val="2920512166"/>
                   </a:ext>
                 </a:extLst>
               </a:tr>
-              <a:tr h="233958">
+              <a:tr h="127510">
                 <a:tc>
                   <a:txBody>
                     <a:bodyPr/>
                     <a:lstStyle/>
                     <a:p>
-                      <a:pPr>
+                      <a:pPr algn="l">
                         <a:lnSpc>
                           <a:spcPct val="107000"/>
                         </a:lnSpc>
@@ -10070,27 +9203,27 @@
                         </a:spcAft>
                       </a:pPr>
                       <a:r>
-                        <a:rPr lang="es-MX" sz="600" b="1">
+                        <a:rPr lang="es-MX" sz="1000" dirty="0">
                           <a:effectLst/>
                         </a:rPr>
-                        <a:t>21 de Mayo</a:t>
+                        <a:t>5 de Mayo </a:t>
                       </a:r>
-                      <a:endParaRPr lang="es-MX" sz="600" b="1">
+                      <a:endParaRPr lang="es-MX" sz="1000" dirty="0">
                         <a:effectLst/>
-                        <a:latin typeface="Calibri"/>
-                        <a:ea typeface="Calibri"/>
-                        <a:cs typeface="Times New Roman"/>
+                        <a:latin typeface="Calibri" panose="020F0502020204030204" pitchFamily="34" charset="0"/>
+                        <a:ea typeface="Calibri" panose="020F0502020204030204" pitchFamily="34" charset="0"/>
+                        <a:cs typeface="Times New Roman" panose="02020603050405020304" pitchFamily="18" charset="0"/>
                       </a:endParaRPr>
                     </a:p>
                   </a:txBody>
-                  <a:tcPr marL="36177" marR="36177" marT="0" marB="0"/>
+                  <a:tcPr marL="30469" marR="30469" marT="0" marB="0"/>
                 </a:tc>
                 <a:tc>
                   <a:txBody>
                     <a:bodyPr/>
                     <a:lstStyle/>
                     <a:p>
-                      <a:pPr>
+                      <a:pPr algn="l">
                         <a:lnSpc>
                           <a:spcPct val="107000"/>
                         </a:lnSpc>
@@ -10099,27 +9232,27 @@
                         </a:spcAft>
                       </a:pPr>
                       <a:r>
-                        <a:rPr lang="es-MX" sz="600" b="1">
+                        <a:rPr lang="es-MX" sz="1000">
                           <a:effectLst/>
                         </a:rPr>
-                        <a:t>Fecha de entrega final del proyecto </a:t>
+                        <a:t>Actualizar documentos </a:t>
                       </a:r>
-                      <a:endParaRPr lang="es-MX" sz="600" b="1">
+                      <a:endParaRPr lang="es-MX" sz="1000">
                         <a:effectLst/>
-                        <a:latin typeface="Calibri"/>
-                        <a:ea typeface="Calibri"/>
-                        <a:cs typeface="Times New Roman"/>
+                        <a:latin typeface="Calibri" panose="020F0502020204030204" pitchFamily="34" charset="0"/>
+                        <a:ea typeface="Calibri" panose="020F0502020204030204" pitchFamily="34" charset="0"/>
+                        <a:cs typeface="Times New Roman" panose="02020603050405020304" pitchFamily="18" charset="0"/>
                       </a:endParaRPr>
                     </a:p>
                   </a:txBody>
-                  <a:tcPr marL="36177" marR="36177" marT="0" marB="0"/>
+                  <a:tcPr marL="30469" marR="30469" marT="0" marB="0"/>
                 </a:tc>
                 <a:tc>
                   <a:txBody>
                     <a:bodyPr/>
                     <a:lstStyle/>
                     <a:p>
-                      <a:pPr>
+                      <a:pPr algn="l">
                         <a:lnSpc>
                           <a:spcPct val="107000"/>
                         </a:lnSpc>
@@ -10128,24 +9261,494 @@
                         </a:spcAft>
                       </a:pPr>
                       <a:r>
-                        <a:rPr lang="es-MX" sz="600" b="1" dirty="0">
+                        <a:rPr lang="es-MX" sz="1000">
+                          <a:effectLst/>
+                        </a:rPr>
+                        <a:t>Los 3 integrantes</a:t>
+                      </a:r>
+                      <a:endParaRPr lang="es-MX" sz="1000">
+                        <a:effectLst/>
+                        <a:latin typeface="Calibri" panose="020F0502020204030204" pitchFamily="34" charset="0"/>
+                        <a:ea typeface="Calibri" panose="020F0502020204030204" pitchFamily="34" charset="0"/>
+                        <a:cs typeface="Times New Roman" panose="02020603050405020304" pitchFamily="18" charset="0"/>
+                      </a:endParaRPr>
+                    </a:p>
+                  </a:txBody>
+                  <a:tcPr marL="30469" marR="30469" marT="0" marB="0"/>
+                </a:tc>
+                <a:extLst>
+                  <a:ext uri="{0D108BD9-81ED-4DB2-BD59-A6C34878D82A}">
+                    <a16:rowId xmlns:a16="http://schemas.microsoft.com/office/drawing/2014/main" val="311290652"/>
+                  </a:ext>
+                </a:extLst>
+              </a:tr>
+              <a:tr h="127510">
+                <a:tc>
+                  <a:txBody>
+                    <a:bodyPr/>
+                    <a:lstStyle/>
+                    <a:p>
+                      <a:pPr algn="l">
+                        <a:lnSpc>
+                          <a:spcPct val="107000"/>
+                        </a:lnSpc>
+                        <a:spcAft>
+                          <a:spcPts val="0"/>
+                        </a:spcAft>
+                      </a:pPr>
+                      <a:r>
+                        <a:rPr lang="es-MX" sz="1000" dirty="0">
+                          <a:effectLst/>
+                        </a:rPr>
+                        <a:t>8 de Mayo </a:t>
+                      </a:r>
+                      <a:endParaRPr lang="es-MX" sz="1000" dirty="0">
+                        <a:effectLst/>
+                        <a:latin typeface="Calibri" panose="020F0502020204030204" pitchFamily="34" charset="0"/>
+                        <a:ea typeface="Calibri" panose="020F0502020204030204" pitchFamily="34" charset="0"/>
+                        <a:cs typeface="Times New Roman" panose="02020603050405020304" pitchFamily="18" charset="0"/>
+                      </a:endParaRPr>
+                    </a:p>
+                  </a:txBody>
+                  <a:tcPr marL="30469" marR="30469" marT="0" marB="0"/>
+                </a:tc>
+                <a:tc>
+                  <a:txBody>
+                    <a:bodyPr/>
+                    <a:lstStyle/>
+                    <a:p>
+                      <a:pPr algn="l">
+                        <a:lnSpc>
+                          <a:spcPct val="107000"/>
+                        </a:lnSpc>
+                        <a:spcAft>
+                          <a:spcPts val="0"/>
+                        </a:spcAft>
+                      </a:pPr>
+                      <a:r>
+                        <a:rPr lang="es-MX" sz="1000">
+                          <a:effectLst/>
+                        </a:rPr>
+                        <a:t>Agregar el mini Quiz</a:t>
+                      </a:r>
+                      <a:endParaRPr lang="es-MX" sz="1000">
+                        <a:effectLst/>
+                        <a:latin typeface="Calibri" panose="020F0502020204030204" pitchFamily="34" charset="0"/>
+                        <a:ea typeface="Calibri" panose="020F0502020204030204" pitchFamily="34" charset="0"/>
+                        <a:cs typeface="Times New Roman" panose="02020603050405020304" pitchFamily="18" charset="0"/>
+                      </a:endParaRPr>
+                    </a:p>
+                  </a:txBody>
+                  <a:tcPr marL="30469" marR="30469" marT="0" marB="0"/>
+                </a:tc>
+                <a:tc>
+                  <a:txBody>
+                    <a:bodyPr/>
+                    <a:lstStyle/>
+                    <a:p>
+                      <a:pPr algn="l">
+                        <a:lnSpc>
+                          <a:spcPct val="107000"/>
+                        </a:lnSpc>
+                        <a:spcAft>
+                          <a:spcPts val="0"/>
+                        </a:spcAft>
+                      </a:pPr>
+                      <a:r>
+                        <a:rPr lang="es-MX" sz="1000">
+                          <a:effectLst/>
+                        </a:rPr>
+                        <a:t>Karina</a:t>
+                      </a:r>
+                      <a:endParaRPr lang="es-MX" sz="1000">
+                        <a:effectLst/>
+                        <a:latin typeface="Calibri" panose="020F0502020204030204" pitchFamily="34" charset="0"/>
+                        <a:ea typeface="Calibri" panose="020F0502020204030204" pitchFamily="34" charset="0"/>
+                        <a:cs typeface="Times New Roman" panose="02020603050405020304" pitchFamily="18" charset="0"/>
+                      </a:endParaRPr>
+                    </a:p>
+                  </a:txBody>
+                  <a:tcPr marL="30469" marR="30469" marT="0" marB="0"/>
+                </a:tc>
+                <a:extLst>
+                  <a:ext uri="{0D108BD9-81ED-4DB2-BD59-A6C34878D82A}">
+                    <a16:rowId xmlns:a16="http://schemas.microsoft.com/office/drawing/2014/main" val="4293821794"/>
+                  </a:ext>
+                </a:extLst>
+              </a:tr>
+              <a:tr h="127510">
+                <a:tc>
+                  <a:txBody>
+                    <a:bodyPr/>
+                    <a:lstStyle/>
+                    <a:p>
+                      <a:pPr algn="l">
+                        <a:lnSpc>
+                          <a:spcPct val="107000"/>
+                        </a:lnSpc>
+                        <a:spcAft>
+                          <a:spcPts val="0"/>
+                        </a:spcAft>
+                      </a:pPr>
+                      <a:r>
+                        <a:rPr lang="es-MX" sz="1000" dirty="0">
+                          <a:effectLst/>
+                        </a:rPr>
+                        <a:t>10 de mayo</a:t>
+                      </a:r>
+                      <a:endParaRPr lang="es-MX" sz="1000" dirty="0">
+                        <a:effectLst/>
+                        <a:latin typeface="Calibri" panose="020F0502020204030204" pitchFamily="34" charset="0"/>
+                        <a:ea typeface="Calibri" panose="020F0502020204030204" pitchFamily="34" charset="0"/>
+                        <a:cs typeface="Times New Roman" panose="02020603050405020304" pitchFamily="18" charset="0"/>
+                      </a:endParaRPr>
+                    </a:p>
+                  </a:txBody>
+                  <a:tcPr marL="30469" marR="30469" marT="0" marB="0"/>
+                </a:tc>
+                <a:tc>
+                  <a:txBody>
+                    <a:bodyPr/>
+                    <a:lstStyle/>
+                    <a:p>
+                      <a:pPr algn="l">
+                        <a:lnSpc>
+                          <a:spcPct val="107000"/>
+                        </a:lnSpc>
+                        <a:spcAft>
+                          <a:spcPts val="0"/>
+                        </a:spcAft>
+                      </a:pPr>
+                      <a:r>
+                        <a:rPr lang="es-MX" sz="1000">
+                          <a:effectLst/>
+                        </a:rPr>
+                        <a:t>Crear interfaz</a:t>
+                      </a:r>
+                      <a:endParaRPr lang="es-MX" sz="1000">
+                        <a:effectLst/>
+                        <a:latin typeface="Calibri" panose="020F0502020204030204" pitchFamily="34" charset="0"/>
+                        <a:ea typeface="Calibri" panose="020F0502020204030204" pitchFamily="34" charset="0"/>
+                        <a:cs typeface="Times New Roman" panose="02020603050405020304" pitchFamily="18" charset="0"/>
+                      </a:endParaRPr>
+                    </a:p>
+                  </a:txBody>
+                  <a:tcPr marL="30469" marR="30469" marT="0" marB="0"/>
+                </a:tc>
+                <a:tc>
+                  <a:txBody>
+                    <a:bodyPr/>
+                    <a:lstStyle/>
+                    <a:p>
+                      <a:pPr algn="l">
+                        <a:lnSpc>
+                          <a:spcPct val="107000"/>
+                        </a:lnSpc>
+                        <a:spcAft>
+                          <a:spcPts val="0"/>
+                        </a:spcAft>
+                      </a:pPr>
+                      <a:r>
+                        <a:rPr lang="es-MX" sz="1000" dirty="0">
+                          <a:effectLst/>
+                        </a:rPr>
+                        <a:t>Jessica </a:t>
+                      </a:r>
+                      <a:endParaRPr lang="es-MX" sz="1000" dirty="0">
+                        <a:effectLst/>
+                        <a:latin typeface="Calibri" panose="020F0502020204030204" pitchFamily="34" charset="0"/>
+                        <a:ea typeface="Calibri" panose="020F0502020204030204" pitchFamily="34" charset="0"/>
+                        <a:cs typeface="Times New Roman" panose="02020603050405020304" pitchFamily="18" charset="0"/>
+                      </a:endParaRPr>
+                    </a:p>
+                  </a:txBody>
+                  <a:tcPr marL="30469" marR="30469" marT="0" marB="0"/>
+                </a:tc>
+                <a:extLst>
+                  <a:ext uri="{0D108BD9-81ED-4DB2-BD59-A6C34878D82A}">
+                    <a16:rowId xmlns:a16="http://schemas.microsoft.com/office/drawing/2014/main" val="3207633025"/>
+                  </a:ext>
+                </a:extLst>
+              </a:tr>
+              <a:tr h="261819">
+                <a:tc>
+                  <a:txBody>
+                    <a:bodyPr/>
+                    <a:lstStyle/>
+                    <a:p>
+                      <a:pPr algn="l">
+                        <a:lnSpc>
+                          <a:spcPct val="107000"/>
+                        </a:lnSpc>
+                        <a:spcAft>
+                          <a:spcPts val="0"/>
+                        </a:spcAft>
+                      </a:pPr>
+                      <a:r>
+                        <a:rPr lang="es-MX" sz="1000" dirty="0">
+                          <a:effectLst/>
+                        </a:rPr>
+                        <a:t>22 de mayo</a:t>
+                      </a:r>
+                      <a:endParaRPr lang="es-MX" sz="1000" dirty="0">
+                        <a:effectLst/>
+                        <a:latin typeface="Calibri" panose="020F0502020204030204" pitchFamily="34" charset="0"/>
+                        <a:ea typeface="Calibri" panose="020F0502020204030204" pitchFamily="34" charset="0"/>
+                        <a:cs typeface="Times New Roman" panose="02020603050405020304" pitchFamily="18" charset="0"/>
+                      </a:endParaRPr>
+                    </a:p>
+                  </a:txBody>
+                  <a:tcPr marL="30469" marR="30469" marT="0" marB="0"/>
+                </a:tc>
+                <a:tc>
+                  <a:txBody>
+                    <a:bodyPr/>
+                    <a:lstStyle/>
+                    <a:p>
+                      <a:pPr algn="l">
+                        <a:lnSpc>
+                          <a:spcPct val="107000"/>
+                        </a:lnSpc>
+                        <a:spcAft>
+                          <a:spcPts val="0"/>
+                        </a:spcAft>
+                      </a:pPr>
+                      <a:r>
+                        <a:rPr lang="es-MX" sz="1000">
+                          <a:effectLst/>
+                        </a:rPr>
+                        <a:t>Actualización de documentos </a:t>
+                      </a:r>
+                      <a:endParaRPr lang="es-MX" sz="1000">
+                        <a:effectLst/>
+                        <a:latin typeface="Calibri" panose="020F0502020204030204" pitchFamily="34" charset="0"/>
+                        <a:ea typeface="Calibri" panose="020F0502020204030204" pitchFamily="34" charset="0"/>
+                        <a:cs typeface="Times New Roman" panose="02020603050405020304" pitchFamily="18" charset="0"/>
+                      </a:endParaRPr>
+                    </a:p>
+                  </a:txBody>
+                  <a:tcPr marL="30469" marR="30469" marT="0" marB="0"/>
+                </a:tc>
+                <a:tc>
+                  <a:txBody>
+                    <a:bodyPr/>
+                    <a:lstStyle/>
+                    <a:p>
+                      <a:pPr algn="l">
+                        <a:lnSpc>
+                          <a:spcPct val="107000"/>
+                        </a:lnSpc>
+                        <a:spcAft>
+                          <a:spcPts val="0"/>
+                        </a:spcAft>
+                      </a:pPr>
+                      <a:r>
+                        <a:rPr lang="es-MX" sz="1000">
+                          <a:effectLst/>
+                        </a:rPr>
+                        <a:t>Karina </a:t>
+                      </a:r>
+                      <a:endParaRPr lang="es-MX" sz="1000">
+                        <a:effectLst/>
+                        <a:latin typeface="Calibri" panose="020F0502020204030204" pitchFamily="34" charset="0"/>
+                        <a:ea typeface="Calibri" panose="020F0502020204030204" pitchFamily="34" charset="0"/>
+                        <a:cs typeface="Times New Roman" panose="02020603050405020304" pitchFamily="18" charset="0"/>
+                      </a:endParaRPr>
+                    </a:p>
+                  </a:txBody>
+                  <a:tcPr marL="30469" marR="30469" marT="0" marB="0"/>
+                </a:tc>
+                <a:extLst>
+                  <a:ext uri="{0D108BD9-81ED-4DB2-BD59-A6C34878D82A}">
+                    <a16:rowId xmlns:a16="http://schemas.microsoft.com/office/drawing/2014/main" val="2120785437"/>
+                  </a:ext>
+                </a:extLst>
+              </a:tr>
+              <a:tr h="261819">
+                <a:tc>
+                  <a:txBody>
+                    <a:bodyPr/>
+                    <a:lstStyle/>
+                    <a:p>
+                      <a:pPr algn="l">
+                        <a:lnSpc>
+                          <a:spcPct val="107000"/>
+                        </a:lnSpc>
+                        <a:spcAft>
+                          <a:spcPts val="0"/>
+                        </a:spcAft>
+                      </a:pPr>
+                      <a:r>
+                        <a:rPr lang="es-MX" sz="1000" dirty="0">
+                          <a:effectLst/>
+                        </a:rPr>
+                        <a:t>24 de mayo</a:t>
+                      </a:r>
+                      <a:endParaRPr lang="es-MX" sz="1000" dirty="0">
+                        <a:effectLst/>
+                        <a:latin typeface="Calibri" panose="020F0502020204030204" pitchFamily="34" charset="0"/>
+                        <a:ea typeface="Calibri" panose="020F0502020204030204" pitchFamily="34" charset="0"/>
+                        <a:cs typeface="Times New Roman" panose="02020603050405020304" pitchFamily="18" charset="0"/>
+                      </a:endParaRPr>
+                    </a:p>
+                  </a:txBody>
+                  <a:tcPr marL="30469" marR="30469" marT="0" marB="0"/>
+                </a:tc>
+                <a:tc>
+                  <a:txBody>
+                    <a:bodyPr/>
+                    <a:lstStyle/>
+                    <a:p>
+                      <a:pPr algn="l">
+                        <a:lnSpc>
+                          <a:spcPct val="107000"/>
+                        </a:lnSpc>
+                        <a:spcAft>
+                          <a:spcPts val="0"/>
+                        </a:spcAft>
+                      </a:pPr>
+                      <a:r>
+                        <a:rPr lang="es-MX" sz="1000">
+                          <a:effectLst/>
+                        </a:rPr>
+                        <a:t>Grabado y entrega del video</a:t>
+                      </a:r>
+                      <a:endParaRPr lang="es-MX" sz="1000">
+                        <a:effectLst/>
+                        <a:latin typeface="Calibri" panose="020F0502020204030204" pitchFamily="34" charset="0"/>
+                        <a:ea typeface="Calibri" panose="020F0502020204030204" pitchFamily="34" charset="0"/>
+                        <a:cs typeface="Times New Roman" panose="02020603050405020304" pitchFamily="18" charset="0"/>
+                      </a:endParaRPr>
+                    </a:p>
+                  </a:txBody>
+                  <a:tcPr marL="30469" marR="30469" marT="0" marB="0"/>
+                </a:tc>
+                <a:tc>
+                  <a:txBody>
+                    <a:bodyPr/>
+                    <a:lstStyle/>
+                    <a:p>
+                      <a:pPr algn="l">
+                        <a:lnSpc>
+                          <a:spcPct val="107000"/>
+                        </a:lnSpc>
+                        <a:spcAft>
+                          <a:spcPts val="0"/>
+                        </a:spcAft>
+                      </a:pPr>
+                      <a:r>
+                        <a:rPr lang="es-MX" sz="1000">
+                          <a:effectLst/>
+                        </a:rPr>
+                        <a:t>Todos los integrantes</a:t>
+                      </a:r>
+                      <a:endParaRPr lang="es-MX" sz="1000">
+                        <a:effectLst/>
+                        <a:latin typeface="Calibri" panose="020F0502020204030204" pitchFamily="34" charset="0"/>
+                        <a:ea typeface="Calibri" panose="020F0502020204030204" pitchFamily="34" charset="0"/>
+                        <a:cs typeface="Times New Roman" panose="02020603050405020304" pitchFamily="18" charset="0"/>
+                      </a:endParaRPr>
+                    </a:p>
+                  </a:txBody>
+                  <a:tcPr marL="30469" marR="30469" marT="0" marB="0"/>
+                </a:tc>
+                <a:extLst>
+                  <a:ext uri="{0D108BD9-81ED-4DB2-BD59-A6C34878D82A}">
+                    <a16:rowId xmlns:a16="http://schemas.microsoft.com/office/drawing/2014/main" val="1036866458"/>
+                  </a:ext>
+                </a:extLst>
+              </a:tr>
+              <a:tr h="261819">
+                <a:tc>
+                  <a:txBody>
+                    <a:bodyPr/>
+                    <a:lstStyle/>
+                    <a:p>
+                      <a:pPr algn="l">
+                        <a:lnSpc>
+                          <a:spcPct val="107000"/>
+                        </a:lnSpc>
+                        <a:spcAft>
+                          <a:spcPts val="0"/>
+                        </a:spcAft>
+                      </a:pPr>
+                      <a:r>
+                        <a:rPr lang="es-MX" sz="1000" dirty="0">
+                          <a:effectLst/>
+                        </a:rPr>
+                        <a:t>24de Mayo</a:t>
+                      </a:r>
+                      <a:endParaRPr lang="es-MX" sz="1000" dirty="0">
+                        <a:effectLst/>
+                        <a:latin typeface="Calibri" panose="020F0502020204030204" pitchFamily="34" charset="0"/>
+                        <a:ea typeface="Calibri" panose="020F0502020204030204" pitchFamily="34" charset="0"/>
+                        <a:cs typeface="Times New Roman" panose="02020603050405020304" pitchFamily="18" charset="0"/>
+                      </a:endParaRPr>
+                    </a:p>
+                  </a:txBody>
+                  <a:tcPr marL="30469" marR="30469" marT="0" marB="0"/>
+                </a:tc>
+                <a:tc>
+                  <a:txBody>
+                    <a:bodyPr/>
+                    <a:lstStyle/>
+                    <a:p>
+                      <a:pPr algn="l">
+                        <a:lnSpc>
+                          <a:spcPct val="107000"/>
+                        </a:lnSpc>
+                        <a:spcAft>
+                          <a:spcPts val="0"/>
+                        </a:spcAft>
+                      </a:pPr>
+                      <a:r>
+                        <a:rPr lang="es-MX" sz="1000" dirty="0">
+                          <a:effectLst/>
+                        </a:rPr>
+                        <a:t>Fecha de entrega final del proyecto </a:t>
+                      </a:r>
+                      <a:endParaRPr lang="es-MX" sz="1000" dirty="0">
+                        <a:effectLst/>
+                        <a:latin typeface="Calibri" panose="020F0502020204030204" pitchFamily="34" charset="0"/>
+                        <a:ea typeface="Calibri" panose="020F0502020204030204" pitchFamily="34" charset="0"/>
+                        <a:cs typeface="Times New Roman" panose="02020603050405020304" pitchFamily="18" charset="0"/>
+                      </a:endParaRPr>
+                    </a:p>
+                  </a:txBody>
+                  <a:tcPr marL="30469" marR="30469" marT="0" marB="0"/>
+                </a:tc>
+                <a:tc>
+                  <a:txBody>
+                    <a:bodyPr/>
+                    <a:lstStyle/>
+                    <a:p>
+                      <a:pPr algn="l">
+                        <a:lnSpc>
+                          <a:spcPct val="107000"/>
+                        </a:lnSpc>
+                        <a:spcAft>
+                          <a:spcPts val="0"/>
+                        </a:spcAft>
+                      </a:pPr>
+                      <a:r>
+                        <a:rPr lang="es-MX" sz="1000" dirty="0">
                           <a:effectLst/>
                         </a:rPr>
                         <a:t>Los tres integrantes</a:t>
                       </a:r>
-                      <a:endParaRPr lang="es-MX" sz="600" b="1" dirty="0">
+                      <a:endParaRPr lang="es-MX" sz="1000" dirty="0">
                         <a:effectLst/>
-                        <a:latin typeface="Calibri"/>
-                        <a:ea typeface="Calibri"/>
-                        <a:cs typeface="Times New Roman"/>
+                        <a:latin typeface="Calibri" panose="020F0502020204030204" pitchFamily="34" charset="0"/>
+                        <a:ea typeface="Calibri" panose="020F0502020204030204" pitchFamily="34" charset="0"/>
+                        <a:cs typeface="Times New Roman" panose="02020603050405020304" pitchFamily="18" charset="0"/>
                       </a:endParaRPr>
                     </a:p>
                   </a:txBody>
-                  <a:tcPr marL="36177" marR="36177" marT="0" marB="0"/>
+                  <a:tcPr marL="30469" marR="30469" marT="0" marB="0"/>
                 </a:tc>
                 <a:extLst>
                   <a:ext uri="{0D108BD9-81ED-4DB2-BD59-A6C34878D82A}">
-                    <a16:rowId xmlns:a16="http://schemas.microsoft.com/office/drawing/2014/main" val="10014"/>
+                    <a16:rowId xmlns:a16="http://schemas.microsoft.com/office/drawing/2014/main" val="512275257"/>
                   </a:ext>
                 </a:extLst>
               </a:tr>
@@ -10153,6 +9756,75 @@
           </a:graphicData>
         </a:graphic>
       </p:graphicFrame>
+      <p:sp>
+        <p:nvSpPr>
+          <p:cNvPr id="8" name="Rectangle 2">
+            <a:extLst>
+              <a:ext uri="{FF2B5EF4-FFF2-40B4-BE49-F238E27FC236}">
+                <a16:creationId xmlns:a16="http://schemas.microsoft.com/office/drawing/2014/main" id="{60A6A50B-1244-441E-A7AB-98D2E5852BEE}"/>
+              </a:ext>
+            </a:extLst>
+          </p:cNvPr>
+          <p:cNvSpPr>
+            <a:spLocks noChangeArrowheads="1"/>
+          </p:cNvSpPr>
+          <p:nvPr/>
+        </p:nvSpPr>
+        <p:spPr bwMode="auto">
+          <a:xfrm>
+            <a:off x="1232386" y="918470"/>
+            <a:ext cx="9144000" cy="457200"/>
+          </a:xfrm>
+          <a:prstGeom prst="rect">
+            <a:avLst/>
+          </a:prstGeom>
+          <a:noFill/>
+          <a:ln>
+            <a:noFill/>
+          </a:ln>
+          <a:effectLst/>
+          <a:extLst>
+            <a:ext uri="{909E8E84-426E-40DD-AFC4-6F175D3DCCD1}">
+              <a14:hiddenFill xmlns:a14="http://schemas.microsoft.com/office/drawing/2010/main">
+                <a:solidFill>
+                  <a:schemeClr val="accent1"/>
+                </a:solidFill>
+              </a14:hiddenFill>
+            </a:ext>
+            <a:ext uri="{91240B29-F687-4F45-9708-019B960494DF}">
+              <a14:hiddenLine xmlns:a14="http://schemas.microsoft.com/office/drawing/2010/main" w="9525">
+                <a:solidFill>
+                  <a:schemeClr val="tx1"/>
+                </a:solidFill>
+                <a:miter lim="800000"/>
+                <a:headEnd/>
+                <a:tailEnd/>
+              </a14:hiddenLine>
+            </a:ext>
+            <a:ext uri="{AF507438-7753-43E0-B8FC-AC1667EBCBE1}">
+              <a14:hiddenEffects xmlns:a14="http://schemas.microsoft.com/office/drawing/2010/main">
+                <a:effectLst>
+                  <a:outerShdw dist="35921" dir="2700000" algn="ctr" rotWithShape="0">
+                    <a:schemeClr val="bg2"/>
+                  </a:outerShdw>
+                </a:effectLst>
+              </a14:hiddenEffects>
+            </a:ext>
+          </a:extLst>
+        </p:spPr>
+        <p:txBody>
+          <a:bodyPr vert="horz" wrap="none" lIns="91440" tIns="45720" rIns="91440" bIns="45720" numCol="1" anchor="ctr" anchorCtr="0" compatLnSpc="1">
+            <a:prstTxWarp prst="textNoShape">
+              <a:avLst/>
+            </a:prstTxWarp>
+            <a:spAutoFit/>
+          </a:bodyPr>
+          <a:lstStyle/>
+          <a:p>
+            <a:endParaRPr lang="es-MX"/>
+          </a:p>
+        </p:txBody>
+      </p:sp>
     </p:spTree>
     <p:extLst>
       <p:ext uri="{BB962C8B-B14F-4D97-AF65-F5344CB8AC3E}">
@@ -10212,7 +9884,12 @@
             <p:ph type="body" idx="1"/>
           </p:nvPr>
         </p:nvSpPr>
-        <p:spPr/>
+        <p:spPr>
+          <a:xfrm>
+            <a:off x="716550" y="919950"/>
+            <a:ext cx="7710900" cy="3303600"/>
+          </a:xfrm>
+        </p:spPr>
         <p:txBody>
           <a:bodyPr/>
           <a:lstStyle/>
@@ -10257,9 +9934,17 @@
               <a:buNone/>
             </a:pPr>
             <a:r>
-              <a:rPr lang="es-MX" sz="2000"/>
+              <a:rPr lang="es-MX" sz="2000" dirty="0">
+                <a:hlinkClick r:id="rId3"/>
+              </a:rPr>
               <a:t>https://github.com/jesusapb/SURA-BOT</a:t>
             </a:r>
+            <a:endParaRPr lang="es-MX" sz="2000" dirty="0"/>
+          </a:p>
+          <a:p>
+            <a:pPr marL="38100" indent="0">
+              <a:buNone/>
+            </a:pPr>
             <a:endParaRPr lang="es-MX" sz="2000" dirty="0"/>
           </a:p>
         </p:txBody>

--- a/documentacion/Surabot.pptx
+++ b/documentacion/Surabot.pptx
@@ -5811,19 +5811,27 @@
             </a:r>
             <a:r>
               <a:rPr lang="en-US" dirty="0"/>
-              <a:t> las personas que </a:t>
+              <a:t> la </a:t>
             </a:r>
             <a:r>
               <a:rPr lang="en-US" dirty="0" err="1"/>
-              <a:t>quieran</a:t>
+              <a:t>capacitación</a:t>
             </a:r>
             <a:r>
               <a:rPr lang="en-US" dirty="0"/>
-              <a:t> ser </a:t>
+              <a:t> de los </a:t>
             </a:r>
             <a:r>
               <a:rPr lang="en-US" dirty="0" err="1"/>
-              <a:t>reclutadas</a:t>
+              <a:t>nuevos</a:t>
+            </a:r>
+            <a:r>
+              <a:rPr lang="en-US" dirty="0"/>
+              <a:t> </a:t>
+            </a:r>
+            <a:r>
+              <a:rPr lang="en-US" dirty="0" err="1"/>
+              <a:t>trabajadores</a:t>
             </a:r>
             <a:r>
               <a:rPr lang="en-US" dirty="0"/>
@@ -6286,7 +6294,15 @@
             </a:r>
             <a:r>
               <a:rPr lang="en-US" dirty="0"/>
-              <a:t> document y </a:t>
+              <a:t> </a:t>
+            </a:r>
+            <a:r>
+              <a:rPr lang="en-US" dirty="0" err="1"/>
+              <a:t>documento</a:t>
+            </a:r>
+            <a:r>
+              <a:rPr lang="en-US" dirty="0"/>
+              <a:t> y </a:t>
             </a:r>
             <a:r>
               <a:rPr lang="en-US" dirty="0" err="1"/>
@@ -6440,7 +6456,7 @@
             </a:r>
             <a:r>
               <a:rPr lang="en-US" dirty="0" err="1"/>
-              <a:t>reclutado</a:t>
+              <a:t>aprobado</a:t>
             </a:r>
             <a:r>
               <a:rPr lang="en-US" dirty="0"/>
@@ -6616,14 +6632,6 @@
             <a:r>
               <a:rPr lang="en-US" dirty="0" err="1"/>
               <a:t>responsable</a:t>
-            </a:r>
-            <a:r>
-              <a:rPr lang="en-US" dirty="0"/>
-              <a:t> y </a:t>
-            </a:r>
-            <a:r>
-              <a:rPr lang="en-US" dirty="0" err="1"/>
-              <a:t>autómata</a:t>
             </a:r>
             <a:r>
               <a:rPr lang="en-US" dirty="0"/>
@@ -6771,7 +6779,7 @@
         </p:nvSpPr>
         <p:spPr>
           <a:xfrm>
-            <a:off x="758765" y="619435"/>
+            <a:off x="758765" y="145709"/>
             <a:ext cx="7012514" cy="514398"/>
           </a:xfrm>
         </p:spPr>
@@ -6833,10 +6841,10 @@
       </p:sp>
       <p:pic>
         <p:nvPicPr>
-          <p:cNvPr id="5" name="Imagen 4">
+          <p:cNvPr id="7" name="Imagen 6">
             <a:extLst>
               <a:ext uri="{FF2B5EF4-FFF2-40B4-BE49-F238E27FC236}">
-                <a16:creationId xmlns:a16="http://schemas.microsoft.com/office/drawing/2014/main" id="{35A16FC1-D033-494F-86A0-94AB668BD613}"/>
+                <a16:creationId xmlns:a16="http://schemas.microsoft.com/office/drawing/2014/main" id="{99C9C314-C02A-41FC-A703-B2FC4D9DD64C}"/>
               </a:ext>
             </a:extLst>
           </p:cNvPr>
@@ -6853,8 +6861,8 @@
         </p:blipFill>
         <p:spPr>
           <a:xfrm>
-            <a:off x="1531475" y="1133833"/>
-            <a:ext cx="5776247" cy="3752468"/>
+            <a:off x="1509135" y="848299"/>
+            <a:ext cx="6125730" cy="3780764"/>
           </a:xfrm>
           <a:prstGeom prst="rect">
             <a:avLst/>
@@ -9857,25 +9865,6 @@
       </p:grpSpPr>
       <p:sp>
         <p:nvSpPr>
-          <p:cNvPr id="2" name="1 Título"/>
-          <p:cNvSpPr>
-            <a:spLocks noGrp="1"/>
-          </p:cNvSpPr>
-          <p:nvPr>
-            <p:ph type="title"/>
-          </p:nvPr>
-        </p:nvSpPr>
-        <p:spPr/>
-        <p:txBody>
-          <a:bodyPr/>
-          <a:lstStyle/>
-          <a:p>
-            <a:endParaRPr lang="es-MX" dirty="0"/>
-          </a:p>
-        </p:txBody>
-      </p:sp>
-      <p:sp>
-        <p:nvSpPr>
           <p:cNvPr id="3" name="2 Marcador de texto"/>
           <p:cNvSpPr>
             <a:spLocks noGrp="1"/>
@@ -9886,7 +9875,7 @@
         </p:nvSpPr>
         <p:spPr>
           <a:xfrm>
-            <a:off x="716550" y="919950"/>
+            <a:off x="606381" y="1228422"/>
             <a:ext cx="7710900" cy="3303600"/>
           </a:xfrm>
         </p:spPr>
@@ -9894,34 +9883,13 @@
           <a:bodyPr/>
           <a:lstStyle/>
           <a:p>
-            <a:pPr marL="38100" indent="0">
-              <a:buNone/>
-            </a:pPr>
-            <a:r>
-              <a:rPr lang="es-MX" sz="2000" dirty="0"/>
-              <a:t>A continuación se agrega el enlace donde están nuestros documentos:</a:t>
-            </a:r>
-          </a:p>
-          <a:p>
-            <a:pPr marL="38100" indent="0">
-              <a:buNone/>
-            </a:pPr>
-            <a:r>
-              <a:rPr lang="es-MX" sz="2000" dirty="0">
-                <a:hlinkClick r:id="rId2"/>
-              </a:rPr>
-              <a:t>https://www.dropbox.com/sh/brg1xdjiz9kqxr9/AADepKlfd4vKxe8axoVKiJ7Wa?dl=0</a:t>
-            </a:r>
-            <a:endParaRPr lang="es-MX" sz="2000" dirty="0"/>
-          </a:p>
-          <a:p>
-            <a:pPr marL="38100" indent="0">
+            <a:pPr marL="38100" indent="0" algn="ctr">
               <a:buNone/>
             </a:pPr>
             <a:endParaRPr lang="es-MX" sz="2000" dirty="0"/>
           </a:p>
           <a:p>
-            <a:pPr marL="38100" indent="0">
+            <a:pPr marL="38100" indent="0" algn="ctr">
               <a:buNone/>
             </a:pPr>
             <a:r>
@@ -9930,12 +9898,12 @@
             </a:r>
           </a:p>
           <a:p>
-            <a:pPr marL="38100" indent="0">
+            <a:pPr marL="38100" indent="0" algn="ctr">
               <a:buNone/>
             </a:pPr>
             <a:r>
               <a:rPr lang="es-MX" sz="2000" dirty="0">
-                <a:hlinkClick r:id="rId3"/>
+                <a:hlinkClick r:id="rId2"/>
               </a:rPr>
               <a:t>https://github.com/jesusapb/SURA-BOT</a:t>
             </a:r>
